--- a/Hackathon for Good Indo Data Week.pptx
+++ b/Hackathon for Good Indo Data Week.pptx
@@ -1,30 +1,30 @@
 
 <file path=ppt/presentation.xml><?xml version="1.0" encoding="utf-8"?>
-<p:presentation xmlns:a="http://schemas.openxmlformats.org/drawingml/2006/main" xmlns:r="http://schemas.openxmlformats.org/officeDocument/2006/relationships" xmlns:mc="http://schemas.openxmlformats.org/markup-compatibility/2006" xmlns:mv="urn:schemas-microsoft-com:mac:vml" xmlns:p="http://schemas.openxmlformats.org/presentationml/2006/main" xmlns:c="http://schemas.openxmlformats.org/drawingml/2006/chart" xmlns:dgm="http://schemas.openxmlformats.org/drawingml/2006/diagram" xmlns:o="urn:schemas-microsoft-com:office:office" xmlns:v="urn:schemas-microsoft-com:vml" xmlns:pvml="urn:schemas-microsoft-com:office:powerpoint" xmlns:com="http://schemas.openxmlformats.org/drawingml/2006/compatibility" xmlns:p14="http://schemas.microsoft.com/office/powerpoint/2010/main" xmlns:p15="http://schemas.microsoft.com/office/powerpoint/2012/main" xmlns:ahyp="http://schemas.microsoft.com/office/drawing/2018/hyperlinkcolor" autoCompressPictures="0" strictFirstAndLastChars="0" saveSubsetFonts="1">
+<p:presentation xmlns:a="http://schemas.openxmlformats.org/drawingml/2006/main" xmlns:r="http://schemas.openxmlformats.org/officeDocument/2006/relationships" xmlns:p="http://schemas.openxmlformats.org/presentationml/2006/main" strictFirstAndLastChars="0" saveSubsetFonts="1" autoCompressPictures="0">
   <p:sldMasterIdLst>
-    <p:sldMasterId id="2147483648" r:id="rId4"/>
+    <p:sldMasterId id="2147483648" r:id="rId1"/>
   </p:sldMasterIdLst>
   <p:notesMasterIdLst>
-    <p:notesMasterId r:id="rId5"/>
+    <p:notesMasterId r:id="rId14"/>
   </p:notesMasterIdLst>
   <p:sldIdLst>
-    <p:sldId id="256" r:id="rId6"/>
-    <p:sldId id="257" r:id="rId7"/>
-    <p:sldId id="258" r:id="rId8"/>
-    <p:sldId id="259" r:id="rId9"/>
-    <p:sldId id="260" r:id="rId10"/>
-    <p:sldId id="261" r:id="rId11"/>
-    <p:sldId id="262" r:id="rId12"/>
-    <p:sldId id="263" r:id="rId13"/>
-    <p:sldId id="264" r:id="rId14"/>
-    <p:sldId id="265" r:id="rId15"/>
-    <p:sldId id="266" r:id="rId16"/>
-    <p:sldId id="267" r:id="rId17"/>
+    <p:sldId id="256" r:id="rId2"/>
+    <p:sldId id="257" r:id="rId3"/>
+    <p:sldId id="258" r:id="rId4"/>
+    <p:sldId id="259" r:id="rId5"/>
+    <p:sldId id="260" r:id="rId6"/>
+    <p:sldId id="261" r:id="rId7"/>
+    <p:sldId id="262" r:id="rId8"/>
+    <p:sldId id="263" r:id="rId9"/>
+    <p:sldId id="264" r:id="rId10"/>
+    <p:sldId id="265" r:id="rId11"/>
+    <p:sldId id="266" r:id="rId12"/>
+    <p:sldId id="267" r:id="rId13"/>
   </p:sldIdLst>
-  <p:sldSz cy="5143500" cx="9144000"/>
+  <p:sldSz cx="9144000" cy="5143500" type="screen16x9"/>
   <p:notesSz cx="9144000" cy="5143500"/>
   <p:defaultTextStyle>
-    <a:defPPr lvl="0" marR="0" rtl="0" algn="l">
+    <a:defPPr marR="0" lvl="0" algn="l" rtl="0">
       <a:lnSpc>
         <a:spcPct val="100000"/>
       </a:lnSpc>
@@ -35,7 +35,7 @@
         <a:spcPts val="0"/>
       </a:spcAft>
     </a:defPPr>
-    <a:lvl1pPr lvl="0" marR="0" rtl="0" algn="l">
+    <a:lvl1pPr marR="0" lvl="0" algn="l" rtl="0">
       <a:lnSpc>
         <a:spcPct val="100000"/>
       </a:lnSpc>
@@ -49,7 +49,7 @@
         <a:srgbClr val="000000"/>
       </a:buClr>
       <a:buFont typeface="Arial"/>
-      <a:defRPr b="0" i="0" sz="1400" u="none" cap="none" strike="noStrike">
+      <a:defRPr sz="1400" b="0" i="0" u="none" strike="noStrike" cap="none">
         <a:solidFill>
           <a:srgbClr val="000000"/>
         </a:solidFill>
@@ -59,7 +59,7 @@
         <a:sym typeface="Arial"/>
       </a:defRPr>
     </a:lvl1pPr>
-    <a:lvl2pPr lvl="1" marR="0" rtl="0" algn="l">
+    <a:lvl2pPr marR="0" lvl="1" algn="l" rtl="0">
       <a:lnSpc>
         <a:spcPct val="100000"/>
       </a:lnSpc>
@@ -73,7 +73,7 @@
         <a:srgbClr val="000000"/>
       </a:buClr>
       <a:buFont typeface="Arial"/>
-      <a:defRPr b="0" i="0" sz="1400" u="none" cap="none" strike="noStrike">
+      <a:defRPr sz="1400" b="0" i="0" u="none" strike="noStrike" cap="none">
         <a:solidFill>
           <a:srgbClr val="000000"/>
         </a:solidFill>
@@ -83,7 +83,7 @@
         <a:sym typeface="Arial"/>
       </a:defRPr>
     </a:lvl2pPr>
-    <a:lvl3pPr lvl="2" marR="0" rtl="0" algn="l">
+    <a:lvl3pPr marR="0" lvl="2" algn="l" rtl="0">
       <a:lnSpc>
         <a:spcPct val="100000"/>
       </a:lnSpc>
@@ -97,7 +97,7 @@
         <a:srgbClr val="000000"/>
       </a:buClr>
       <a:buFont typeface="Arial"/>
-      <a:defRPr b="0" i="0" sz="1400" u="none" cap="none" strike="noStrike">
+      <a:defRPr sz="1400" b="0" i="0" u="none" strike="noStrike" cap="none">
         <a:solidFill>
           <a:srgbClr val="000000"/>
         </a:solidFill>
@@ -107,7 +107,7 @@
         <a:sym typeface="Arial"/>
       </a:defRPr>
     </a:lvl3pPr>
-    <a:lvl4pPr lvl="3" marR="0" rtl="0" algn="l">
+    <a:lvl4pPr marR="0" lvl="3" algn="l" rtl="0">
       <a:lnSpc>
         <a:spcPct val="100000"/>
       </a:lnSpc>
@@ -121,7 +121,7 @@
         <a:srgbClr val="000000"/>
       </a:buClr>
       <a:buFont typeface="Arial"/>
-      <a:defRPr b="0" i="0" sz="1400" u="none" cap="none" strike="noStrike">
+      <a:defRPr sz="1400" b="0" i="0" u="none" strike="noStrike" cap="none">
         <a:solidFill>
           <a:srgbClr val="000000"/>
         </a:solidFill>
@@ -131,7 +131,7 @@
         <a:sym typeface="Arial"/>
       </a:defRPr>
     </a:lvl4pPr>
-    <a:lvl5pPr lvl="4" marR="0" rtl="0" algn="l">
+    <a:lvl5pPr marR="0" lvl="4" algn="l" rtl="0">
       <a:lnSpc>
         <a:spcPct val="100000"/>
       </a:lnSpc>
@@ -145,7 +145,7 @@
         <a:srgbClr val="000000"/>
       </a:buClr>
       <a:buFont typeface="Arial"/>
-      <a:defRPr b="0" i="0" sz="1400" u="none" cap="none" strike="noStrike">
+      <a:defRPr sz="1400" b="0" i="0" u="none" strike="noStrike" cap="none">
         <a:solidFill>
           <a:srgbClr val="000000"/>
         </a:solidFill>
@@ -155,7 +155,7 @@
         <a:sym typeface="Arial"/>
       </a:defRPr>
     </a:lvl5pPr>
-    <a:lvl6pPr lvl="5" marR="0" rtl="0" algn="l">
+    <a:lvl6pPr marR="0" lvl="5" algn="l" rtl="0">
       <a:lnSpc>
         <a:spcPct val="100000"/>
       </a:lnSpc>
@@ -169,7 +169,7 @@
         <a:srgbClr val="000000"/>
       </a:buClr>
       <a:buFont typeface="Arial"/>
-      <a:defRPr b="0" i="0" sz="1400" u="none" cap="none" strike="noStrike">
+      <a:defRPr sz="1400" b="0" i="0" u="none" strike="noStrike" cap="none">
         <a:solidFill>
           <a:srgbClr val="000000"/>
         </a:solidFill>
@@ -179,7 +179,7 @@
         <a:sym typeface="Arial"/>
       </a:defRPr>
     </a:lvl6pPr>
-    <a:lvl7pPr lvl="6" marR="0" rtl="0" algn="l">
+    <a:lvl7pPr marR="0" lvl="6" algn="l" rtl="0">
       <a:lnSpc>
         <a:spcPct val="100000"/>
       </a:lnSpc>
@@ -193,7 +193,7 @@
         <a:srgbClr val="000000"/>
       </a:buClr>
       <a:buFont typeface="Arial"/>
-      <a:defRPr b="0" i="0" sz="1400" u="none" cap="none" strike="noStrike">
+      <a:defRPr sz="1400" b="0" i="0" u="none" strike="noStrike" cap="none">
         <a:solidFill>
           <a:srgbClr val="000000"/>
         </a:solidFill>
@@ -203,7 +203,7 @@
         <a:sym typeface="Arial"/>
       </a:defRPr>
     </a:lvl7pPr>
-    <a:lvl8pPr lvl="7" marR="0" rtl="0" algn="l">
+    <a:lvl8pPr marR="0" lvl="7" algn="l" rtl="0">
       <a:lnSpc>
         <a:spcPct val="100000"/>
       </a:lnSpc>
@@ -217,7 +217,7 @@
         <a:srgbClr val="000000"/>
       </a:buClr>
       <a:buFont typeface="Arial"/>
-      <a:defRPr b="0" i="0" sz="1400" u="none" cap="none" strike="noStrike">
+      <a:defRPr sz="1400" b="0" i="0" u="none" strike="noStrike" cap="none">
         <a:solidFill>
           <a:srgbClr val="000000"/>
         </a:solidFill>
@@ -227,7 +227,7 @@
         <a:sym typeface="Arial"/>
       </a:defRPr>
     </a:lvl8pPr>
-    <a:lvl9pPr lvl="8" marR="0" rtl="0" algn="l">
+    <a:lvl9pPr marR="0" lvl="8" algn="l" rtl="0">
       <a:lnSpc>
         <a:spcPct val="100000"/>
       </a:lnSpc>
@@ -241,7 +241,7 @@
         <a:srgbClr val="000000"/>
       </a:buClr>
       <a:buFont typeface="Arial"/>
-      <a:defRPr b="0" i="0" sz="1400" u="none" cap="none" strike="noStrike">
+      <a:defRPr sz="1400" b="0" i="0" u="none" strike="noStrike" cap="none">
         <a:solidFill>
           <a:srgbClr val="000000"/>
         </a:solidFill>
@@ -254,7 +254,7 @@
   </p:defaultTextStyle>
   <p:extLst>
     <p:ext uri="{EFAFB233-063F-42B5-8137-9DF3F51BA10A}">
-      <p15:sldGuideLst>
+      <p15:sldGuideLst xmlns:p15="http://schemas.microsoft.com/office/powerpoint/2012/main">
         <p15:guide id="1" orient="horz" pos="2880">
           <p15:clr>
             <a:srgbClr val="000000"/>
@@ -268,18 +268,23 @@
       </p15:sldGuideLst>
     </p:ext>
     <p:ext uri="http://customooxmlschemas.google.com/">
-      <go:slidesCustomData xmlns:go="http://customooxmlschemas.google.com/" r:id="rId18" roundtripDataSignature="AMtx7mjTi5vUwhifNhgrpBoBPU57Y0kHMA=="/>
+      <go:slidesCustomData xmlns:go="http://customooxmlschemas.google.com/" xmlns:ahyp="http://schemas.microsoft.com/office/drawing/2018/hyperlinkcolor" xmlns:p15="http://schemas.microsoft.com/office/powerpoint/2012/main" xmlns:p14="http://schemas.microsoft.com/office/powerpoint/2010/main" xmlns:com="http://schemas.openxmlformats.org/drawingml/2006/compatibility" xmlns:pvml="urn:schemas-microsoft-com:office:powerpoint" xmlns:v="urn:schemas-microsoft-com:vml" xmlns:o="urn:schemas-microsoft-com:office:office" xmlns:dgm="http://schemas.openxmlformats.org/drawingml/2006/diagram" xmlns:c="http://schemas.openxmlformats.org/drawingml/2006/chart" xmlns:mv="urn:schemas-microsoft-com:mac:vml" xmlns:mc="http://schemas.openxmlformats.org/markup-compatibility/2006" xmlns="" r:id="rId18" roundtripDataSignature="AMtx7mjTi5vUwhifNhgrpBoBPU57Y0kHMA=="/>
     </p:ext>
   </p:extLst>
 </p:presentation>
 </file>
 
 <file path=ppt/notesMasters/notesMaster1.xml><?xml version="1.0" encoding="utf-8"?>
-<p:notesMaster xmlns:a="http://schemas.openxmlformats.org/drawingml/2006/main" xmlns:r="http://schemas.openxmlformats.org/officeDocument/2006/relationships" xmlns:mc="http://schemas.openxmlformats.org/markup-compatibility/2006" xmlns:mv="urn:schemas-microsoft-com:mac:vml" xmlns:p="http://schemas.openxmlformats.org/presentationml/2006/main" xmlns:c="http://schemas.openxmlformats.org/drawingml/2006/chart" xmlns:dgm="http://schemas.openxmlformats.org/drawingml/2006/diagram" xmlns:o="urn:schemas-microsoft-com:office:office" xmlns:v="urn:schemas-microsoft-com:vml" xmlns:pvml="urn:schemas-microsoft-com:office:powerpoint" xmlns:com="http://schemas.openxmlformats.org/drawingml/2006/compatibility" xmlns:p14="http://schemas.microsoft.com/office/powerpoint/2010/main" xmlns:p15="http://schemas.microsoft.com/office/powerpoint/2012/main" xmlns:ahyp="http://schemas.microsoft.com/office/drawing/2018/hyperlinkcolor">
+<p:notesMaster xmlns:a="http://schemas.openxmlformats.org/drawingml/2006/main" xmlns:r="http://schemas.openxmlformats.org/officeDocument/2006/relationships" xmlns:p="http://schemas.openxmlformats.org/presentationml/2006/main">
   <p:cSld>
+    <p:bg>
+      <p:bgRef idx="1001">
+        <a:schemeClr val="bg1"/>
+      </p:bgRef>
+    </p:bg>
     <p:spTree>
       <p:nvGrpSpPr>
-        <p:cNvPr id="2" name="Shape 2"/>
+        <p:cNvPr id="1" name="Shape 2"/>
         <p:cNvGrpSpPr/>
         <p:nvPr/>
       </p:nvGrpSpPr>
@@ -294,9 +299,11 @@
       <p:sp>
         <p:nvSpPr>
           <p:cNvPr id="3" name="Google Shape;3;n"/>
-          <p:cNvSpPr/>
+          <p:cNvSpPr>
+            <a:spLocks noGrp="1" noRot="1" noChangeAspect="1"/>
+          </p:cNvSpPr>
           <p:nvPr>
-            <p:ph idx="2" type="sldImg"/>
+            <p:ph type="sldImg" idx="2"/>
           </p:nvPr>
         </p:nvSpPr>
         <p:spPr>
@@ -305,9 +312,13 @@
             <a:ext cx="6096300" cy="1928800"/>
           </a:xfrm>
           <a:custGeom>
-            <a:rect b="b" l="l" r="r" t="t"/>
+            <a:avLst/>
+            <a:gdLst/>
+            <a:ahLst/>
+            <a:cxnLst/>
+            <a:rect l="l" t="t" r="r" b="b"/>
             <a:pathLst>
-              <a:path extrusionOk="0" h="120000" w="120000">
+              <a:path w="120000" h="120000" extrusionOk="0">
                 <a:moveTo>
                   <a:pt x="0" y="0"/>
                 </a:moveTo>
@@ -325,23 +336,25 @@
             </a:pathLst>
           </a:custGeom>
           <a:noFill/>
-          <a:ln cap="flat" cmpd="sng" w="9525">
+          <a:ln w="9525" cap="flat" cmpd="sng">
             <a:solidFill>
               <a:srgbClr val="000000"/>
             </a:solidFill>
             <a:prstDash val="solid"/>
             <a:round/>
-            <a:headEnd len="sm" w="sm" type="none"/>
-            <a:tailEnd len="sm" w="sm" type="none"/>
+            <a:headEnd type="none" w="sm" len="sm"/>
+            <a:tailEnd type="none" w="sm" len="sm"/>
           </a:ln>
         </p:spPr>
       </p:sp>
       <p:sp>
         <p:nvSpPr>
           <p:cNvPr id="4" name="Google Shape;4;n"/>
-          <p:cNvSpPr txBox="1"/>
+          <p:cNvSpPr txBox="1">
+            <a:spLocks noGrp="1"/>
+          </p:cNvSpPr>
           <p:nvPr>
-            <p:ph idx="1" type="body"/>
+            <p:ph type="body" idx="1"/>
           </p:nvPr>
         </p:nvSpPr>
         <p:spPr>
@@ -358,11 +371,11 @@
           </a:ln>
         </p:spPr>
         <p:txBody>
-          <a:bodyPr anchorCtr="0" anchor="t" bIns="91425" lIns="91425" spcFirstLastPara="1" rIns="91425" wrap="square" tIns="91425">
+          <a:bodyPr spcFirstLastPara="1" wrap="square" lIns="91425" tIns="91425" rIns="91425" bIns="91425" anchor="t" anchorCtr="0">
             <a:noAutofit/>
           </a:bodyPr>
           <a:lstStyle>
-            <a:lvl1pPr indent="-298450" lvl="0" marL="457200">
+            <a:lvl1pPr marL="457200" lvl="0" indent="-298450">
               <a:spcBef>
                 <a:spcPts val="0"/>
               </a:spcBef>
@@ -373,7 +386,7 @@
               <a:buChar char="●"/>
               <a:defRPr sz="1100"/>
             </a:lvl1pPr>
-            <a:lvl2pPr indent="-298450" lvl="1" marL="914400">
+            <a:lvl2pPr marL="914400" lvl="1" indent="-298450">
               <a:spcBef>
                 <a:spcPts val="0"/>
               </a:spcBef>
@@ -384,7 +397,7 @@
               <a:buChar char="○"/>
               <a:defRPr sz="1100"/>
             </a:lvl2pPr>
-            <a:lvl3pPr indent="-298450" lvl="2" marL="1371600">
+            <a:lvl3pPr marL="1371600" lvl="2" indent="-298450">
               <a:spcBef>
                 <a:spcPts val="0"/>
               </a:spcBef>
@@ -395,7 +408,7 @@
               <a:buChar char="■"/>
               <a:defRPr sz="1100"/>
             </a:lvl3pPr>
-            <a:lvl4pPr indent="-298450" lvl="3" marL="1828800">
+            <a:lvl4pPr marL="1828800" lvl="3" indent="-298450">
               <a:spcBef>
                 <a:spcPts val="0"/>
               </a:spcBef>
@@ -406,7 +419,7 @@
               <a:buChar char="●"/>
               <a:defRPr sz="1100"/>
             </a:lvl4pPr>
-            <a:lvl5pPr indent="-298450" lvl="4" marL="2286000">
+            <a:lvl5pPr marL="2286000" lvl="4" indent="-298450">
               <a:spcBef>
                 <a:spcPts val="0"/>
               </a:spcBef>
@@ -417,7 +430,7 @@
               <a:buChar char="○"/>
               <a:defRPr sz="1100"/>
             </a:lvl5pPr>
-            <a:lvl6pPr indent="-298450" lvl="5" marL="2743200">
+            <a:lvl6pPr marL="2743200" lvl="5" indent="-298450">
               <a:spcBef>
                 <a:spcPts val="0"/>
               </a:spcBef>
@@ -428,7 +441,7 @@
               <a:buChar char="■"/>
               <a:defRPr sz="1100"/>
             </a:lvl6pPr>
-            <a:lvl7pPr indent="-298450" lvl="6" marL="3200400">
+            <a:lvl7pPr marL="3200400" lvl="6" indent="-298450">
               <a:spcBef>
                 <a:spcPts val="0"/>
               </a:spcBef>
@@ -439,7 +452,7 @@
               <a:buChar char="●"/>
               <a:defRPr sz="1100"/>
             </a:lvl7pPr>
-            <a:lvl8pPr indent="-298450" lvl="7" marL="3657600">
+            <a:lvl8pPr marL="3657600" lvl="7" indent="-298450">
               <a:spcBef>
                 <a:spcPts val="0"/>
               </a:spcBef>
@@ -450,7 +463,7 @@
               <a:buChar char="○"/>
               <a:defRPr sz="1100"/>
             </a:lvl8pPr>
-            <a:lvl9pPr indent="-298450" lvl="8" marL="4114800">
+            <a:lvl9pPr marL="4114800" lvl="8" indent="-298450">
               <a:spcBef>
                 <a:spcPts val="0"/>
               </a:spcBef>
@@ -462,14 +475,16 @@
               <a:defRPr sz="1100"/>
             </a:lvl9pPr>
           </a:lstStyle>
-          <a:p/>
+          <a:p>
+            <a:endParaRPr/>
+          </a:p>
         </p:txBody>
       </p:sp>
     </p:spTree>
   </p:cSld>
-  <p:clrMap accent1="accent1" accent2="accent2" accent3="accent3" accent4="accent4" accent5="accent5" accent6="accent6" bg1="lt1" bg2="dk2" tx1="dk1" tx2="lt2" folHlink="folHlink" hlink="hlink"/>
+  <p:clrMap bg1="lt1" tx1="dk1" bg2="dk2" tx2="lt2" accent1="accent1" accent2="accent2" accent3="accent3" accent4="accent4" accent5="accent5" accent6="accent6" hlink="hlink" folHlink="folHlink"/>
   <p:notesStyle>
-    <a:defPPr lvl="0" marR="0" rtl="0" algn="l">
+    <a:defPPr marR="0" lvl="0" algn="l" rtl="0">
       <a:lnSpc>
         <a:spcPct val="100000"/>
       </a:lnSpc>
@@ -480,7 +495,7 @@
         <a:spcPts val="0"/>
       </a:spcAft>
     </a:defPPr>
-    <a:lvl1pPr lvl="0" marR="0" rtl="0" algn="l">
+    <a:lvl1pPr marR="0" lvl="0" algn="l" rtl="0">
       <a:lnSpc>
         <a:spcPct val="100000"/>
       </a:lnSpc>
@@ -494,7 +509,7 @@
         <a:srgbClr val="000000"/>
       </a:buClr>
       <a:buFont typeface="Arial"/>
-      <a:defRPr b="0" i="0" sz="1400" u="none" cap="none" strike="noStrike">
+      <a:defRPr sz="1400" b="0" i="0" u="none" strike="noStrike" cap="none">
         <a:solidFill>
           <a:srgbClr val="000000"/>
         </a:solidFill>
@@ -504,7 +519,7 @@
         <a:sym typeface="Arial"/>
       </a:defRPr>
     </a:lvl1pPr>
-    <a:lvl2pPr lvl="1" marR="0" rtl="0" algn="l">
+    <a:lvl2pPr marR="0" lvl="1" algn="l" rtl="0">
       <a:lnSpc>
         <a:spcPct val="100000"/>
       </a:lnSpc>
@@ -518,7 +533,7 @@
         <a:srgbClr val="000000"/>
       </a:buClr>
       <a:buFont typeface="Arial"/>
-      <a:defRPr b="0" i="0" sz="1400" u="none" cap="none" strike="noStrike">
+      <a:defRPr sz="1400" b="0" i="0" u="none" strike="noStrike" cap="none">
         <a:solidFill>
           <a:srgbClr val="000000"/>
         </a:solidFill>
@@ -528,7 +543,7 @@
         <a:sym typeface="Arial"/>
       </a:defRPr>
     </a:lvl2pPr>
-    <a:lvl3pPr lvl="2" marR="0" rtl="0" algn="l">
+    <a:lvl3pPr marR="0" lvl="2" algn="l" rtl="0">
       <a:lnSpc>
         <a:spcPct val="100000"/>
       </a:lnSpc>
@@ -542,7 +557,7 @@
         <a:srgbClr val="000000"/>
       </a:buClr>
       <a:buFont typeface="Arial"/>
-      <a:defRPr b="0" i="0" sz="1400" u="none" cap="none" strike="noStrike">
+      <a:defRPr sz="1400" b="0" i="0" u="none" strike="noStrike" cap="none">
         <a:solidFill>
           <a:srgbClr val="000000"/>
         </a:solidFill>
@@ -552,7 +567,7 @@
         <a:sym typeface="Arial"/>
       </a:defRPr>
     </a:lvl3pPr>
-    <a:lvl4pPr lvl="3" marR="0" rtl="0" algn="l">
+    <a:lvl4pPr marR="0" lvl="3" algn="l" rtl="0">
       <a:lnSpc>
         <a:spcPct val="100000"/>
       </a:lnSpc>
@@ -566,7 +581,7 @@
         <a:srgbClr val="000000"/>
       </a:buClr>
       <a:buFont typeface="Arial"/>
-      <a:defRPr b="0" i="0" sz="1400" u="none" cap="none" strike="noStrike">
+      <a:defRPr sz="1400" b="0" i="0" u="none" strike="noStrike" cap="none">
         <a:solidFill>
           <a:srgbClr val="000000"/>
         </a:solidFill>
@@ -576,7 +591,7 @@
         <a:sym typeface="Arial"/>
       </a:defRPr>
     </a:lvl4pPr>
-    <a:lvl5pPr lvl="4" marR="0" rtl="0" algn="l">
+    <a:lvl5pPr marR="0" lvl="4" algn="l" rtl="0">
       <a:lnSpc>
         <a:spcPct val="100000"/>
       </a:lnSpc>
@@ -590,7 +605,7 @@
         <a:srgbClr val="000000"/>
       </a:buClr>
       <a:buFont typeface="Arial"/>
-      <a:defRPr b="0" i="0" sz="1400" u="none" cap="none" strike="noStrike">
+      <a:defRPr sz="1400" b="0" i="0" u="none" strike="noStrike" cap="none">
         <a:solidFill>
           <a:srgbClr val="000000"/>
         </a:solidFill>
@@ -600,7 +615,7 @@
         <a:sym typeface="Arial"/>
       </a:defRPr>
     </a:lvl5pPr>
-    <a:lvl6pPr lvl="5" marR="0" rtl="0" algn="l">
+    <a:lvl6pPr marR="0" lvl="5" algn="l" rtl="0">
       <a:lnSpc>
         <a:spcPct val="100000"/>
       </a:lnSpc>
@@ -614,7 +629,7 @@
         <a:srgbClr val="000000"/>
       </a:buClr>
       <a:buFont typeface="Arial"/>
-      <a:defRPr b="0" i="0" sz="1400" u="none" cap="none" strike="noStrike">
+      <a:defRPr sz="1400" b="0" i="0" u="none" strike="noStrike" cap="none">
         <a:solidFill>
           <a:srgbClr val="000000"/>
         </a:solidFill>
@@ -624,7 +639,7 @@
         <a:sym typeface="Arial"/>
       </a:defRPr>
     </a:lvl6pPr>
-    <a:lvl7pPr lvl="6" marR="0" rtl="0" algn="l">
+    <a:lvl7pPr marR="0" lvl="6" algn="l" rtl="0">
       <a:lnSpc>
         <a:spcPct val="100000"/>
       </a:lnSpc>
@@ -638,7 +653,7 @@
         <a:srgbClr val="000000"/>
       </a:buClr>
       <a:buFont typeface="Arial"/>
-      <a:defRPr b="0" i="0" sz="1400" u="none" cap="none" strike="noStrike">
+      <a:defRPr sz="1400" b="0" i="0" u="none" strike="noStrike" cap="none">
         <a:solidFill>
           <a:srgbClr val="000000"/>
         </a:solidFill>
@@ -648,7 +663,7 @@
         <a:sym typeface="Arial"/>
       </a:defRPr>
     </a:lvl7pPr>
-    <a:lvl8pPr lvl="7" marR="0" rtl="0" algn="l">
+    <a:lvl8pPr marR="0" lvl="7" algn="l" rtl="0">
       <a:lnSpc>
         <a:spcPct val="100000"/>
       </a:lnSpc>
@@ -662,7 +677,7 @@
         <a:srgbClr val="000000"/>
       </a:buClr>
       <a:buFont typeface="Arial"/>
-      <a:defRPr b="0" i="0" sz="1400" u="none" cap="none" strike="noStrike">
+      <a:defRPr sz="1400" b="0" i="0" u="none" strike="noStrike" cap="none">
         <a:solidFill>
           <a:srgbClr val="000000"/>
         </a:solidFill>
@@ -672,7 +687,7 @@
         <a:sym typeface="Arial"/>
       </a:defRPr>
     </a:lvl8pPr>
-    <a:lvl9pPr lvl="8" marR="0" rtl="0" algn="l">
+    <a:lvl9pPr marR="0" lvl="8" algn="l" rtl="0">
       <a:lnSpc>
         <a:spcPct val="100000"/>
       </a:lnSpc>
@@ -686,7 +701,7 @@
         <a:srgbClr val="000000"/>
       </a:buClr>
       <a:buFont typeface="Arial"/>
-      <a:defRPr b="0" i="0" sz="1400" u="none" cap="none" strike="noStrike">
+      <a:defRPr sz="1400" b="0" i="0" u="none" strike="noStrike" cap="none">
         <a:solidFill>
           <a:srgbClr val="000000"/>
         </a:solidFill>
@@ -701,11 +716,11 @@
 </file>
 
 <file path=ppt/notesSlides/notesSlide1.xml><?xml version="1.0" encoding="utf-8"?>
-<p:notes xmlns:a="http://schemas.openxmlformats.org/drawingml/2006/main" xmlns:r="http://schemas.openxmlformats.org/officeDocument/2006/relationships" xmlns:mc="http://schemas.openxmlformats.org/markup-compatibility/2006" xmlns:mv="urn:schemas-microsoft-com:mac:vml" xmlns:p="http://schemas.openxmlformats.org/presentationml/2006/main" xmlns:c="http://schemas.openxmlformats.org/drawingml/2006/chart" xmlns:dgm="http://schemas.openxmlformats.org/drawingml/2006/diagram" xmlns:o="urn:schemas-microsoft-com:office:office" xmlns:v="urn:schemas-microsoft-com:vml" xmlns:pvml="urn:schemas-microsoft-com:office:powerpoint" xmlns:com="http://schemas.openxmlformats.org/drawingml/2006/compatibility" xmlns:p14="http://schemas.microsoft.com/office/powerpoint/2010/main" xmlns:p15="http://schemas.microsoft.com/office/powerpoint/2012/main" xmlns:ahyp="http://schemas.microsoft.com/office/drawing/2018/hyperlinkcolor" showMasterPhAnim="0" showMasterSp="0">
+<p:notes xmlns:a="http://schemas.openxmlformats.org/drawingml/2006/main" xmlns:r="http://schemas.openxmlformats.org/officeDocument/2006/relationships" xmlns:p="http://schemas.openxmlformats.org/presentationml/2006/main" showMasterSp="0" showMasterPhAnim="0">
   <p:cSld>
     <p:spTree>
       <p:nvGrpSpPr>
-        <p:cNvPr id="40" name="Shape 40"/>
+        <p:cNvPr id="1" name="Shape 40"/>
         <p:cNvGrpSpPr/>
         <p:nvPr/>
       </p:nvGrpSpPr>
@@ -720,9 +735,11 @@
       <p:sp>
         <p:nvSpPr>
           <p:cNvPr id="41" name="Google Shape;41;p1:notes"/>
-          <p:cNvSpPr txBox="1"/>
+          <p:cNvSpPr txBox="1">
+            <a:spLocks noGrp="1"/>
+          </p:cNvSpPr>
           <p:nvPr>
-            <p:ph idx="1" type="body"/>
+            <p:ph type="body" idx="1"/>
           </p:nvPr>
         </p:nvSpPr>
         <p:spPr>
@@ -735,12 +752,12 @@
           </a:prstGeom>
         </p:spPr>
         <p:txBody>
-          <a:bodyPr anchorCtr="0" anchor="t" bIns="91425" lIns="91425" spcFirstLastPara="1" rIns="91425" wrap="square" tIns="91425">
+          <a:bodyPr spcFirstLastPara="1" wrap="square" lIns="91425" tIns="91425" rIns="91425" bIns="91425" anchor="t" anchorCtr="0">
             <a:noAutofit/>
           </a:bodyPr>
           <a:lstStyle/>
           <a:p>
-            <a:pPr indent="0" lvl="0" marL="0" rtl="0" algn="l">
+            <a:pPr marL="0" lvl="0" indent="0" algn="l" rtl="0">
               <a:spcBef>
                 <a:spcPts val="0"/>
               </a:spcBef>
@@ -749,9 +766,6 @@
               </a:spcAft>
               <a:buNone/>
             </a:pPr>
-            <a:r>
-              <a:t/>
-            </a:r>
             <a:endParaRPr/>
           </a:p>
         </p:txBody>
@@ -759,9 +773,11 @@
       <p:sp>
         <p:nvSpPr>
           <p:cNvPr id="42" name="Google Shape;42;p1:notes"/>
-          <p:cNvSpPr/>
+          <p:cNvSpPr>
+            <a:spLocks noGrp="1" noRot="1" noChangeAspect="1"/>
+          </p:cNvSpPr>
           <p:nvPr>
-            <p:ph idx="2" type="sldImg"/>
+            <p:ph type="sldImg" idx="2"/>
           </p:nvPr>
         </p:nvSpPr>
         <p:spPr>
@@ -770,9 +786,13 @@
             <a:ext cx="6096300" cy="1928800"/>
           </a:xfrm>
           <a:custGeom>
-            <a:rect b="b" l="l" r="r" t="t"/>
+            <a:avLst/>
+            <a:gdLst/>
+            <a:ahLst/>
+            <a:cxnLst/>
+            <a:rect l="l" t="t" r="r" b="b"/>
             <a:pathLst>
-              <a:path extrusionOk="0" h="120000" w="120000">
+              <a:path w="120000" h="120000" extrusionOk="0">
                 <a:moveTo>
                   <a:pt x="0" y="0"/>
                 </a:moveTo>
@@ -800,11 +820,11 @@
 </file>
 
 <file path=ppt/notesSlides/notesSlide10.xml><?xml version="1.0" encoding="utf-8"?>
-<p:notes xmlns:a="http://schemas.openxmlformats.org/drawingml/2006/main" xmlns:r="http://schemas.openxmlformats.org/officeDocument/2006/relationships" xmlns:mc="http://schemas.openxmlformats.org/markup-compatibility/2006" xmlns:mv="urn:schemas-microsoft-com:mac:vml" xmlns:p="http://schemas.openxmlformats.org/presentationml/2006/main" xmlns:c="http://schemas.openxmlformats.org/drawingml/2006/chart" xmlns:dgm="http://schemas.openxmlformats.org/drawingml/2006/diagram" xmlns:o="urn:schemas-microsoft-com:office:office" xmlns:v="urn:schemas-microsoft-com:vml" xmlns:pvml="urn:schemas-microsoft-com:office:powerpoint" xmlns:com="http://schemas.openxmlformats.org/drawingml/2006/compatibility" xmlns:p14="http://schemas.microsoft.com/office/powerpoint/2010/main" xmlns:p15="http://schemas.microsoft.com/office/powerpoint/2012/main" xmlns:ahyp="http://schemas.microsoft.com/office/drawing/2018/hyperlinkcolor" showMasterPhAnim="0" showMasterSp="0">
+<p:notes xmlns:a="http://schemas.openxmlformats.org/drawingml/2006/main" xmlns:r="http://schemas.openxmlformats.org/officeDocument/2006/relationships" xmlns:p="http://schemas.openxmlformats.org/presentationml/2006/main" showMasterSp="0" showMasterPhAnim="0">
   <p:cSld>
     <p:spTree>
       <p:nvGrpSpPr>
-        <p:cNvPr id="131" name="Shape 131"/>
+        <p:cNvPr id="1" name="Shape 131"/>
         <p:cNvGrpSpPr/>
         <p:nvPr/>
       </p:nvGrpSpPr>
@@ -819,9 +839,11 @@
       <p:sp>
         <p:nvSpPr>
           <p:cNvPr id="132" name="Google Shape;132;gace8bea5b1_0_19:notes"/>
-          <p:cNvSpPr/>
+          <p:cNvSpPr>
+            <a:spLocks noGrp="1" noRot="1" noChangeAspect="1"/>
+          </p:cNvSpPr>
           <p:nvPr>
-            <p:ph idx="2" type="sldImg"/>
+            <p:ph type="sldImg" idx="2"/>
           </p:nvPr>
         </p:nvSpPr>
         <p:spPr>
@@ -830,9 +852,13 @@
             <a:ext cx="6096300" cy="1928700"/>
           </a:xfrm>
           <a:custGeom>
-            <a:rect b="b" l="l" r="r" t="t"/>
+            <a:avLst/>
+            <a:gdLst/>
+            <a:ahLst/>
+            <a:cxnLst/>
+            <a:rect l="l" t="t" r="r" b="b"/>
             <a:pathLst>
-              <a:path extrusionOk="0" h="120000" w="120000">
+              <a:path w="120000" h="120000" extrusionOk="0">
                 <a:moveTo>
                   <a:pt x="0" y="0"/>
                 </a:moveTo>
@@ -854,9 +880,11 @@
       <p:sp>
         <p:nvSpPr>
           <p:cNvPr id="133" name="Google Shape;133;gace8bea5b1_0_19:notes"/>
-          <p:cNvSpPr txBox="1"/>
+          <p:cNvSpPr txBox="1">
+            <a:spLocks noGrp="1"/>
+          </p:cNvSpPr>
           <p:nvPr>
-            <p:ph idx="1" type="body"/>
+            <p:ph type="body" idx="1"/>
           </p:nvPr>
         </p:nvSpPr>
         <p:spPr>
@@ -869,12 +897,12 @@
           </a:prstGeom>
         </p:spPr>
         <p:txBody>
-          <a:bodyPr anchorCtr="0" anchor="t" bIns="91425" lIns="91425" spcFirstLastPara="1" rIns="91425" wrap="square" tIns="91425">
+          <a:bodyPr spcFirstLastPara="1" wrap="square" lIns="91425" tIns="91425" rIns="91425" bIns="91425" anchor="t" anchorCtr="0">
             <a:noAutofit/>
           </a:bodyPr>
           <a:lstStyle/>
           <a:p>
-            <a:pPr indent="0" lvl="0" marL="0" rtl="0" algn="l">
+            <a:pPr marL="0" lvl="0" indent="0" algn="l" rtl="0">
               <a:spcBef>
                 <a:spcPts val="0"/>
               </a:spcBef>
@@ -883,9 +911,6 @@
               </a:spcAft>
               <a:buNone/>
             </a:pPr>
-            <a:r>
-              <a:t/>
-            </a:r>
             <a:endParaRPr/>
           </a:p>
         </p:txBody>
@@ -899,11 +924,11 @@
 </file>
 
 <file path=ppt/notesSlides/notesSlide11.xml><?xml version="1.0" encoding="utf-8"?>
-<p:notes xmlns:a="http://schemas.openxmlformats.org/drawingml/2006/main" xmlns:r="http://schemas.openxmlformats.org/officeDocument/2006/relationships" xmlns:mc="http://schemas.openxmlformats.org/markup-compatibility/2006" xmlns:mv="urn:schemas-microsoft-com:mac:vml" xmlns:p="http://schemas.openxmlformats.org/presentationml/2006/main" xmlns:c="http://schemas.openxmlformats.org/drawingml/2006/chart" xmlns:dgm="http://schemas.openxmlformats.org/drawingml/2006/diagram" xmlns:o="urn:schemas-microsoft-com:office:office" xmlns:v="urn:schemas-microsoft-com:vml" xmlns:pvml="urn:schemas-microsoft-com:office:powerpoint" xmlns:com="http://schemas.openxmlformats.org/drawingml/2006/compatibility" xmlns:p14="http://schemas.microsoft.com/office/powerpoint/2010/main" xmlns:p15="http://schemas.microsoft.com/office/powerpoint/2012/main" xmlns:ahyp="http://schemas.microsoft.com/office/drawing/2018/hyperlinkcolor" showMasterPhAnim="0" showMasterSp="0">
+<p:notes xmlns:a="http://schemas.openxmlformats.org/drawingml/2006/main" xmlns:r="http://schemas.openxmlformats.org/officeDocument/2006/relationships" xmlns:p="http://schemas.openxmlformats.org/presentationml/2006/main" showMasterSp="0" showMasterPhAnim="0">
   <p:cSld>
     <p:spTree>
       <p:nvGrpSpPr>
-        <p:cNvPr id="137" name="Shape 137"/>
+        <p:cNvPr id="1" name="Shape 137"/>
         <p:cNvGrpSpPr/>
         <p:nvPr/>
       </p:nvGrpSpPr>
@@ -918,9 +943,11 @@
       <p:sp>
         <p:nvSpPr>
           <p:cNvPr id="138" name="Google Shape;138;p12:notes"/>
-          <p:cNvSpPr txBox="1"/>
+          <p:cNvSpPr txBox="1">
+            <a:spLocks noGrp="1"/>
+          </p:cNvSpPr>
           <p:nvPr>
-            <p:ph idx="1" type="body"/>
+            <p:ph type="body" idx="1"/>
           </p:nvPr>
         </p:nvSpPr>
         <p:spPr>
@@ -933,12 +960,12 @@
           </a:prstGeom>
         </p:spPr>
         <p:txBody>
-          <a:bodyPr anchorCtr="0" anchor="t" bIns="91425" lIns="91425" spcFirstLastPara="1" rIns="91425" wrap="square" tIns="91425">
+          <a:bodyPr spcFirstLastPara="1" wrap="square" lIns="91425" tIns="91425" rIns="91425" bIns="91425" anchor="t" anchorCtr="0">
             <a:noAutofit/>
           </a:bodyPr>
           <a:lstStyle/>
           <a:p>
-            <a:pPr indent="0" lvl="0" marL="0" rtl="0" algn="l">
+            <a:pPr marL="0" lvl="0" indent="0" algn="l" rtl="0">
               <a:spcBef>
                 <a:spcPts val="0"/>
               </a:spcBef>
@@ -947,9 +974,6 @@
               </a:spcAft>
               <a:buNone/>
             </a:pPr>
-            <a:r>
-              <a:t/>
-            </a:r>
             <a:endParaRPr/>
           </a:p>
         </p:txBody>
@@ -957,9 +981,11 @@
       <p:sp>
         <p:nvSpPr>
           <p:cNvPr id="139" name="Google Shape;139;p12:notes"/>
-          <p:cNvSpPr/>
+          <p:cNvSpPr>
+            <a:spLocks noGrp="1" noRot="1" noChangeAspect="1"/>
+          </p:cNvSpPr>
           <p:nvPr>
-            <p:ph idx="2" type="sldImg"/>
+            <p:ph type="sldImg" idx="2"/>
           </p:nvPr>
         </p:nvSpPr>
         <p:spPr>
@@ -968,9 +994,13 @@
             <a:ext cx="6096300" cy="1928800"/>
           </a:xfrm>
           <a:custGeom>
-            <a:rect b="b" l="l" r="r" t="t"/>
+            <a:avLst/>
+            <a:gdLst/>
+            <a:ahLst/>
+            <a:cxnLst/>
+            <a:rect l="l" t="t" r="r" b="b"/>
             <a:pathLst>
-              <a:path extrusionOk="0" h="120000" w="120000">
+              <a:path w="120000" h="120000" extrusionOk="0">
                 <a:moveTo>
                   <a:pt x="0" y="0"/>
                 </a:moveTo>
@@ -998,11 +1028,11 @@
 </file>
 
 <file path=ppt/notesSlides/notesSlide12.xml><?xml version="1.0" encoding="utf-8"?>
-<p:notes xmlns:a="http://schemas.openxmlformats.org/drawingml/2006/main" xmlns:r="http://schemas.openxmlformats.org/officeDocument/2006/relationships" xmlns:mc="http://schemas.openxmlformats.org/markup-compatibility/2006" xmlns:mv="urn:schemas-microsoft-com:mac:vml" xmlns:p="http://schemas.openxmlformats.org/presentationml/2006/main" xmlns:c="http://schemas.openxmlformats.org/drawingml/2006/chart" xmlns:dgm="http://schemas.openxmlformats.org/drawingml/2006/diagram" xmlns:o="urn:schemas-microsoft-com:office:office" xmlns:v="urn:schemas-microsoft-com:vml" xmlns:pvml="urn:schemas-microsoft-com:office:powerpoint" xmlns:com="http://schemas.openxmlformats.org/drawingml/2006/compatibility" xmlns:p14="http://schemas.microsoft.com/office/powerpoint/2010/main" xmlns:p15="http://schemas.microsoft.com/office/powerpoint/2012/main" xmlns:ahyp="http://schemas.microsoft.com/office/drawing/2018/hyperlinkcolor" showMasterPhAnim="0" showMasterSp="0">
+<p:notes xmlns:a="http://schemas.openxmlformats.org/drawingml/2006/main" xmlns:r="http://schemas.openxmlformats.org/officeDocument/2006/relationships" xmlns:p="http://schemas.openxmlformats.org/presentationml/2006/main" showMasterSp="0" showMasterPhAnim="0">
   <p:cSld>
     <p:spTree>
       <p:nvGrpSpPr>
-        <p:cNvPr id="144" name="Shape 144"/>
+        <p:cNvPr id="1" name="Shape 144"/>
         <p:cNvGrpSpPr/>
         <p:nvPr/>
       </p:nvGrpSpPr>
@@ -1017,9 +1047,11 @@
       <p:sp>
         <p:nvSpPr>
           <p:cNvPr id="145" name="Google Shape;145;p14:notes"/>
-          <p:cNvSpPr txBox="1"/>
+          <p:cNvSpPr txBox="1">
+            <a:spLocks noGrp="1"/>
+          </p:cNvSpPr>
           <p:nvPr>
-            <p:ph idx="1" type="body"/>
+            <p:ph type="body" idx="1"/>
           </p:nvPr>
         </p:nvSpPr>
         <p:spPr>
@@ -1032,12 +1064,12 @@
           </a:prstGeom>
         </p:spPr>
         <p:txBody>
-          <a:bodyPr anchorCtr="0" anchor="t" bIns="91425" lIns="91425" spcFirstLastPara="1" rIns="91425" wrap="square" tIns="91425">
+          <a:bodyPr spcFirstLastPara="1" wrap="square" lIns="91425" tIns="91425" rIns="91425" bIns="91425" anchor="t" anchorCtr="0">
             <a:noAutofit/>
           </a:bodyPr>
           <a:lstStyle/>
           <a:p>
-            <a:pPr indent="-298450" lvl="0" marL="457200" rtl="0" algn="l">
+            <a:pPr marL="457200" lvl="0" indent="-298450" algn="l" rtl="0">
               <a:lnSpc>
                 <a:spcPct val="115000"/>
               </a:lnSpc>
@@ -1058,7 +1090,7 @@
                 <a:solidFill>
                   <a:schemeClr val="hlink"/>
                 </a:solidFill>
-                <a:hlinkClick r:id="rId2"/>
+                <a:hlinkClick r:id="rId3"/>
               </a:rPr>
               <a:t>https://data.telangana.gov.in/search/type/dataset</a:t>
             </a:r>
@@ -1069,7 +1101,7 @@
             </a:endParaRPr>
           </a:p>
           <a:p>
-            <a:pPr indent="-298450" lvl="0" marL="457200" rtl="0" algn="l">
+            <a:pPr marL="457200" lvl="0" indent="-298450" algn="l" rtl="0">
               <a:lnSpc>
                 <a:spcPct val="115000"/>
               </a:lnSpc>
@@ -1090,7 +1122,7 @@
                 <a:solidFill>
                   <a:schemeClr val="hlink"/>
                 </a:solidFill>
-                <a:hlinkClick r:id="rId3"/>
+                <a:hlinkClick r:id="rId4"/>
               </a:rPr>
               <a:t>https://docs.ambeedata.com/#soil-intro</a:t>
             </a:r>
@@ -1101,7 +1133,7 @@
             </a:endParaRPr>
           </a:p>
           <a:p>
-            <a:pPr indent="-298450" lvl="0" marL="457200" rtl="0" algn="l">
+            <a:pPr marL="457200" lvl="0" indent="-298450" algn="l" rtl="0">
               <a:lnSpc>
                 <a:spcPct val="115000"/>
               </a:lnSpc>
@@ -1122,7 +1154,7 @@
                 <a:solidFill>
                   <a:schemeClr val="hlink"/>
                 </a:solidFill>
-                <a:hlinkClick r:id="rId4"/>
+                <a:hlinkClick r:id="rId5"/>
               </a:rPr>
               <a:t>https://ruralmarketing.in/stories/10-measures-to-ensure-national-food-security/</a:t>
             </a:r>
@@ -1133,7 +1165,7 @@
             </a:endParaRPr>
           </a:p>
           <a:p>
-            <a:pPr indent="-298450" lvl="0" marL="457200" rtl="0" algn="l">
+            <a:pPr marL="457200" lvl="0" indent="-298450" algn="l" rtl="0">
               <a:lnSpc>
                 <a:spcPct val="115000"/>
               </a:lnSpc>
@@ -1165,10 +1197,10 @@
                 <a:uFill>
                   <a:noFill/>
                 </a:uFill>
-                <a:hlinkClick r:id="rId5">
+                <a:hlinkClick r:id="rId6">
                   <a:extLst>
                     <a:ext uri="{A12FA001-AC4F-418D-AE19-62706E023703}">
-                      <ahyp:hlinkClr val="tx"/>
+                      <ahyp:hlinkClr xmlns:ahyp="http://schemas.microsoft.com/office/drawing/2018/hyperlinkcolor" val="tx"/>
                     </a:ext>
                   </a:extLst>
                 </a:hlinkClick>
@@ -1214,7 +1246,7 @@
             </a:endParaRPr>
           </a:p>
           <a:p>
-            <a:pPr indent="-298450" lvl="0" marL="457200" rtl="0" algn="l">
+            <a:pPr marL="457200" lvl="0" indent="-298450" algn="l" rtl="0">
               <a:lnSpc>
                 <a:spcPct val="115000"/>
               </a:lnSpc>
@@ -1246,7 +1278,7 @@
             </a:endParaRPr>
           </a:p>
           <a:p>
-            <a:pPr indent="0" lvl="0" marL="0" rtl="0" algn="l">
+            <a:pPr marL="0" lvl="0" indent="0" algn="l" rtl="0">
               <a:spcBef>
                 <a:spcPts val="1200"/>
               </a:spcBef>
@@ -1255,9 +1287,6 @@
               </a:spcAft>
               <a:buNone/>
             </a:pPr>
-            <a:r>
-              <a:t/>
-            </a:r>
             <a:endParaRPr/>
           </a:p>
         </p:txBody>
@@ -1265,9 +1294,11 @@
       <p:sp>
         <p:nvSpPr>
           <p:cNvPr id="146" name="Google Shape;146;p14:notes"/>
-          <p:cNvSpPr/>
+          <p:cNvSpPr>
+            <a:spLocks noGrp="1" noRot="1" noChangeAspect="1"/>
+          </p:cNvSpPr>
           <p:nvPr>
-            <p:ph idx="2" type="sldImg"/>
+            <p:ph type="sldImg" idx="2"/>
           </p:nvPr>
         </p:nvSpPr>
         <p:spPr>
@@ -1276,9 +1307,13 @@
             <a:ext cx="6096300" cy="1928800"/>
           </a:xfrm>
           <a:custGeom>
-            <a:rect b="b" l="l" r="r" t="t"/>
+            <a:avLst/>
+            <a:gdLst/>
+            <a:ahLst/>
+            <a:cxnLst/>
+            <a:rect l="l" t="t" r="r" b="b"/>
             <a:pathLst>
-              <a:path extrusionOk="0" h="120000" w="120000">
+              <a:path w="120000" h="120000" extrusionOk="0">
                 <a:moveTo>
                   <a:pt x="0" y="0"/>
                 </a:moveTo>
@@ -1306,11 +1341,11 @@
 </file>
 
 <file path=ppt/notesSlides/notesSlide2.xml><?xml version="1.0" encoding="utf-8"?>
-<p:notes xmlns:a="http://schemas.openxmlformats.org/drawingml/2006/main" xmlns:r="http://schemas.openxmlformats.org/officeDocument/2006/relationships" xmlns:mc="http://schemas.openxmlformats.org/markup-compatibility/2006" xmlns:mv="urn:schemas-microsoft-com:mac:vml" xmlns:p="http://schemas.openxmlformats.org/presentationml/2006/main" xmlns:c="http://schemas.openxmlformats.org/drawingml/2006/chart" xmlns:dgm="http://schemas.openxmlformats.org/drawingml/2006/diagram" xmlns:o="urn:schemas-microsoft-com:office:office" xmlns:v="urn:schemas-microsoft-com:vml" xmlns:pvml="urn:schemas-microsoft-com:office:powerpoint" xmlns:com="http://schemas.openxmlformats.org/drawingml/2006/compatibility" xmlns:p14="http://schemas.microsoft.com/office/powerpoint/2010/main" xmlns:p15="http://schemas.microsoft.com/office/powerpoint/2012/main" xmlns:ahyp="http://schemas.microsoft.com/office/drawing/2018/hyperlinkcolor" showMasterPhAnim="0" showMasterSp="0">
+<p:notes xmlns:a="http://schemas.openxmlformats.org/drawingml/2006/main" xmlns:r="http://schemas.openxmlformats.org/officeDocument/2006/relationships" xmlns:p="http://schemas.openxmlformats.org/presentationml/2006/main" showMasterSp="0" showMasterPhAnim="0">
   <p:cSld>
     <p:spTree>
       <p:nvGrpSpPr>
-        <p:cNvPr id="46" name="Shape 46"/>
+        <p:cNvPr id="1" name="Shape 46"/>
         <p:cNvGrpSpPr/>
         <p:nvPr/>
       </p:nvGrpSpPr>
@@ -1325,9 +1360,11 @@
       <p:sp>
         <p:nvSpPr>
           <p:cNvPr id="47" name="Google Shape;47;p2:notes"/>
-          <p:cNvSpPr txBox="1"/>
+          <p:cNvSpPr txBox="1">
+            <a:spLocks noGrp="1"/>
+          </p:cNvSpPr>
           <p:nvPr>
-            <p:ph idx="1" type="body"/>
+            <p:ph type="body" idx="1"/>
           </p:nvPr>
         </p:nvSpPr>
         <p:spPr>
@@ -1340,12 +1377,12 @@
           </a:prstGeom>
         </p:spPr>
         <p:txBody>
-          <a:bodyPr anchorCtr="0" anchor="t" bIns="91425" lIns="91425" spcFirstLastPara="1" rIns="91425" wrap="square" tIns="91425">
+          <a:bodyPr spcFirstLastPara="1" wrap="square" lIns="91425" tIns="91425" rIns="91425" bIns="91425" anchor="t" anchorCtr="0">
             <a:noAutofit/>
           </a:bodyPr>
           <a:lstStyle/>
           <a:p>
-            <a:pPr indent="0" lvl="0" marL="0" rtl="0" algn="l">
+            <a:pPr marL="0" lvl="0" indent="0" algn="l" rtl="0">
               <a:spcBef>
                 <a:spcPts val="0"/>
               </a:spcBef>
@@ -1354,9 +1391,6 @@
               </a:spcAft>
               <a:buNone/>
             </a:pPr>
-            <a:r>
-              <a:t/>
-            </a:r>
             <a:endParaRPr/>
           </a:p>
         </p:txBody>
@@ -1364,9 +1398,11 @@
       <p:sp>
         <p:nvSpPr>
           <p:cNvPr id="48" name="Google Shape;48;p2:notes"/>
-          <p:cNvSpPr/>
+          <p:cNvSpPr>
+            <a:spLocks noGrp="1" noRot="1" noChangeAspect="1"/>
+          </p:cNvSpPr>
           <p:nvPr>
-            <p:ph idx="2" type="sldImg"/>
+            <p:ph type="sldImg" idx="2"/>
           </p:nvPr>
         </p:nvSpPr>
         <p:spPr>
@@ -1375,9 +1411,13 @@
             <a:ext cx="6096300" cy="1928800"/>
           </a:xfrm>
           <a:custGeom>
-            <a:rect b="b" l="l" r="r" t="t"/>
+            <a:avLst/>
+            <a:gdLst/>
+            <a:ahLst/>
+            <a:cxnLst/>
+            <a:rect l="l" t="t" r="r" b="b"/>
             <a:pathLst>
-              <a:path extrusionOk="0" h="120000" w="120000">
+              <a:path w="120000" h="120000" extrusionOk="0">
                 <a:moveTo>
                   <a:pt x="0" y="0"/>
                 </a:moveTo>
@@ -1405,11 +1445,11 @@
 </file>
 
 <file path=ppt/notesSlides/notesSlide3.xml><?xml version="1.0" encoding="utf-8"?>
-<p:notes xmlns:a="http://schemas.openxmlformats.org/drawingml/2006/main" xmlns:r="http://schemas.openxmlformats.org/officeDocument/2006/relationships" xmlns:mc="http://schemas.openxmlformats.org/markup-compatibility/2006" xmlns:mv="urn:schemas-microsoft-com:mac:vml" xmlns:p="http://schemas.openxmlformats.org/presentationml/2006/main" xmlns:c="http://schemas.openxmlformats.org/drawingml/2006/chart" xmlns:dgm="http://schemas.openxmlformats.org/drawingml/2006/diagram" xmlns:o="urn:schemas-microsoft-com:office:office" xmlns:v="urn:schemas-microsoft-com:vml" xmlns:pvml="urn:schemas-microsoft-com:office:powerpoint" xmlns:com="http://schemas.openxmlformats.org/drawingml/2006/compatibility" xmlns:p14="http://schemas.microsoft.com/office/powerpoint/2010/main" xmlns:p15="http://schemas.microsoft.com/office/powerpoint/2012/main" xmlns:ahyp="http://schemas.microsoft.com/office/drawing/2018/hyperlinkcolor" showMasterPhAnim="0" showMasterSp="0">
+<p:notes xmlns:a="http://schemas.openxmlformats.org/drawingml/2006/main" xmlns:r="http://schemas.openxmlformats.org/officeDocument/2006/relationships" xmlns:p="http://schemas.openxmlformats.org/presentationml/2006/main" showMasterSp="0" showMasterPhAnim="0">
   <p:cSld>
     <p:spTree>
       <p:nvGrpSpPr>
-        <p:cNvPr id="52" name="Shape 52"/>
+        <p:cNvPr id="1" name="Shape 52"/>
         <p:cNvGrpSpPr/>
         <p:nvPr/>
       </p:nvGrpSpPr>
@@ -1424,9 +1464,11 @@
       <p:sp>
         <p:nvSpPr>
           <p:cNvPr id="53" name="Google Shape;53;gace8bea5b1_0_10:notes"/>
-          <p:cNvSpPr/>
+          <p:cNvSpPr>
+            <a:spLocks noGrp="1" noRot="1" noChangeAspect="1"/>
+          </p:cNvSpPr>
           <p:nvPr>
-            <p:ph idx="2" type="sldImg"/>
+            <p:ph type="sldImg" idx="2"/>
           </p:nvPr>
         </p:nvSpPr>
         <p:spPr>
@@ -1435,9 +1477,13 @@
             <a:ext cx="6096300" cy="1928700"/>
           </a:xfrm>
           <a:custGeom>
-            <a:rect b="b" l="l" r="r" t="t"/>
+            <a:avLst/>
+            <a:gdLst/>
+            <a:ahLst/>
+            <a:cxnLst/>
+            <a:rect l="l" t="t" r="r" b="b"/>
             <a:pathLst>
-              <a:path extrusionOk="0" h="120000" w="120000">
+              <a:path w="120000" h="120000" extrusionOk="0">
                 <a:moveTo>
                   <a:pt x="0" y="0"/>
                 </a:moveTo>
@@ -1459,9 +1505,11 @@
       <p:sp>
         <p:nvSpPr>
           <p:cNvPr id="54" name="Google Shape;54;gace8bea5b1_0_10:notes"/>
-          <p:cNvSpPr txBox="1"/>
+          <p:cNvSpPr txBox="1">
+            <a:spLocks noGrp="1"/>
+          </p:cNvSpPr>
           <p:nvPr>
-            <p:ph idx="1" type="body"/>
+            <p:ph type="body" idx="1"/>
           </p:nvPr>
         </p:nvSpPr>
         <p:spPr>
@@ -1474,12 +1522,12 @@
           </a:prstGeom>
         </p:spPr>
         <p:txBody>
-          <a:bodyPr anchorCtr="0" anchor="t" bIns="91425" lIns="91425" spcFirstLastPara="1" rIns="91425" wrap="square" tIns="91425">
+          <a:bodyPr spcFirstLastPara="1" wrap="square" lIns="91425" tIns="91425" rIns="91425" bIns="91425" anchor="t" anchorCtr="0">
             <a:noAutofit/>
           </a:bodyPr>
           <a:lstStyle/>
           <a:p>
-            <a:pPr indent="0" lvl="0" marL="381000" marR="381000" rtl="0" algn="l">
+            <a:pPr marL="381000" marR="381000" lvl="0" indent="0" algn="l" rtl="0">
               <a:lnSpc>
                 <a:spcPct val="115000"/>
               </a:lnSpc>
@@ -1512,11 +1560,11 @@
 </file>
 
 <file path=ppt/notesSlides/notesSlide4.xml><?xml version="1.0" encoding="utf-8"?>
-<p:notes xmlns:a="http://schemas.openxmlformats.org/drawingml/2006/main" xmlns:r="http://schemas.openxmlformats.org/officeDocument/2006/relationships" xmlns:mc="http://schemas.openxmlformats.org/markup-compatibility/2006" xmlns:mv="urn:schemas-microsoft-com:mac:vml" xmlns:p="http://schemas.openxmlformats.org/presentationml/2006/main" xmlns:c="http://schemas.openxmlformats.org/drawingml/2006/chart" xmlns:dgm="http://schemas.openxmlformats.org/drawingml/2006/diagram" xmlns:o="urn:schemas-microsoft-com:office:office" xmlns:v="urn:schemas-microsoft-com:vml" xmlns:pvml="urn:schemas-microsoft-com:office:powerpoint" xmlns:com="http://schemas.openxmlformats.org/drawingml/2006/compatibility" xmlns:p14="http://schemas.microsoft.com/office/powerpoint/2010/main" xmlns:p15="http://schemas.microsoft.com/office/powerpoint/2012/main" xmlns:ahyp="http://schemas.microsoft.com/office/drawing/2018/hyperlinkcolor" showMasterPhAnim="0" showMasterSp="0">
+<p:notes xmlns:a="http://schemas.openxmlformats.org/drawingml/2006/main" xmlns:r="http://schemas.openxmlformats.org/officeDocument/2006/relationships" xmlns:p="http://schemas.openxmlformats.org/presentationml/2006/main" showMasterSp="0" showMasterPhAnim="0">
   <p:cSld>
     <p:spTree>
       <p:nvGrpSpPr>
-        <p:cNvPr id="58" name="Shape 58"/>
+        <p:cNvPr id="1" name="Shape 58"/>
         <p:cNvGrpSpPr/>
         <p:nvPr/>
       </p:nvGrpSpPr>
@@ -1531,9 +1579,11 @@
       <p:sp>
         <p:nvSpPr>
           <p:cNvPr id="59" name="Google Shape;59;gace8bea5b1_0_0:notes"/>
-          <p:cNvSpPr/>
+          <p:cNvSpPr>
+            <a:spLocks noGrp="1" noRot="1" noChangeAspect="1"/>
+          </p:cNvSpPr>
           <p:nvPr>
-            <p:ph idx="2" type="sldImg"/>
+            <p:ph type="sldImg" idx="2"/>
           </p:nvPr>
         </p:nvSpPr>
         <p:spPr>
@@ -1542,9 +1592,13 @@
             <a:ext cx="6096300" cy="1928700"/>
           </a:xfrm>
           <a:custGeom>
-            <a:rect b="b" l="l" r="r" t="t"/>
+            <a:avLst/>
+            <a:gdLst/>
+            <a:ahLst/>
+            <a:cxnLst/>
+            <a:rect l="l" t="t" r="r" b="b"/>
             <a:pathLst>
-              <a:path extrusionOk="0" h="120000" w="120000">
+              <a:path w="120000" h="120000" extrusionOk="0">
                 <a:moveTo>
                   <a:pt x="0" y="0"/>
                 </a:moveTo>
@@ -1566,9 +1620,11 @@
       <p:sp>
         <p:nvSpPr>
           <p:cNvPr id="60" name="Google Shape;60;gace8bea5b1_0_0:notes"/>
-          <p:cNvSpPr txBox="1"/>
+          <p:cNvSpPr txBox="1">
+            <a:spLocks noGrp="1"/>
+          </p:cNvSpPr>
           <p:nvPr>
-            <p:ph idx="1" type="body"/>
+            <p:ph type="body" idx="1"/>
           </p:nvPr>
         </p:nvSpPr>
         <p:spPr>
@@ -1581,12 +1637,12 @@
           </a:prstGeom>
         </p:spPr>
         <p:txBody>
-          <a:bodyPr anchorCtr="0" anchor="t" bIns="91425" lIns="91425" spcFirstLastPara="1" rIns="91425" wrap="square" tIns="91425">
+          <a:bodyPr spcFirstLastPara="1" wrap="square" lIns="91425" tIns="91425" rIns="91425" bIns="91425" anchor="t" anchorCtr="0">
             <a:noAutofit/>
           </a:bodyPr>
           <a:lstStyle/>
           <a:p>
-            <a:pPr indent="0" lvl="0" marL="0" rtl="0" algn="l">
+            <a:pPr marL="0" lvl="0" indent="0" algn="l" rtl="0">
               <a:spcBef>
                 <a:spcPts val="0"/>
               </a:spcBef>
@@ -1595,9 +1651,6 @@
               </a:spcAft>
               <a:buNone/>
             </a:pPr>
-            <a:r>
-              <a:t/>
-            </a:r>
             <a:endParaRPr/>
           </a:p>
         </p:txBody>
@@ -1611,11 +1664,11 @@
 </file>
 
 <file path=ppt/notesSlides/notesSlide5.xml><?xml version="1.0" encoding="utf-8"?>
-<p:notes xmlns:a="http://schemas.openxmlformats.org/drawingml/2006/main" xmlns:r="http://schemas.openxmlformats.org/officeDocument/2006/relationships" xmlns:mc="http://schemas.openxmlformats.org/markup-compatibility/2006" xmlns:mv="urn:schemas-microsoft-com:mac:vml" xmlns:p="http://schemas.openxmlformats.org/presentationml/2006/main" xmlns:c="http://schemas.openxmlformats.org/drawingml/2006/chart" xmlns:dgm="http://schemas.openxmlformats.org/drawingml/2006/diagram" xmlns:o="urn:schemas-microsoft-com:office:office" xmlns:v="urn:schemas-microsoft-com:vml" xmlns:pvml="urn:schemas-microsoft-com:office:powerpoint" xmlns:com="http://schemas.openxmlformats.org/drawingml/2006/compatibility" xmlns:p14="http://schemas.microsoft.com/office/powerpoint/2010/main" xmlns:p15="http://schemas.microsoft.com/office/powerpoint/2012/main" xmlns:ahyp="http://schemas.microsoft.com/office/drawing/2018/hyperlinkcolor" showMasterPhAnim="0" showMasterSp="0">
+<p:notes xmlns:a="http://schemas.openxmlformats.org/drawingml/2006/main" xmlns:r="http://schemas.openxmlformats.org/officeDocument/2006/relationships" xmlns:p="http://schemas.openxmlformats.org/presentationml/2006/main" showMasterSp="0" showMasterPhAnim="0">
   <p:cSld>
     <p:spTree>
       <p:nvGrpSpPr>
-        <p:cNvPr id="64" name="Shape 64"/>
+        <p:cNvPr id="1" name="Shape 64"/>
         <p:cNvGrpSpPr/>
         <p:nvPr/>
       </p:nvGrpSpPr>
@@ -1630,9 +1683,11 @@
       <p:sp>
         <p:nvSpPr>
           <p:cNvPr id="65" name="Google Shape;65;p3:notes"/>
-          <p:cNvSpPr txBox="1"/>
+          <p:cNvSpPr txBox="1">
+            <a:spLocks noGrp="1"/>
+          </p:cNvSpPr>
           <p:nvPr>
-            <p:ph idx="1" type="body"/>
+            <p:ph type="body" idx="1"/>
           </p:nvPr>
         </p:nvSpPr>
         <p:spPr>
@@ -1645,12 +1700,12 @@
           </a:prstGeom>
         </p:spPr>
         <p:txBody>
-          <a:bodyPr anchorCtr="0" anchor="t" bIns="91425" lIns="91425" spcFirstLastPara="1" rIns="91425" wrap="square" tIns="91425">
+          <a:bodyPr spcFirstLastPara="1" wrap="square" lIns="91425" tIns="91425" rIns="91425" bIns="91425" anchor="t" anchorCtr="0">
             <a:noAutofit/>
           </a:bodyPr>
           <a:lstStyle/>
           <a:p>
-            <a:pPr indent="0" lvl="0" marL="0" rtl="0" algn="l">
+            <a:pPr marL="0" lvl="0" indent="0" algn="l" rtl="0">
               <a:spcBef>
                 <a:spcPts val="0"/>
               </a:spcBef>
@@ -1659,9 +1714,6 @@
               </a:spcAft>
               <a:buNone/>
             </a:pPr>
-            <a:r>
-              <a:t/>
-            </a:r>
             <a:endParaRPr/>
           </a:p>
         </p:txBody>
@@ -1669,9 +1721,11 @@
       <p:sp>
         <p:nvSpPr>
           <p:cNvPr id="66" name="Google Shape;66;p3:notes"/>
-          <p:cNvSpPr/>
+          <p:cNvSpPr>
+            <a:spLocks noGrp="1" noRot="1" noChangeAspect="1"/>
+          </p:cNvSpPr>
           <p:nvPr>
-            <p:ph idx="2" type="sldImg"/>
+            <p:ph type="sldImg" idx="2"/>
           </p:nvPr>
         </p:nvSpPr>
         <p:spPr>
@@ -1680,9 +1734,13 @@
             <a:ext cx="6096300" cy="1928800"/>
           </a:xfrm>
           <a:custGeom>
-            <a:rect b="b" l="l" r="r" t="t"/>
+            <a:avLst/>
+            <a:gdLst/>
+            <a:ahLst/>
+            <a:cxnLst/>
+            <a:rect l="l" t="t" r="r" b="b"/>
             <a:pathLst>
-              <a:path extrusionOk="0" h="120000" w="120000">
+              <a:path w="120000" h="120000" extrusionOk="0">
                 <a:moveTo>
                   <a:pt x="0" y="0"/>
                 </a:moveTo>
@@ -1710,11 +1768,11 @@
 </file>
 
 <file path=ppt/notesSlides/notesSlide6.xml><?xml version="1.0" encoding="utf-8"?>
-<p:notes xmlns:a="http://schemas.openxmlformats.org/drawingml/2006/main" xmlns:r="http://schemas.openxmlformats.org/officeDocument/2006/relationships" xmlns:mc="http://schemas.openxmlformats.org/markup-compatibility/2006" xmlns:mv="urn:schemas-microsoft-com:mac:vml" xmlns:p="http://schemas.openxmlformats.org/presentationml/2006/main" xmlns:c="http://schemas.openxmlformats.org/drawingml/2006/chart" xmlns:dgm="http://schemas.openxmlformats.org/drawingml/2006/diagram" xmlns:o="urn:schemas-microsoft-com:office:office" xmlns:v="urn:schemas-microsoft-com:vml" xmlns:pvml="urn:schemas-microsoft-com:office:powerpoint" xmlns:com="http://schemas.openxmlformats.org/drawingml/2006/compatibility" xmlns:p14="http://schemas.microsoft.com/office/powerpoint/2010/main" xmlns:p15="http://schemas.microsoft.com/office/powerpoint/2012/main" xmlns:ahyp="http://schemas.microsoft.com/office/drawing/2018/hyperlinkcolor" showMasterPhAnim="0" showMasterSp="0">
+<p:notes xmlns:a="http://schemas.openxmlformats.org/drawingml/2006/main" xmlns:r="http://schemas.openxmlformats.org/officeDocument/2006/relationships" xmlns:p="http://schemas.openxmlformats.org/presentationml/2006/main" showMasterSp="0" showMasterPhAnim="0">
   <p:cSld>
     <p:spTree>
       <p:nvGrpSpPr>
-        <p:cNvPr id="70" name="Shape 70"/>
+        <p:cNvPr id="1" name="Shape 70"/>
         <p:cNvGrpSpPr/>
         <p:nvPr/>
       </p:nvGrpSpPr>
@@ -1729,9 +1787,11 @@
       <p:sp>
         <p:nvSpPr>
           <p:cNvPr id="71" name="Google Shape;71;p4:notes"/>
-          <p:cNvSpPr txBox="1"/>
+          <p:cNvSpPr txBox="1">
+            <a:spLocks noGrp="1"/>
+          </p:cNvSpPr>
           <p:nvPr>
-            <p:ph idx="1" type="body"/>
+            <p:ph type="body" idx="1"/>
           </p:nvPr>
         </p:nvSpPr>
         <p:spPr>
@@ -1744,12 +1804,12 @@
           </a:prstGeom>
         </p:spPr>
         <p:txBody>
-          <a:bodyPr anchorCtr="0" anchor="t" bIns="91425" lIns="91425" spcFirstLastPara="1" rIns="91425" wrap="square" tIns="91425">
+          <a:bodyPr spcFirstLastPara="1" wrap="square" lIns="91425" tIns="91425" rIns="91425" bIns="91425" anchor="t" anchorCtr="0">
             <a:noAutofit/>
           </a:bodyPr>
           <a:lstStyle/>
           <a:p>
-            <a:pPr indent="0" lvl="0" marL="0" rtl="0" algn="l">
+            <a:pPr marL="0" lvl="0" indent="0" algn="l" rtl="0">
               <a:spcBef>
                 <a:spcPts val="0"/>
               </a:spcBef>
@@ -1769,9 +1829,11 @@
       <p:sp>
         <p:nvSpPr>
           <p:cNvPr id="72" name="Google Shape;72;p4:notes"/>
-          <p:cNvSpPr/>
+          <p:cNvSpPr>
+            <a:spLocks noGrp="1" noRot="1" noChangeAspect="1"/>
+          </p:cNvSpPr>
           <p:nvPr>
-            <p:ph idx="2" type="sldImg"/>
+            <p:ph type="sldImg" idx="2"/>
           </p:nvPr>
         </p:nvSpPr>
         <p:spPr>
@@ -1780,9 +1842,13 @@
             <a:ext cx="6096300" cy="1928800"/>
           </a:xfrm>
           <a:custGeom>
-            <a:rect b="b" l="l" r="r" t="t"/>
+            <a:avLst/>
+            <a:gdLst/>
+            <a:ahLst/>
+            <a:cxnLst/>
+            <a:rect l="l" t="t" r="r" b="b"/>
             <a:pathLst>
-              <a:path extrusionOk="0" h="120000" w="120000">
+              <a:path w="120000" h="120000" extrusionOk="0">
                 <a:moveTo>
                   <a:pt x="0" y="0"/>
                 </a:moveTo>
@@ -1810,11 +1876,11 @@
 </file>
 
 <file path=ppt/notesSlides/notesSlide7.xml><?xml version="1.0" encoding="utf-8"?>
-<p:notes xmlns:a="http://schemas.openxmlformats.org/drawingml/2006/main" xmlns:r="http://schemas.openxmlformats.org/officeDocument/2006/relationships" xmlns:mc="http://schemas.openxmlformats.org/markup-compatibility/2006" xmlns:mv="urn:schemas-microsoft-com:mac:vml" xmlns:p="http://schemas.openxmlformats.org/presentationml/2006/main" xmlns:c="http://schemas.openxmlformats.org/drawingml/2006/chart" xmlns:dgm="http://schemas.openxmlformats.org/drawingml/2006/diagram" xmlns:o="urn:schemas-microsoft-com:office:office" xmlns:v="urn:schemas-microsoft-com:vml" xmlns:pvml="urn:schemas-microsoft-com:office:powerpoint" xmlns:com="http://schemas.openxmlformats.org/drawingml/2006/compatibility" xmlns:p14="http://schemas.microsoft.com/office/powerpoint/2010/main" xmlns:p15="http://schemas.microsoft.com/office/powerpoint/2012/main" xmlns:ahyp="http://schemas.microsoft.com/office/drawing/2018/hyperlinkcolor" showMasterPhAnim="0" showMasterSp="0">
+<p:notes xmlns:a="http://schemas.openxmlformats.org/drawingml/2006/main" xmlns:r="http://schemas.openxmlformats.org/officeDocument/2006/relationships" xmlns:p="http://schemas.openxmlformats.org/presentationml/2006/main" showMasterSp="0" showMasterPhAnim="0">
   <p:cSld>
     <p:spTree>
       <p:nvGrpSpPr>
-        <p:cNvPr id="101" name="Shape 101"/>
+        <p:cNvPr id="1" name="Shape 101"/>
         <p:cNvGrpSpPr/>
         <p:nvPr/>
       </p:nvGrpSpPr>
@@ -1829,9 +1895,11 @@
       <p:sp>
         <p:nvSpPr>
           <p:cNvPr id="102" name="Google Shape;102;p5:notes"/>
-          <p:cNvSpPr txBox="1"/>
+          <p:cNvSpPr txBox="1">
+            <a:spLocks noGrp="1"/>
+          </p:cNvSpPr>
           <p:nvPr>
-            <p:ph idx="1" type="body"/>
+            <p:ph type="body" idx="1"/>
           </p:nvPr>
         </p:nvSpPr>
         <p:spPr>
@@ -1844,12 +1912,12 @@
           </a:prstGeom>
         </p:spPr>
         <p:txBody>
-          <a:bodyPr anchorCtr="0" anchor="t" bIns="91425" lIns="91425" spcFirstLastPara="1" rIns="91425" wrap="square" tIns="91425">
+          <a:bodyPr spcFirstLastPara="1" wrap="square" lIns="91425" tIns="91425" rIns="91425" bIns="91425" anchor="t" anchorCtr="0">
             <a:noAutofit/>
           </a:bodyPr>
           <a:lstStyle/>
           <a:p>
-            <a:pPr indent="0" lvl="0" marL="0" rtl="0" algn="l">
+            <a:pPr marL="0" lvl="0" indent="0" algn="l" rtl="0">
               <a:spcBef>
                 <a:spcPts val="0"/>
               </a:spcBef>
@@ -1858,9 +1926,6 @@
               </a:spcAft>
               <a:buNone/>
             </a:pPr>
-            <a:r>
-              <a:t/>
-            </a:r>
             <a:endParaRPr/>
           </a:p>
         </p:txBody>
@@ -1868,9 +1933,11 @@
       <p:sp>
         <p:nvSpPr>
           <p:cNvPr id="103" name="Google Shape;103;p5:notes"/>
-          <p:cNvSpPr/>
+          <p:cNvSpPr>
+            <a:spLocks noGrp="1" noRot="1" noChangeAspect="1"/>
+          </p:cNvSpPr>
           <p:nvPr>
-            <p:ph idx="2" type="sldImg"/>
+            <p:ph type="sldImg" idx="2"/>
           </p:nvPr>
         </p:nvSpPr>
         <p:spPr>
@@ -1879,9 +1946,13 @@
             <a:ext cx="6096300" cy="1928800"/>
           </a:xfrm>
           <a:custGeom>
-            <a:rect b="b" l="l" r="r" t="t"/>
+            <a:avLst/>
+            <a:gdLst/>
+            <a:ahLst/>
+            <a:cxnLst/>
+            <a:rect l="l" t="t" r="r" b="b"/>
             <a:pathLst>
-              <a:path extrusionOk="0" h="120000" w="120000">
+              <a:path w="120000" h="120000" extrusionOk="0">
                 <a:moveTo>
                   <a:pt x="0" y="0"/>
                 </a:moveTo>
@@ -1909,11 +1980,11 @@
 </file>
 
 <file path=ppt/notesSlides/notesSlide8.xml><?xml version="1.0" encoding="utf-8"?>
-<p:notes xmlns:a="http://schemas.openxmlformats.org/drawingml/2006/main" xmlns:r="http://schemas.openxmlformats.org/officeDocument/2006/relationships" xmlns:mc="http://schemas.openxmlformats.org/markup-compatibility/2006" xmlns:mv="urn:schemas-microsoft-com:mac:vml" xmlns:p="http://schemas.openxmlformats.org/presentationml/2006/main" xmlns:c="http://schemas.openxmlformats.org/drawingml/2006/chart" xmlns:dgm="http://schemas.openxmlformats.org/drawingml/2006/diagram" xmlns:o="urn:schemas-microsoft-com:office:office" xmlns:v="urn:schemas-microsoft-com:vml" xmlns:pvml="urn:schemas-microsoft-com:office:powerpoint" xmlns:com="http://schemas.openxmlformats.org/drawingml/2006/compatibility" xmlns:p14="http://schemas.microsoft.com/office/powerpoint/2010/main" xmlns:p15="http://schemas.microsoft.com/office/powerpoint/2012/main" xmlns:ahyp="http://schemas.microsoft.com/office/drawing/2018/hyperlinkcolor" showMasterPhAnim="0" showMasterSp="0">
+<p:notes xmlns:a="http://schemas.openxmlformats.org/drawingml/2006/main" xmlns:r="http://schemas.openxmlformats.org/officeDocument/2006/relationships" xmlns:p="http://schemas.openxmlformats.org/presentationml/2006/main" showMasterSp="0" showMasterPhAnim="0">
   <p:cSld>
     <p:spTree>
       <p:nvGrpSpPr>
-        <p:cNvPr id="118" name="Shape 118"/>
+        <p:cNvPr id="1" name="Shape 118"/>
         <p:cNvGrpSpPr/>
         <p:nvPr/>
       </p:nvGrpSpPr>
@@ -1928,9 +1999,11 @@
       <p:sp>
         <p:nvSpPr>
           <p:cNvPr id="119" name="Google Shape;119;p7:notes"/>
-          <p:cNvSpPr txBox="1"/>
+          <p:cNvSpPr txBox="1">
+            <a:spLocks noGrp="1"/>
+          </p:cNvSpPr>
           <p:nvPr>
-            <p:ph idx="1" type="body"/>
+            <p:ph type="body" idx="1"/>
           </p:nvPr>
         </p:nvSpPr>
         <p:spPr>
@@ -1943,12 +2016,12 @@
           </a:prstGeom>
         </p:spPr>
         <p:txBody>
-          <a:bodyPr anchorCtr="0" anchor="t" bIns="91425" lIns="91425" spcFirstLastPara="1" rIns="91425" wrap="square" tIns="91425">
+          <a:bodyPr spcFirstLastPara="1" wrap="square" lIns="91425" tIns="91425" rIns="91425" bIns="91425" anchor="t" anchorCtr="0">
             <a:noAutofit/>
           </a:bodyPr>
           <a:lstStyle/>
           <a:p>
-            <a:pPr indent="0" lvl="0" marL="0" rtl="0" algn="l">
+            <a:pPr marL="0" lvl="0" indent="0" algn="l" rtl="0">
               <a:spcBef>
                 <a:spcPts val="0"/>
               </a:spcBef>
@@ -1968,9 +2041,11 @@
       <p:sp>
         <p:nvSpPr>
           <p:cNvPr id="120" name="Google Shape;120;p7:notes"/>
-          <p:cNvSpPr/>
+          <p:cNvSpPr>
+            <a:spLocks noGrp="1" noRot="1" noChangeAspect="1"/>
+          </p:cNvSpPr>
           <p:nvPr>
-            <p:ph idx="2" type="sldImg"/>
+            <p:ph type="sldImg" idx="2"/>
           </p:nvPr>
         </p:nvSpPr>
         <p:spPr>
@@ -1979,9 +2054,13 @@
             <a:ext cx="6096300" cy="1928800"/>
           </a:xfrm>
           <a:custGeom>
-            <a:rect b="b" l="l" r="r" t="t"/>
+            <a:avLst/>
+            <a:gdLst/>
+            <a:ahLst/>
+            <a:cxnLst/>
+            <a:rect l="l" t="t" r="r" b="b"/>
             <a:pathLst>
-              <a:path extrusionOk="0" h="120000" w="120000">
+              <a:path w="120000" h="120000" extrusionOk="0">
                 <a:moveTo>
                   <a:pt x="0" y="0"/>
                 </a:moveTo>
@@ -2009,11 +2088,11 @@
 </file>
 
 <file path=ppt/notesSlides/notesSlide9.xml><?xml version="1.0" encoding="utf-8"?>
-<p:notes xmlns:a="http://schemas.openxmlformats.org/drawingml/2006/main" xmlns:r="http://schemas.openxmlformats.org/officeDocument/2006/relationships" xmlns:mc="http://schemas.openxmlformats.org/markup-compatibility/2006" xmlns:mv="urn:schemas-microsoft-com:mac:vml" xmlns:p="http://schemas.openxmlformats.org/presentationml/2006/main" xmlns:c="http://schemas.openxmlformats.org/drawingml/2006/chart" xmlns:dgm="http://schemas.openxmlformats.org/drawingml/2006/diagram" xmlns:o="urn:schemas-microsoft-com:office:office" xmlns:v="urn:schemas-microsoft-com:vml" xmlns:pvml="urn:schemas-microsoft-com:office:powerpoint" xmlns:com="http://schemas.openxmlformats.org/drawingml/2006/compatibility" xmlns:p14="http://schemas.microsoft.com/office/powerpoint/2010/main" xmlns:p15="http://schemas.microsoft.com/office/powerpoint/2012/main" xmlns:ahyp="http://schemas.microsoft.com/office/drawing/2018/hyperlinkcolor" showMasterPhAnim="0" showMasterSp="0">
+<p:notes xmlns:a="http://schemas.openxmlformats.org/drawingml/2006/main" xmlns:r="http://schemas.openxmlformats.org/officeDocument/2006/relationships" xmlns:p="http://schemas.openxmlformats.org/presentationml/2006/main" showMasterSp="0" showMasterPhAnim="0">
   <p:cSld>
     <p:spTree>
       <p:nvGrpSpPr>
-        <p:cNvPr id="124" name="Shape 124"/>
+        <p:cNvPr id="1" name="Shape 124"/>
         <p:cNvGrpSpPr/>
         <p:nvPr/>
       </p:nvGrpSpPr>
@@ -2028,9 +2107,11 @@
       <p:sp>
         <p:nvSpPr>
           <p:cNvPr id="125" name="Google Shape;125;p8:notes"/>
-          <p:cNvSpPr txBox="1"/>
+          <p:cNvSpPr txBox="1">
+            <a:spLocks noGrp="1"/>
+          </p:cNvSpPr>
           <p:nvPr>
-            <p:ph idx="1" type="body"/>
+            <p:ph type="body" idx="1"/>
           </p:nvPr>
         </p:nvSpPr>
         <p:spPr>
@@ -2043,12 +2124,12 @@
           </a:prstGeom>
         </p:spPr>
         <p:txBody>
-          <a:bodyPr anchorCtr="0" anchor="t" bIns="91425" lIns="91425" spcFirstLastPara="1" rIns="91425" wrap="square" tIns="91425">
+          <a:bodyPr spcFirstLastPara="1" wrap="square" lIns="91425" tIns="91425" rIns="91425" bIns="91425" anchor="t" anchorCtr="0">
             <a:noAutofit/>
           </a:bodyPr>
           <a:lstStyle/>
           <a:p>
-            <a:pPr indent="0" lvl="0" marL="0" rtl="0" algn="l">
+            <a:pPr marL="0" lvl="0" indent="0" algn="l" rtl="0">
               <a:spcBef>
                 <a:spcPts val="0"/>
               </a:spcBef>
@@ -2068,20 +2149,26 @@
       <p:sp>
         <p:nvSpPr>
           <p:cNvPr id="126" name="Google Shape;126;p8:notes"/>
-          <p:cNvSpPr/>
+          <p:cNvSpPr>
+            <a:spLocks noGrp="1" noRot="1" noChangeAspect="1"/>
+          </p:cNvSpPr>
           <p:nvPr>
-            <p:ph idx="2" type="sldImg"/>
+            <p:ph type="sldImg" idx="2"/>
           </p:nvPr>
         </p:nvSpPr>
         <p:spPr>
           <a:xfrm>
-            <a:off x="1524300" y="385750"/>
-            <a:ext cx="6096300" cy="1928800"/>
+            <a:off x="2857500" y="385763"/>
+            <a:ext cx="3429000" cy="1928812"/>
           </a:xfrm>
           <a:custGeom>
-            <a:rect b="b" l="l" r="r" t="t"/>
+            <a:avLst/>
+            <a:gdLst/>
+            <a:ahLst/>
+            <a:cxnLst/>
+            <a:rect l="l" t="t" r="r" b="b"/>
             <a:pathLst>
-              <a:path extrusionOk="0" h="120000" w="120000">
+              <a:path w="120000" h="120000" extrusionOk="0">
                 <a:moveTo>
                   <a:pt x="0" y="0"/>
                 </a:moveTo>
@@ -2109,11 +2196,11 @@
 </file>
 
 <file path=ppt/slideLayouts/slideLayout1.xml><?xml version="1.0" encoding="utf-8"?>
-<p:sldLayout xmlns:a="http://schemas.openxmlformats.org/drawingml/2006/main" xmlns:r="http://schemas.openxmlformats.org/officeDocument/2006/relationships" xmlns:mc="http://schemas.openxmlformats.org/markup-compatibility/2006" xmlns:mv="urn:schemas-microsoft-com:mac:vml" xmlns:p="http://schemas.openxmlformats.org/presentationml/2006/main" xmlns:c="http://schemas.openxmlformats.org/drawingml/2006/chart" xmlns:dgm="http://schemas.openxmlformats.org/drawingml/2006/diagram" xmlns:o="urn:schemas-microsoft-com:office:office" xmlns:v="urn:schemas-microsoft-com:vml" xmlns:pvml="urn:schemas-microsoft-com:office:powerpoint" xmlns:com="http://schemas.openxmlformats.org/drawingml/2006/compatibility" xmlns:p14="http://schemas.microsoft.com/office/powerpoint/2010/main" xmlns:p15="http://schemas.microsoft.com/office/powerpoint/2012/main" xmlns:ahyp="http://schemas.microsoft.com/office/drawing/2018/hyperlinkcolor" matchingName="Title and Content" type="obj">
+<p:sldLayout xmlns:a="http://schemas.openxmlformats.org/drawingml/2006/main" xmlns:r="http://schemas.openxmlformats.org/officeDocument/2006/relationships" xmlns:p="http://schemas.openxmlformats.org/presentationml/2006/main" matchingName="Title and Content" type="obj">
   <p:cSld name="OBJECT">
     <p:spTree>
       <p:nvGrpSpPr>
-        <p:cNvPr id="12" name="Shape 12"/>
+        <p:cNvPr id="1" name="Shape 12"/>
         <p:cNvGrpSpPr/>
         <p:nvPr/>
       </p:nvGrpSpPr>
@@ -2128,7 +2215,9 @@
       <p:sp>
         <p:nvSpPr>
           <p:cNvPr id="13" name="Google Shape;13;p16"/>
-          <p:cNvSpPr txBox="1"/>
+          <p:cNvSpPr txBox="1">
+            <a:spLocks noGrp="1"/>
+          </p:cNvSpPr>
           <p:nvPr>
             <p:ph type="title"/>
           </p:nvPr>
@@ -2147,7 +2236,7 @@
           </a:ln>
         </p:spPr>
         <p:txBody>
-          <a:bodyPr anchorCtr="0" anchor="t" bIns="0" lIns="0" spcFirstLastPara="1" rIns="0" wrap="square" tIns="0">
+          <a:bodyPr spcFirstLastPara="1" wrap="square" lIns="0" tIns="0" rIns="0" bIns="0" anchor="t" anchorCtr="0">
             <a:spAutoFit/>
           </a:bodyPr>
           <a:lstStyle>
@@ -2160,7 +2249,7 @@
               </a:spcAft>
               <a:buSzPts val="1400"/>
               <a:buNone/>
-              <a:defRPr b="0" i="0" sz="3300">
+              <a:defRPr sz="3300" b="0" i="0">
                 <a:solidFill>
                   <a:schemeClr val="lt1"/>
                 </a:solidFill>
@@ -2259,15 +2348,19 @@
               <a:defRPr/>
             </a:lvl9pPr>
           </a:lstStyle>
-          <a:p/>
+          <a:p>
+            <a:endParaRPr/>
+          </a:p>
         </p:txBody>
       </p:sp>
       <p:sp>
         <p:nvSpPr>
           <p:cNvPr id="14" name="Google Shape;14;p16"/>
-          <p:cNvSpPr txBox="1"/>
+          <p:cNvSpPr txBox="1">
+            <a:spLocks noGrp="1"/>
+          </p:cNvSpPr>
           <p:nvPr>
-            <p:ph idx="1" type="body"/>
+            <p:ph type="body" idx="1"/>
           </p:nvPr>
         </p:nvSpPr>
         <p:spPr>
@@ -2284,20 +2377,20 @@
           </a:ln>
         </p:spPr>
         <p:txBody>
-          <a:bodyPr anchorCtr="0" anchor="t" bIns="0" lIns="0" spcFirstLastPara="1" rIns="0" wrap="square" tIns="0">
+          <a:bodyPr spcFirstLastPara="1" wrap="square" lIns="0" tIns="0" rIns="0" bIns="0" anchor="t" anchorCtr="0">
             <a:spAutoFit/>
           </a:bodyPr>
           <a:lstStyle>
-            <a:lvl1pPr indent="-228600" lvl="0" marL="457200" algn="l">
-              <a:spcBef>
-                <a:spcPts val="0"/>
-              </a:spcBef>
-              <a:spcAft>
-                <a:spcPts val="0"/>
-              </a:spcAft>
-              <a:buSzPts val="1400"/>
-              <a:buNone/>
-              <a:defRPr b="0" i="0" sz="1300">
+            <a:lvl1pPr marL="457200" lvl="0" indent="-228600" algn="l">
+              <a:spcBef>
+                <a:spcPts val="0"/>
+              </a:spcBef>
+              <a:spcAft>
+                <a:spcPts val="0"/>
+              </a:spcAft>
+              <a:buSzPts val="1400"/>
+              <a:buNone/>
+              <a:defRPr sz="1300" b="0" i="0">
                 <a:solidFill>
                   <a:schemeClr val="lt1"/>
                 </a:solidFill>
@@ -2307,7 +2400,7 @@
                 <a:sym typeface="Arial"/>
               </a:defRPr>
             </a:lvl1pPr>
-            <a:lvl2pPr indent="-228600" lvl="1" marL="914400" algn="l">
+            <a:lvl2pPr marL="914400" lvl="1" indent="-228600" algn="l">
               <a:spcBef>
                 <a:spcPts val="0"/>
               </a:spcBef>
@@ -2318,7 +2411,7 @@
               <a:buNone/>
               <a:defRPr/>
             </a:lvl2pPr>
-            <a:lvl3pPr indent="-228600" lvl="2" marL="1371600" algn="l">
+            <a:lvl3pPr marL="1371600" lvl="2" indent="-228600" algn="l">
               <a:spcBef>
                 <a:spcPts val="0"/>
               </a:spcBef>
@@ -2329,7 +2422,7 @@
               <a:buNone/>
               <a:defRPr/>
             </a:lvl3pPr>
-            <a:lvl4pPr indent="-228600" lvl="3" marL="1828800" algn="l">
+            <a:lvl4pPr marL="1828800" lvl="3" indent="-228600" algn="l">
               <a:spcBef>
                 <a:spcPts val="0"/>
               </a:spcBef>
@@ -2340,7 +2433,7 @@
               <a:buNone/>
               <a:defRPr/>
             </a:lvl4pPr>
-            <a:lvl5pPr indent="-228600" lvl="4" marL="2286000" algn="l">
+            <a:lvl5pPr marL="2286000" lvl="4" indent="-228600" algn="l">
               <a:spcBef>
                 <a:spcPts val="0"/>
               </a:spcBef>
@@ -2351,7 +2444,7 @@
               <a:buNone/>
               <a:defRPr/>
             </a:lvl5pPr>
-            <a:lvl6pPr indent="-228600" lvl="5" marL="2743200" algn="l">
+            <a:lvl6pPr marL="2743200" lvl="5" indent="-228600" algn="l">
               <a:spcBef>
                 <a:spcPts val="0"/>
               </a:spcBef>
@@ -2362,7 +2455,7 @@
               <a:buNone/>
               <a:defRPr/>
             </a:lvl6pPr>
-            <a:lvl7pPr indent="-228600" lvl="6" marL="3200400" algn="l">
+            <a:lvl7pPr marL="3200400" lvl="6" indent="-228600" algn="l">
               <a:spcBef>
                 <a:spcPts val="0"/>
               </a:spcBef>
@@ -2373,7 +2466,7 @@
               <a:buNone/>
               <a:defRPr/>
             </a:lvl7pPr>
-            <a:lvl8pPr indent="-228600" lvl="7" marL="3657600" algn="l">
+            <a:lvl8pPr marL="3657600" lvl="7" indent="-228600" algn="l">
               <a:spcBef>
                 <a:spcPts val="0"/>
               </a:spcBef>
@@ -2384,7 +2477,7 @@
               <a:buNone/>
               <a:defRPr/>
             </a:lvl8pPr>
-            <a:lvl9pPr indent="-228600" lvl="8" marL="4114800" algn="l">
+            <a:lvl9pPr marL="4114800" lvl="8" indent="-228600" algn="l">
               <a:spcBef>
                 <a:spcPts val="0"/>
               </a:spcBef>
@@ -2396,15 +2489,19 @@
               <a:defRPr/>
             </a:lvl9pPr>
           </a:lstStyle>
-          <a:p/>
+          <a:p>
+            <a:endParaRPr/>
+          </a:p>
         </p:txBody>
       </p:sp>
       <p:sp>
         <p:nvSpPr>
           <p:cNvPr id="15" name="Google Shape;15;p16"/>
-          <p:cNvSpPr txBox="1"/>
+          <p:cNvSpPr txBox="1">
+            <a:spLocks noGrp="1"/>
+          </p:cNvSpPr>
           <p:nvPr>
-            <p:ph idx="11" type="ftr"/>
+            <p:ph type="ftr" idx="11"/>
           </p:nvPr>
         </p:nvSpPr>
         <p:spPr>
@@ -2421,7 +2518,7 @@
           </a:ln>
         </p:spPr>
         <p:txBody>
-          <a:bodyPr anchorCtr="0" anchor="t" bIns="0" lIns="0" spcFirstLastPara="1" rIns="0" wrap="square" tIns="0">
+          <a:bodyPr spcFirstLastPara="1" wrap="square" lIns="0" tIns="0" rIns="0" bIns="0" anchor="t" anchorCtr="0">
             <a:spAutoFit/>
           </a:bodyPr>
           <a:lstStyle>
@@ -2529,15 +2626,19 @@
               <a:defRPr/>
             </a:lvl9pPr>
           </a:lstStyle>
-          <a:p/>
+          <a:p>
+            <a:endParaRPr/>
+          </a:p>
         </p:txBody>
       </p:sp>
       <p:sp>
         <p:nvSpPr>
           <p:cNvPr id="16" name="Google Shape;16;p16"/>
-          <p:cNvSpPr txBox="1"/>
+          <p:cNvSpPr txBox="1">
+            <a:spLocks noGrp="1"/>
+          </p:cNvSpPr>
           <p:nvPr>
-            <p:ph idx="10" type="dt"/>
+            <p:ph type="dt" idx="10"/>
           </p:nvPr>
         </p:nvSpPr>
         <p:spPr>
@@ -2554,7 +2655,7 @@
           </a:ln>
         </p:spPr>
         <p:txBody>
-          <a:bodyPr anchorCtr="0" anchor="t" bIns="0" lIns="0" spcFirstLastPara="1" rIns="0" wrap="square" tIns="0">
+          <a:bodyPr spcFirstLastPara="1" wrap="square" lIns="0" tIns="0" rIns="0" bIns="0" anchor="t" anchorCtr="0">
             <a:spAutoFit/>
           </a:bodyPr>
           <a:lstStyle>
@@ -2662,15 +2763,19 @@
               <a:defRPr/>
             </a:lvl9pPr>
           </a:lstStyle>
-          <a:p/>
+          <a:p>
+            <a:endParaRPr/>
+          </a:p>
         </p:txBody>
       </p:sp>
       <p:sp>
         <p:nvSpPr>
           <p:cNvPr id="17" name="Google Shape;17;p16"/>
-          <p:cNvSpPr txBox="1"/>
+          <p:cNvSpPr txBox="1">
+            <a:spLocks noGrp="1"/>
+          </p:cNvSpPr>
           <p:nvPr>
-            <p:ph idx="12" type="sldNum"/>
+            <p:ph type="sldNum" idx="12"/>
           </p:nvPr>
         </p:nvSpPr>
         <p:spPr>
@@ -2687,11 +2792,11 @@
           </a:ln>
         </p:spPr>
         <p:txBody>
-          <a:bodyPr anchorCtr="0" anchor="t" bIns="0" lIns="0" spcFirstLastPara="1" rIns="0" wrap="square" tIns="0">
+          <a:bodyPr spcFirstLastPara="1" wrap="square" lIns="0" tIns="0" rIns="0" bIns="0" anchor="t" anchorCtr="0">
             <a:spAutoFit/>
           </a:bodyPr>
           <a:lstStyle>
-            <a:lvl1pPr indent="0" lvl="0" marL="0" algn="r">
+            <a:lvl1pPr marL="0" lvl="0" indent="0" algn="r">
               <a:spcBef>
                 <a:spcPts val="0"/>
               </a:spcBef>
@@ -2702,7 +2807,7 @@
                 </a:solidFill>
               </a:defRPr>
             </a:lvl1pPr>
-            <a:lvl2pPr indent="0" lvl="1" marL="0" algn="r">
+            <a:lvl2pPr marL="0" lvl="1" indent="0" algn="r">
               <a:spcBef>
                 <a:spcPts val="0"/>
               </a:spcBef>
@@ -2713,7 +2818,7 @@
                 </a:solidFill>
               </a:defRPr>
             </a:lvl2pPr>
-            <a:lvl3pPr indent="0" lvl="2" marL="0" algn="r">
+            <a:lvl3pPr marL="0" lvl="2" indent="0" algn="r">
               <a:spcBef>
                 <a:spcPts val="0"/>
               </a:spcBef>
@@ -2724,7 +2829,7 @@
                 </a:solidFill>
               </a:defRPr>
             </a:lvl3pPr>
-            <a:lvl4pPr indent="0" lvl="3" marL="0" algn="r">
+            <a:lvl4pPr marL="0" lvl="3" indent="0" algn="r">
               <a:spcBef>
                 <a:spcPts val="0"/>
               </a:spcBef>
@@ -2735,7 +2840,7 @@
                 </a:solidFill>
               </a:defRPr>
             </a:lvl4pPr>
-            <a:lvl5pPr indent="0" lvl="4" marL="0" algn="r">
+            <a:lvl5pPr marL="0" lvl="4" indent="0" algn="r">
               <a:spcBef>
                 <a:spcPts val="0"/>
               </a:spcBef>
@@ -2746,7 +2851,7 @@
                 </a:solidFill>
               </a:defRPr>
             </a:lvl5pPr>
-            <a:lvl6pPr indent="0" lvl="5" marL="0" algn="r">
+            <a:lvl6pPr marL="0" lvl="5" indent="0" algn="r">
               <a:spcBef>
                 <a:spcPts val="0"/>
               </a:spcBef>
@@ -2757,7 +2862,7 @@
                 </a:solidFill>
               </a:defRPr>
             </a:lvl6pPr>
-            <a:lvl7pPr indent="0" lvl="6" marL="0" algn="r">
+            <a:lvl7pPr marL="0" lvl="6" indent="0" algn="r">
               <a:spcBef>
                 <a:spcPts val="0"/>
               </a:spcBef>
@@ -2768,7 +2873,7 @@
                 </a:solidFill>
               </a:defRPr>
             </a:lvl7pPr>
-            <a:lvl8pPr indent="0" lvl="7" marL="0" algn="r">
+            <a:lvl8pPr marL="0" lvl="7" indent="0" algn="r">
               <a:spcBef>
                 <a:spcPts val="0"/>
               </a:spcBef>
@@ -2779,7 +2884,7 @@
                 </a:solidFill>
               </a:defRPr>
             </a:lvl8pPr>
-            <a:lvl9pPr indent="0" lvl="8" marL="0" algn="r">
+            <a:lvl9pPr marL="0" lvl="8" indent="0" algn="r">
               <a:spcBef>
                 <a:spcPts val="0"/>
               </a:spcBef>
@@ -2792,7 +2897,7 @@
             </a:lvl9pPr>
           </a:lstStyle>
           <a:p>
-            <a:pPr indent="0" lvl="0" marL="0" rtl="0" algn="r">
+            <a:pPr marL="0" lvl="0" indent="0" algn="r" rtl="0">
               <a:spcBef>
                 <a:spcPts val="0"/>
               </a:spcBef>
@@ -2818,11 +2923,11 @@
 </file>
 
 <file path=ppt/slideLayouts/slideLayout2.xml><?xml version="1.0" encoding="utf-8"?>
-<p:sldLayout xmlns:a="http://schemas.openxmlformats.org/drawingml/2006/main" xmlns:r="http://schemas.openxmlformats.org/officeDocument/2006/relationships" xmlns:mc="http://schemas.openxmlformats.org/markup-compatibility/2006" xmlns:mv="urn:schemas-microsoft-com:mac:vml" xmlns:p="http://schemas.openxmlformats.org/presentationml/2006/main" xmlns:c="http://schemas.openxmlformats.org/drawingml/2006/chart" xmlns:dgm="http://schemas.openxmlformats.org/drawingml/2006/diagram" xmlns:o="urn:schemas-microsoft-com:office:office" xmlns:v="urn:schemas-microsoft-com:vml" xmlns:pvml="urn:schemas-microsoft-com:office:powerpoint" xmlns:com="http://schemas.openxmlformats.org/drawingml/2006/compatibility" xmlns:p14="http://schemas.microsoft.com/office/powerpoint/2010/main" xmlns:p15="http://schemas.microsoft.com/office/powerpoint/2012/main" xmlns:ahyp="http://schemas.microsoft.com/office/drawing/2018/hyperlinkcolor" matchingName="Title Only">
+<p:sldLayout xmlns:a="http://schemas.openxmlformats.org/drawingml/2006/main" xmlns:r="http://schemas.openxmlformats.org/officeDocument/2006/relationships" xmlns:p="http://schemas.openxmlformats.org/presentationml/2006/main" matchingName="Title Only">
   <p:cSld name="Title Only">
     <p:spTree>
       <p:nvGrpSpPr>
-        <p:cNvPr id="18" name="Shape 18"/>
+        <p:cNvPr id="1" name="Shape 18"/>
         <p:cNvGrpSpPr/>
         <p:nvPr/>
       </p:nvGrpSpPr>
@@ -2837,7 +2942,9 @@
       <p:sp>
         <p:nvSpPr>
           <p:cNvPr id="19" name="Google Shape;19;p17"/>
-          <p:cNvSpPr txBox="1"/>
+          <p:cNvSpPr txBox="1">
+            <a:spLocks noGrp="1"/>
+          </p:cNvSpPr>
           <p:nvPr>
             <p:ph type="title"/>
           </p:nvPr>
@@ -2856,7 +2963,7 @@
           </a:ln>
         </p:spPr>
         <p:txBody>
-          <a:bodyPr anchorCtr="0" anchor="t" bIns="0" lIns="0" spcFirstLastPara="1" rIns="0" wrap="square" tIns="0">
+          <a:bodyPr spcFirstLastPara="1" wrap="square" lIns="0" tIns="0" rIns="0" bIns="0" anchor="t" anchorCtr="0">
             <a:spAutoFit/>
           </a:bodyPr>
           <a:lstStyle>
@@ -2869,7 +2976,7 @@
               </a:spcAft>
               <a:buSzPts val="1400"/>
               <a:buNone/>
-              <a:defRPr b="0" i="0" sz="3300">
+              <a:defRPr sz="3300" b="0" i="0">
                 <a:solidFill>
                   <a:schemeClr val="lt1"/>
                 </a:solidFill>
@@ -2968,15 +3075,19 @@
               <a:defRPr/>
             </a:lvl9pPr>
           </a:lstStyle>
-          <a:p/>
+          <a:p>
+            <a:endParaRPr/>
+          </a:p>
         </p:txBody>
       </p:sp>
       <p:sp>
         <p:nvSpPr>
           <p:cNvPr id="20" name="Google Shape;20;p17"/>
-          <p:cNvSpPr txBox="1"/>
+          <p:cNvSpPr txBox="1">
+            <a:spLocks noGrp="1"/>
+          </p:cNvSpPr>
           <p:nvPr>
-            <p:ph idx="11" type="ftr"/>
+            <p:ph type="ftr" idx="11"/>
           </p:nvPr>
         </p:nvSpPr>
         <p:spPr>
@@ -2993,7 +3104,7 @@
           </a:ln>
         </p:spPr>
         <p:txBody>
-          <a:bodyPr anchorCtr="0" anchor="t" bIns="0" lIns="0" spcFirstLastPara="1" rIns="0" wrap="square" tIns="0">
+          <a:bodyPr spcFirstLastPara="1" wrap="square" lIns="0" tIns="0" rIns="0" bIns="0" anchor="t" anchorCtr="0">
             <a:spAutoFit/>
           </a:bodyPr>
           <a:lstStyle>
@@ -3101,15 +3212,19 @@
               <a:defRPr/>
             </a:lvl9pPr>
           </a:lstStyle>
-          <a:p/>
+          <a:p>
+            <a:endParaRPr/>
+          </a:p>
         </p:txBody>
       </p:sp>
       <p:sp>
         <p:nvSpPr>
           <p:cNvPr id="21" name="Google Shape;21;p17"/>
-          <p:cNvSpPr txBox="1"/>
+          <p:cNvSpPr txBox="1">
+            <a:spLocks noGrp="1"/>
+          </p:cNvSpPr>
           <p:nvPr>
-            <p:ph idx="10" type="dt"/>
+            <p:ph type="dt" idx="10"/>
           </p:nvPr>
         </p:nvSpPr>
         <p:spPr>
@@ -3126,7 +3241,7 @@
           </a:ln>
         </p:spPr>
         <p:txBody>
-          <a:bodyPr anchorCtr="0" anchor="t" bIns="0" lIns="0" spcFirstLastPara="1" rIns="0" wrap="square" tIns="0">
+          <a:bodyPr spcFirstLastPara="1" wrap="square" lIns="0" tIns="0" rIns="0" bIns="0" anchor="t" anchorCtr="0">
             <a:spAutoFit/>
           </a:bodyPr>
           <a:lstStyle>
@@ -3234,15 +3349,19 @@
               <a:defRPr/>
             </a:lvl9pPr>
           </a:lstStyle>
-          <a:p/>
+          <a:p>
+            <a:endParaRPr/>
+          </a:p>
         </p:txBody>
       </p:sp>
       <p:sp>
         <p:nvSpPr>
           <p:cNvPr id="22" name="Google Shape;22;p17"/>
-          <p:cNvSpPr txBox="1"/>
+          <p:cNvSpPr txBox="1">
+            <a:spLocks noGrp="1"/>
+          </p:cNvSpPr>
           <p:nvPr>
-            <p:ph idx="12" type="sldNum"/>
+            <p:ph type="sldNum" idx="12"/>
           </p:nvPr>
         </p:nvSpPr>
         <p:spPr>
@@ -3259,11 +3378,11 @@
           </a:ln>
         </p:spPr>
         <p:txBody>
-          <a:bodyPr anchorCtr="0" anchor="t" bIns="0" lIns="0" spcFirstLastPara="1" rIns="0" wrap="square" tIns="0">
+          <a:bodyPr spcFirstLastPara="1" wrap="square" lIns="0" tIns="0" rIns="0" bIns="0" anchor="t" anchorCtr="0">
             <a:spAutoFit/>
           </a:bodyPr>
           <a:lstStyle>
-            <a:lvl1pPr indent="0" lvl="0" marL="0" algn="r">
+            <a:lvl1pPr marL="0" lvl="0" indent="0" algn="r">
               <a:spcBef>
                 <a:spcPts val="0"/>
               </a:spcBef>
@@ -3274,7 +3393,7 @@
                 </a:solidFill>
               </a:defRPr>
             </a:lvl1pPr>
-            <a:lvl2pPr indent="0" lvl="1" marL="0" algn="r">
+            <a:lvl2pPr marL="0" lvl="1" indent="0" algn="r">
               <a:spcBef>
                 <a:spcPts val="0"/>
               </a:spcBef>
@@ -3285,7 +3404,7 @@
                 </a:solidFill>
               </a:defRPr>
             </a:lvl2pPr>
-            <a:lvl3pPr indent="0" lvl="2" marL="0" algn="r">
+            <a:lvl3pPr marL="0" lvl="2" indent="0" algn="r">
               <a:spcBef>
                 <a:spcPts val="0"/>
               </a:spcBef>
@@ -3296,7 +3415,7 @@
                 </a:solidFill>
               </a:defRPr>
             </a:lvl3pPr>
-            <a:lvl4pPr indent="0" lvl="3" marL="0" algn="r">
+            <a:lvl4pPr marL="0" lvl="3" indent="0" algn="r">
               <a:spcBef>
                 <a:spcPts val="0"/>
               </a:spcBef>
@@ -3307,7 +3426,7 @@
                 </a:solidFill>
               </a:defRPr>
             </a:lvl4pPr>
-            <a:lvl5pPr indent="0" lvl="4" marL="0" algn="r">
+            <a:lvl5pPr marL="0" lvl="4" indent="0" algn="r">
               <a:spcBef>
                 <a:spcPts val="0"/>
               </a:spcBef>
@@ -3318,7 +3437,7 @@
                 </a:solidFill>
               </a:defRPr>
             </a:lvl5pPr>
-            <a:lvl6pPr indent="0" lvl="5" marL="0" algn="r">
+            <a:lvl6pPr marL="0" lvl="5" indent="0" algn="r">
               <a:spcBef>
                 <a:spcPts val="0"/>
               </a:spcBef>
@@ -3329,7 +3448,7 @@
                 </a:solidFill>
               </a:defRPr>
             </a:lvl6pPr>
-            <a:lvl7pPr indent="0" lvl="6" marL="0" algn="r">
+            <a:lvl7pPr marL="0" lvl="6" indent="0" algn="r">
               <a:spcBef>
                 <a:spcPts val="0"/>
               </a:spcBef>
@@ -3340,7 +3459,7 @@
                 </a:solidFill>
               </a:defRPr>
             </a:lvl7pPr>
-            <a:lvl8pPr indent="0" lvl="7" marL="0" algn="r">
+            <a:lvl8pPr marL="0" lvl="7" indent="0" algn="r">
               <a:spcBef>
                 <a:spcPts val="0"/>
               </a:spcBef>
@@ -3351,7 +3470,7 @@
                 </a:solidFill>
               </a:defRPr>
             </a:lvl8pPr>
-            <a:lvl9pPr indent="0" lvl="8" marL="0" algn="r">
+            <a:lvl9pPr marL="0" lvl="8" indent="0" algn="r">
               <a:spcBef>
                 <a:spcPts val="0"/>
               </a:spcBef>
@@ -3364,7 +3483,7 @@
             </a:lvl9pPr>
           </a:lstStyle>
           <a:p>
-            <a:pPr indent="0" lvl="0" marL="0" rtl="0" algn="r">
+            <a:pPr marL="0" lvl="0" indent="0" algn="r" rtl="0">
               <a:spcBef>
                 <a:spcPts val="0"/>
               </a:spcBef>
@@ -3390,11 +3509,11 @@
 </file>
 
 <file path=ppt/slideLayouts/slideLayout3.xml><?xml version="1.0" encoding="utf-8"?>
-<p:sldLayout xmlns:a="http://schemas.openxmlformats.org/drawingml/2006/main" xmlns:r="http://schemas.openxmlformats.org/officeDocument/2006/relationships" xmlns:mc="http://schemas.openxmlformats.org/markup-compatibility/2006" xmlns:mv="urn:schemas-microsoft-com:mac:vml" xmlns:p="http://schemas.openxmlformats.org/presentationml/2006/main" xmlns:c="http://schemas.openxmlformats.org/drawingml/2006/chart" xmlns:dgm="http://schemas.openxmlformats.org/drawingml/2006/diagram" xmlns:o="urn:schemas-microsoft-com:office:office" xmlns:v="urn:schemas-microsoft-com:vml" xmlns:pvml="urn:schemas-microsoft-com:office:powerpoint" xmlns:com="http://schemas.openxmlformats.org/drawingml/2006/compatibility" xmlns:p14="http://schemas.microsoft.com/office/powerpoint/2010/main" xmlns:p15="http://schemas.microsoft.com/office/powerpoint/2012/main" xmlns:ahyp="http://schemas.microsoft.com/office/drawing/2018/hyperlinkcolor" matchingName="Title Slide">
+<p:sldLayout xmlns:a="http://schemas.openxmlformats.org/drawingml/2006/main" xmlns:r="http://schemas.openxmlformats.org/officeDocument/2006/relationships" xmlns:p="http://schemas.openxmlformats.org/presentationml/2006/main" matchingName="Title Slide">
   <p:cSld name="Title Slide">
     <p:spTree>
       <p:nvGrpSpPr>
-        <p:cNvPr id="23" name="Shape 23"/>
+        <p:cNvPr id="1" name="Shape 23"/>
         <p:cNvGrpSpPr/>
         <p:nvPr/>
       </p:nvGrpSpPr>
@@ -3409,7 +3528,9 @@
       <p:sp>
         <p:nvSpPr>
           <p:cNvPr id="24" name="Google Shape;24;p18"/>
-          <p:cNvSpPr txBox="1"/>
+          <p:cNvSpPr txBox="1">
+            <a:spLocks noGrp="1"/>
+          </p:cNvSpPr>
           <p:nvPr>
             <p:ph type="ctrTitle"/>
           </p:nvPr>
@@ -3428,7 +3549,7 @@
           </a:ln>
         </p:spPr>
         <p:txBody>
-          <a:bodyPr anchorCtr="0" anchor="t" bIns="0" lIns="0" spcFirstLastPara="1" rIns="0" wrap="square" tIns="0">
+          <a:bodyPr spcFirstLastPara="1" wrap="square" lIns="0" tIns="0" rIns="0" bIns="0" anchor="t" anchorCtr="0">
             <a:spAutoFit/>
           </a:bodyPr>
           <a:lstStyle>
@@ -3532,15 +3653,19 @@
               <a:defRPr/>
             </a:lvl9pPr>
           </a:lstStyle>
-          <a:p/>
+          <a:p>
+            <a:endParaRPr/>
+          </a:p>
         </p:txBody>
       </p:sp>
       <p:sp>
         <p:nvSpPr>
           <p:cNvPr id="25" name="Google Shape;25;p18"/>
-          <p:cNvSpPr txBox="1"/>
+          <p:cNvSpPr txBox="1">
+            <a:spLocks noGrp="1"/>
+          </p:cNvSpPr>
           <p:nvPr>
-            <p:ph idx="1" type="subTitle"/>
+            <p:ph type="subTitle" idx="1"/>
           </p:nvPr>
         </p:nvSpPr>
         <p:spPr>
@@ -3557,7 +3682,7 @@
           </a:ln>
         </p:spPr>
         <p:txBody>
-          <a:bodyPr anchorCtr="0" anchor="t" bIns="0" lIns="0" spcFirstLastPara="1" rIns="0" wrap="square" tIns="0">
+          <a:bodyPr spcFirstLastPara="1" wrap="square" lIns="0" tIns="0" rIns="0" bIns="0" anchor="t" anchorCtr="0">
             <a:spAutoFit/>
           </a:bodyPr>
           <a:lstStyle>
@@ -3661,15 +3786,19 @@
               <a:defRPr/>
             </a:lvl9pPr>
           </a:lstStyle>
-          <a:p/>
+          <a:p>
+            <a:endParaRPr/>
+          </a:p>
         </p:txBody>
       </p:sp>
       <p:sp>
         <p:nvSpPr>
           <p:cNvPr id="26" name="Google Shape;26;p18"/>
-          <p:cNvSpPr txBox="1"/>
+          <p:cNvSpPr txBox="1">
+            <a:spLocks noGrp="1"/>
+          </p:cNvSpPr>
           <p:nvPr>
-            <p:ph idx="11" type="ftr"/>
+            <p:ph type="ftr" idx="11"/>
           </p:nvPr>
         </p:nvSpPr>
         <p:spPr>
@@ -3686,7 +3815,7 @@
           </a:ln>
         </p:spPr>
         <p:txBody>
-          <a:bodyPr anchorCtr="0" anchor="t" bIns="0" lIns="0" spcFirstLastPara="1" rIns="0" wrap="square" tIns="0">
+          <a:bodyPr spcFirstLastPara="1" wrap="square" lIns="0" tIns="0" rIns="0" bIns="0" anchor="t" anchorCtr="0">
             <a:spAutoFit/>
           </a:bodyPr>
           <a:lstStyle>
@@ -3794,15 +3923,19 @@
               <a:defRPr/>
             </a:lvl9pPr>
           </a:lstStyle>
-          <a:p/>
+          <a:p>
+            <a:endParaRPr/>
+          </a:p>
         </p:txBody>
       </p:sp>
       <p:sp>
         <p:nvSpPr>
           <p:cNvPr id="27" name="Google Shape;27;p18"/>
-          <p:cNvSpPr txBox="1"/>
+          <p:cNvSpPr txBox="1">
+            <a:spLocks noGrp="1"/>
+          </p:cNvSpPr>
           <p:nvPr>
-            <p:ph idx="10" type="dt"/>
+            <p:ph type="dt" idx="10"/>
           </p:nvPr>
         </p:nvSpPr>
         <p:spPr>
@@ -3819,7 +3952,7 @@
           </a:ln>
         </p:spPr>
         <p:txBody>
-          <a:bodyPr anchorCtr="0" anchor="t" bIns="0" lIns="0" spcFirstLastPara="1" rIns="0" wrap="square" tIns="0">
+          <a:bodyPr spcFirstLastPara="1" wrap="square" lIns="0" tIns="0" rIns="0" bIns="0" anchor="t" anchorCtr="0">
             <a:spAutoFit/>
           </a:bodyPr>
           <a:lstStyle>
@@ -3927,15 +4060,19 @@
               <a:defRPr/>
             </a:lvl9pPr>
           </a:lstStyle>
-          <a:p/>
+          <a:p>
+            <a:endParaRPr/>
+          </a:p>
         </p:txBody>
       </p:sp>
       <p:sp>
         <p:nvSpPr>
           <p:cNvPr id="28" name="Google Shape;28;p18"/>
-          <p:cNvSpPr txBox="1"/>
+          <p:cNvSpPr txBox="1">
+            <a:spLocks noGrp="1"/>
+          </p:cNvSpPr>
           <p:nvPr>
-            <p:ph idx="12" type="sldNum"/>
+            <p:ph type="sldNum" idx="12"/>
           </p:nvPr>
         </p:nvSpPr>
         <p:spPr>
@@ -3952,11 +4089,11 @@
           </a:ln>
         </p:spPr>
         <p:txBody>
-          <a:bodyPr anchorCtr="0" anchor="t" bIns="0" lIns="0" spcFirstLastPara="1" rIns="0" wrap="square" tIns="0">
+          <a:bodyPr spcFirstLastPara="1" wrap="square" lIns="0" tIns="0" rIns="0" bIns="0" anchor="t" anchorCtr="0">
             <a:spAutoFit/>
           </a:bodyPr>
           <a:lstStyle>
-            <a:lvl1pPr indent="0" lvl="0" marL="0" algn="r">
+            <a:lvl1pPr marL="0" lvl="0" indent="0" algn="r">
               <a:spcBef>
                 <a:spcPts val="0"/>
               </a:spcBef>
@@ -3967,7 +4104,7 @@
                 </a:solidFill>
               </a:defRPr>
             </a:lvl1pPr>
-            <a:lvl2pPr indent="0" lvl="1" marL="0" algn="r">
+            <a:lvl2pPr marL="0" lvl="1" indent="0" algn="r">
               <a:spcBef>
                 <a:spcPts val="0"/>
               </a:spcBef>
@@ -3978,7 +4115,7 @@
                 </a:solidFill>
               </a:defRPr>
             </a:lvl2pPr>
-            <a:lvl3pPr indent="0" lvl="2" marL="0" algn="r">
+            <a:lvl3pPr marL="0" lvl="2" indent="0" algn="r">
               <a:spcBef>
                 <a:spcPts val="0"/>
               </a:spcBef>
@@ -3989,7 +4126,7 @@
                 </a:solidFill>
               </a:defRPr>
             </a:lvl3pPr>
-            <a:lvl4pPr indent="0" lvl="3" marL="0" algn="r">
+            <a:lvl4pPr marL="0" lvl="3" indent="0" algn="r">
               <a:spcBef>
                 <a:spcPts val="0"/>
               </a:spcBef>
@@ -4000,7 +4137,7 @@
                 </a:solidFill>
               </a:defRPr>
             </a:lvl4pPr>
-            <a:lvl5pPr indent="0" lvl="4" marL="0" algn="r">
+            <a:lvl5pPr marL="0" lvl="4" indent="0" algn="r">
               <a:spcBef>
                 <a:spcPts val="0"/>
               </a:spcBef>
@@ -4011,7 +4148,7 @@
                 </a:solidFill>
               </a:defRPr>
             </a:lvl5pPr>
-            <a:lvl6pPr indent="0" lvl="5" marL="0" algn="r">
+            <a:lvl6pPr marL="0" lvl="5" indent="0" algn="r">
               <a:spcBef>
                 <a:spcPts val="0"/>
               </a:spcBef>
@@ -4022,7 +4159,7 @@
                 </a:solidFill>
               </a:defRPr>
             </a:lvl6pPr>
-            <a:lvl7pPr indent="0" lvl="6" marL="0" algn="r">
+            <a:lvl7pPr marL="0" lvl="6" indent="0" algn="r">
               <a:spcBef>
                 <a:spcPts val="0"/>
               </a:spcBef>
@@ -4033,7 +4170,7 @@
                 </a:solidFill>
               </a:defRPr>
             </a:lvl7pPr>
-            <a:lvl8pPr indent="0" lvl="7" marL="0" algn="r">
+            <a:lvl8pPr marL="0" lvl="7" indent="0" algn="r">
               <a:spcBef>
                 <a:spcPts val="0"/>
               </a:spcBef>
@@ -4044,7 +4181,7 @@
                 </a:solidFill>
               </a:defRPr>
             </a:lvl8pPr>
-            <a:lvl9pPr indent="0" lvl="8" marL="0" algn="r">
+            <a:lvl9pPr marL="0" lvl="8" indent="0" algn="r">
               <a:spcBef>
                 <a:spcPts val="0"/>
               </a:spcBef>
@@ -4057,7 +4194,7 @@
             </a:lvl9pPr>
           </a:lstStyle>
           <a:p>
-            <a:pPr indent="0" lvl="0" marL="0" rtl="0" algn="r">
+            <a:pPr marL="0" lvl="0" indent="0" algn="r" rtl="0">
               <a:spcBef>
                 <a:spcPts val="0"/>
               </a:spcBef>
@@ -4083,11 +4220,11 @@
 </file>
 
 <file path=ppt/slideLayouts/slideLayout4.xml><?xml version="1.0" encoding="utf-8"?>
-<p:sldLayout xmlns:a="http://schemas.openxmlformats.org/drawingml/2006/main" xmlns:r="http://schemas.openxmlformats.org/officeDocument/2006/relationships" xmlns:mc="http://schemas.openxmlformats.org/markup-compatibility/2006" xmlns:mv="urn:schemas-microsoft-com:mac:vml" xmlns:p="http://schemas.openxmlformats.org/presentationml/2006/main" xmlns:c="http://schemas.openxmlformats.org/drawingml/2006/chart" xmlns:dgm="http://schemas.openxmlformats.org/drawingml/2006/diagram" xmlns:o="urn:schemas-microsoft-com:office:office" xmlns:v="urn:schemas-microsoft-com:vml" xmlns:pvml="urn:schemas-microsoft-com:office:powerpoint" xmlns:com="http://schemas.openxmlformats.org/drawingml/2006/compatibility" xmlns:p14="http://schemas.microsoft.com/office/powerpoint/2010/main" xmlns:p15="http://schemas.microsoft.com/office/powerpoint/2012/main" xmlns:ahyp="http://schemas.microsoft.com/office/drawing/2018/hyperlinkcolor" matchingName="Two Content">
+<p:sldLayout xmlns:a="http://schemas.openxmlformats.org/drawingml/2006/main" xmlns:r="http://schemas.openxmlformats.org/officeDocument/2006/relationships" xmlns:p="http://schemas.openxmlformats.org/presentationml/2006/main" matchingName="Two Content">
   <p:cSld name="Two Content">
     <p:spTree>
       <p:nvGrpSpPr>
-        <p:cNvPr id="29" name="Shape 29"/>
+        <p:cNvPr id="1" name="Shape 29"/>
         <p:cNvGrpSpPr/>
         <p:nvPr/>
       </p:nvGrpSpPr>
@@ -4102,7 +4239,9 @@
       <p:sp>
         <p:nvSpPr>
           <p:cNvPr id="30" name="Google Shape;30;p19"/>
-          <p:cNvSpPr txBox="1"/>
+          <p:cNvSpPr txBox="1">
+            <a:spLocks noGrp="1"/>
+          </p:cNvSpPr>
           <p:nvPr>
             <p:ph type="title"/>
           </p:nvPr>
@@ -4121,7 +4260,7 @@
           </a:ln>
         </p:spPr>
         <p:txBody>
-          <a:bodyPr anchorCtr="0" anchor="t" bIns="0" lIns="0" spcFirstLastPara="1" rIns="0" wrap="square" tIns="0">
+          <a:bodyPr spcFirstLastPara="1" wrap="square" lIns="0" tIns="0" rIns="0" bIns="0" anchor="t" anchorCtr="0">
             <a:spAutoFit/>
           </a:bodyPr>
           <a:lstStyle>
@@ -4134,7 +4273,7 @@
               </a:spcAft>
               <a:buSzPts val="1400"/>
               <a:buNone/>
-              <a:defRPr b="0" i="0" sz="3300">
+              <a:defRPr sz="3300" b="0" i="0">
                 <a:solidFill>
                   <a:schemeClr val="lt1"/>
                 </a:solidFill>
@@ -4233,15 +4372,19 @@
               <a:defRPr/>
             </a:lvl9pPr>
           </a:lstStyle>
-          <a:p/>
+          <a:p>
+            <a:endParaRPr/>
+          </a:p>
         </p:txBody>
       </p:sp>
       <p:sp>
         <p:nvSpPr>
           <p:cNvPr id="31" name="Google Shape;31;p19"/>
-          <p:cNvSpPr txBox="1"/>
+          <p:cNvSpPr txBox="1">
+            <a:spLocks noGrp="1"/>
+          </p:cNvSpPr>
           <p:nvPr>
-            <p:ph idx="1" type="body"/>
+            <p:ph type="body" idx="1"/>
           </p:nvPr>
         </p:nvSpPr>
         <p:spPr>
@@ -4258,11 +4401,11 @@
           </a:ln>
         </p:spPr>
         <p:txBody>
-          <a:bodyPr anchorCtr="0" anchor="t" bIns="0" lIns="0" spcFirstLastPara="1" rIns="0" wrap="square" tIns="0">
+          <a:bodyPr spcFirstLastPara="1" wrap="square" lIns="0" tIns="0" rIns="0" bIns="0" anchor="t" anchorCtr="0">
             <a:spAutoFit/>
           </a:bodyPr>
           <a:lstStyle>
-            <a:lvl1pPr indent="-228600" lvl="0" marL="457200" algn="l">
+            <a:lvl1pPr marL="457200" lvl="0" indent="-228600" algn="l">
               <a:spcBef>
                 <a:spcPts val="0"/>
               </a:spcBef>
@@ -4273,7 +4416,7 @@
               <a:buNone/>
               <a:defRPr/>
             </a:lvl1pPr>
-            <a:lvl2pPr indent="-228600" lvl="1" marL="914400" algn="l">
+            <a:lvl2pPr marL="914400" lvl="1" indent="-228600" algn="l">
               <a:spcBef>
                 <a:spcPts val="0"/>
               </a:spcBef>
@@ -4284,7 +4427,7 @@
               <a:buNone/>
               <a:defRPr/>
             </a:lvl2pPr>
-            <a:lvl3pPr indent="-228600" lvl="2" marL="1371600" algn="l">
+            <a:lvl3pPr marL="1371600" lvl="2" indent="-228600" algn="l">
               <a:spcBef>
                 <a:spcPts val="0"/>
               </a:spcBef>
@@ -4295,7 +4438,7 @@
               <a:buNone/>
               <a:defRPr/>
             </a:lvl3pPr>
-            <a:lvl4pPr indent="-228600" lvl="3" marL="1828800" algn="l">
+            <a:lvl4pPr marL="1828800" lvl="3" indent="-228600" algn="l">
               <a:spcBef>
                 <a:spcPts val="0"/>
               </a:spcBef>
@@ -4306,7 +4449,7 @@
               <a:buNone/>
               <a:defRPr/>
             </a:lvl4pPr>
-            <a:lvl5pPr indent="-228600" lvl="4" marL="2286000" algn="l">
+            <a:lvl5pPr marL="2286000" lvl="4" indent="-228600" algn="l">
               <a:spcBef>
                 <a:spcPts val="0"/>
               </a:spcBef>
@@ -4317,7 +4460,7 @@
               <a:buNone/>
               <a:defRPr/>
             </a:lvl5pPr>
-            <a:lvl6pPr indent="-228600" lvl="5" marL="2743200" algn="l">
+            <a:lvl6pPr marL="2743200" lvl="5" indent="-228600" algn="l">
               <a:spcBef>
                 <a:spcPts val="0"/>
               </a:spcBef>
@@ -4328,7 +4471,7 @@
               <a:buNone/>
               <a:defRPr/>
             </a:lvl6pPr>
-            <a:lvl7pPr indent="-228600" lvl="6" marL="3200400" algn="l">
+            <a:lvl7pPr marL="3200400" lvl="6" indent="-228600" algn="l">
               <a:spcBef>
                 <a:spcPts val="0"/>
               </a:spcBef>
@@ -4339,7 +4482,7 @@
               <a:buNone/>
               <a:defRPr/>
             </a:lvl7pPr>
-            <a:lvl8pPr indent="-228600" lvl="7" marL="3657600" algn="l">
+            <a:lvl8pPr marL="3657600" lvl="7" indent="-228600" algn="l">
               <a:spcBef>
                 <a:spcPts val="0"/>
               </a:spcBef>
@@ -4350,7 +4493,7 @@
               <a:buNone/>
               <a:defRPr/>
             </a:lvl8pPr>
-            <a:lvl9pPr indent="-228600" lvl="8" marL="4114800" algn="l">
+            <a:lvl9pPr marL="4114800" lvl="8" indent="-228600" algn="l">
               <a:spcBef>
                 <a:spcPts val="0"/>
               </a:spcBef>
@@ -4362,15 +4505,19 @@
               <a:defRPr/>
             </a:lvl9pPr>
           </a:lstStyle>
-          <a:p/>
+          <a:p>
+            <a:endParaRPr/>
+          </a:p>
         </p:txBody>
       </p:sp>
       <p:sp>
         <p:nvSpPr>
           <p:cNvPr id="32" name="Google Shape;32;p19"/>
-          <p:cNvSpPr txBox="1"/>
+          <p:cNvSpPr txBox="1">
+            <a:spLocks noGrp="1"/>
+          </p:cNvSpPr>
           <p:nvPr>
-            <p:ph idx="2" type="body"/>
+            <p:ph type="body" idx="2"/>
           </p:nvPr>
         </p:nvSpPr>
         <p:spPr>
@@ -4387,11 +4534,11 @@
           </a:ln>
         </p:spPr>
         <p:txBody>
-          <a:bodyPr anchorCtr="0" anchor="t" bIns="0" lIns="0" spcFirstLastPara="1" rIns="0" wrap="square" tIns="0">
+          <a:bodyPr spcFirstLastPara="1" wrap="square" lIns="0" tIns="0" rIns="0" bIns="0" anchor="t" anchorCtr="0">
             <a:spAutoFit/>
           </a:bodyPr>
           <a:lstStyle>
-            <a:lvl1pPr indent="-228600" lvl="0" marL="457200" algn="l">
+            <a:lvl1pPr marL="457200" lvl="0" indent="-228600" algn="l">
               <a:spcBef>
                 <a:spcPts val="0"/>
               </a:spcBef>
@@ -4402,7 +4549,7 @@
               <a:buNone/>
               <a:defRPr/>
             </a:lvl1pPr>
-            <a:lvl2pPr indent="-228600" lvl="1" marL="914400" algn="l">
+            <a:lvl2pPr marL="914400" lvl="1" indent="-228600" algn="l">
               <a:spcBef>
                 <a:spcPts val="0"/>
               </a:spcBef>
@@ -4413,7 +4560,7 @@
               <a:buNone/>
               <a:defRPr/>
             </a:lvl2pPr>
-            <a:lvl3pPr indent="-228600" lvl="2" marL="1371600" algn="l">
+            <a:lvl3pPr marL="1371600" lvl="2" indent="-228600" algn="l">
               <a:spcBef>
                 <a:spcPts val="0"/>
               </a:spcBef>
@@ -4424,7 +4571,7 @@
               <a:buNone/>
               <a:defRPr/>
             </a:lvl3pPr>
-            <a:lvl4pPr indent="-228600" lvl="3" marL="1828800" algn="l">
+            <a:lvl4pPr marL="1828800" lvl="3" indent="-228600" algn="l">
               <a:spcBef>
                 <a:spcPts val="0"/>
               </a:spcBef>
@@ -4435,7 +4582,7 @@
               <a:buNone/>
               <a:defRPr/>
             </a:lvl4pPr>
-            <a:lvl5pPr indent="-228600" lvl="4" marL="2286000" algn="l">
+            <a:lvl5pPr marL="2286000" lvl="4" indent="-228600" algn="l">
               <a:spcBef>
                 <a:spcPts val="0"/>
               </a:spcBef>
@@ -4446,7 +4593,7 @@
               <a:buNone/>
               <a:defRPr/>
             </a:lvl5pPr>
-            <a:lvl6pPr indent="-228600" lvl="5" marL="2743200" algn="l">
+            <a:lvl6pPr marL="2743200" lvl="5" indent="-228600" algn="l">
               <a:spcBef>
                 <a:spcPts val="0"/>
               </a:spcBef>
@@ -4457,7 +4604,7 @@
               <a:buNone/>
               <a:defRPr/>
             </a:lvl6pPr>
-            <a:lvl7pPr indent="-228600" lvl="6" marL="3200400" algn="l">
+            <a:lvl7pPr marL="3200400" lvl="6" indent="-228600" algn="l">
               <a:spcBef>
                 <a:spcPts val="0"/>
               </a:spcBef>
@@ -4468,7 +4615,7 @@
               <a:buNone/>
               <a:defRPr/>
             </a:lvl7pPr>
-            <a:lvl8pPr indent="-228600" lvl="7" marL="3657600" algn="l">
+            <a:lvl8pPr marL="3657600" lvl="7" indent="-228600" algn="l">
               <a:spcBef>
                 <a:spcPts val="0"/>
               </a:spcBef>
@@ -4479,7 +4626,7 @@
               <a:buNone/>
               <a:defRPr/>
             </a:lvl8pPr>
-            <a:lvl9pPr indent="-228600" lvl="8" marL="4114800" algn="l">
+            <a:lvl9pPr marL="4114800" lvl="8" indent="-228600" algn="l">
               <a:spcBef>
                 <a:spcPts val="0"/>
               </a:spcBef>
@@ -4491,15 +4638,19 @@
               <a:defRPr/>
             </a:lvl9pPr>
           </a:lstStyle>
-          <a:p/>
+          <a:p>
+            <a:endParaRPr/>
+          </a:p>
         </p:txBody>
       </p:sp>
       <p:sp>
         <p:nvSpPr>
           <p:cNvPr id="33" name="Google Shape;33;p19"/>
-          <p:cNvSpPr txBox="1"/>
+          <p:cNvSpPr txBox="1">
+            <a:spLocks noGrp="1"/>
+          </p:cNvSpPr>
           <p:nvPr>
-            <p:ph idx="11" type="ftr"/>
+            <p:ph type="ftr" idx="11"/>
           </p:nvPr>
         </p:nvSpPr>
         <p:spPr>
@@ -4516,7 +4667,7 @@
           </a:ln>
         </p:spPr>
         <p:txBody>
-          <a:bodyPr anchorCtr="0" anchor="t" bIns="0" lIns="0" spcFirstLastPara="1" rIns="0" wrap="square" tIns="0">
+          <a:bodyPr spcFirstLastPara="1" wrap="square" lIns="0" tIns="0" rIns="0" bIns="0" anchor="t" anchorCtr="0">
             <a:spAutoFit/>
           </a:bodyPr>
           <a:lstStyle>
@@ -4624,15 +4775,19 @@
               <a:defRPr/>
             </a:lvl9pPr>
           </a:lstStyle>
-          <a:p/>
+          <a:p>
+            <a:endParaRPr/>
+          </a:p>
         </p:txBody>
       </p:sp>
       <p:sp>
         <p:nvSpPr>
           <p:cNvPr id="34" name="Google Shape;34;p19"/>
-          <p:cNvSpPr txBox="1"/>
+          <p:cNvSpPr txBox="1">
+            <a:spLocks noGrp="1"/>
+          </p:cNvSpPr>
           <p:nvPr>
-            <p:ph idx="10" type="dt"/>
+            <p:ph type="dt" idx="10"/>
           </p:nvPr>
         </p:nvSpPr>
         <p:spPr>
@@ -4649,7 +4804,7 @@
           </a:ln>
         </p:spPr>
         <p:txBody>
-          <a:bodyPr anchorCtr="0" anchor="t" bIns="0" lIns="0" spcFirstLastPara="1" rIns="0" wrap="square" tIns="0">
+          <a:bodyPr spcFirstLastPara="1" wrap="square" lIns="0" tIns="0" rIns="0" bIns="0" anchor="t" anchorCtr="0">
             <a:spAutoFit/>
           </a:bodyPr>
           <a:lstStyle>
@@ -4757,15 +4912,19 @@
               <a:defRPr/>
             </a:lvl9pPr>
           </a:lstStyle>
-          <a:p/>
+          <a:p>
+            <a:endParaRPr/>
+          </a:p>
         </p:txBody>
       </p:sp>
       <p:sp>
         <p:nvSpPr>
           <p:cNvPr id="35" name="Google Shape;35;p19"/>
-          <p:cNvSpPr txBox="1"/>
+          <p:cNvSpPr txBox="1">
+            <a:spLocks noGrp="1"/>
+          </p:cNvSpPr>
           <p:nvPr>
-            <p:ph idx="12" type="sldNum"/>
+            <p:ph type="sldNum" idx="12"/>
           </p:nvPr>
         </p:nvSpPr>
         <p:spPr>
@@ -4782,11 +4941,11 @@
           </a:ln>
         </p:spPr>
         <p:txBody>
-          <a:bodyPr anchorCtr="0" anchor="t" bIns="0" lIns="0" spcFirstLastPara="1" rIns="0" wrap="square" tIns="0">
+          <a:bodyPr spcFirstLastPara="1" wrap="square" lIns="0" tIns="0" rIns="0" bIns="0" anchor="t" anchorCtr="0">
             <a:spAutoFit/>
           </a:bodyPr>
           <a:lstStyle>
-            <a:lvl1pPr indent="0" lvl="0" marL="0" algn="r">
+            <a:lvl1pPr marL="0" lvl="0" indent="0" algn="r">
               <a:spcBef>
                 <a:spcPts val="0"/>
               </a:spcBef>
@@ -4797,7 +4956,7 @@
                 </a:solidFill>
               </a:defRPr>
             </a:lvl1pPr>
-            <a:lvl2pPr indent="0" lvl="1" marL="0" algn="r">
+            <a:lvl2pPr marL="0" lvl="1" indent="0" algn="r">
               <a:spcBef>
                 <a:spcPts val="0"/>
               </a:spcBef>
@@ -4808,7 +4967,7 @@
                 </a:solidFill>
               </a:defRPr>
             </a:lvl2pPr>
-            <a:lvl3pPr indent="0" lvl="2" marL="0" algn="r">
+            <a:lvl3pPr marL="0" lvl="2" indent="0" algn="r">
               <a:spcBef>
                 <a:spcPts val="0"/>
               </a:spcBef>
@@ -4819,7 +4978,7 @@
                 </a:solidFill>
               </a:defRPr>
             </a:lvl3pPr>
-            <a:lvl4pPr indent="0" lvl="3" marL="0" algn="r">
+            <a:lvl4pPr marL="0" lvl="3" indent="0" algn="r">
               <a:spcBef>
                 <a:spcPts val="0"/>
               </a:spcBef>
@@ -4830,7 +4989,7 @@
                 </a:solidFill>
               </a:defRPr>
             </a:lvl4pPr>
-            <a:lvl5pPr indent="0" lvl="4" marL="0" algn="r">
+            <a:lvl5pPr marL="0" lvl="4" indent="0" algn="r">
               <a:spcBef>
                 <a:spcPts val="0"/>
               </a:spcBef>
@@ -4841,7 +5000,7 @@
                 </a:solidFill>
               </a:defRPr>
             </a:lvl5pPr>
-            <a:lvl6pPr indent="0" lvl="5" marL="0" algn="r">
+            <a:lvl6pPr marL="0" lvl="5" indent="0" algn="r">
               <a:spcBef>
                 <a:spcPts val="0"/>
               </a:spcBef>
@@ -4852,7 +5011,7 @@
                 </a:solidFill>
               </a:defRPr>
             </a:lvl6pPr>
-            <a:lvl7pPr indent="0" lvl="6" marL="0" algn="r">
+            <a:lvl7pPr marL="0" lvl="6" indent="0" algn="r">
               <a:spcBef>
                 <a:spcPts val="0"/>
               </a:spcBef>
@@ -4863,7 +5022,7 @@
                 </a:solidFill>
               </a:defRPr>
             </a:lvl7pPr>
-            <a:lvl8pPr indent="0" lvl="7" marL="0" algn="r">
+            <a:lvl8pPr marL="0" lvl="7" indent="0" algn="r">
               <a:spcBef>
                 <a:spcPts val="0"/>
               </a:spcBef>
@@ -4874,7 +5033,7 @@
                 </a:solidFill>
               </a:defRPr>
             </a:lvl8pPr>
-            <a:lvl9pPr indent="0" lvl="8" marL="0" algn="r">
+            <a:lvl9pPr marL="0" lvl="8" indent="0" algn="r">
               <a:spcBef>
                 <a:spcPts val="0"/>
               </a:spcBef>
@@ -4887,7 +5046,7 @@
             </a:lvl9pPr>
           </a:lstStyle>
           <a:p>
-            <a:pPr indent="0" lvl="0" marL="0" rtl="0" algn="r">
+            <a:pPr marL="0" lvl="0" indent="0" algn="r" rtl="0">
               <a:spcBef>
                 <a:spcPts val="0"/>
               </a:spcBef>
@@ -4913,11 +5072,11 @@
 </file>
 
 <file path=ppt/slideLayouts/slideLayout5.xml><?xml version="1.0" encoding="utf-8"?>
-<p:sldLayout xmlns:a="http://schemas.openxmlformats.org/drawingml/2006/main" xmlns:r="http://schemas.openxmlformats.org/officeDocument/2006/relationships" xmlns:mc="http://schemas.openxmlformats.org/markup-compatibility/2006" xmlns:mv="urn:schemas-microsoft-com:mac:vml" xmlns:p="http://schemas.openxmlformats.org/presentationml/2006/main" xmlns:c="http://schemas.openxmlformats.org/drawingml/2006/chart" xmlns:dgm="http://schemas.openxmlformats.org/drawingml/2006/diagram" xmlns:o="urn:schemas-microsoft-com:office:office" xmlns:v="urn:schemas-microsoft-com:vml" xmlns:pvml="urn:schemas-microsoft-com:office:powerpoint" xmlns:com="http://schemas.openxmlformats.org/drawingml/2006/compatibility" xmlns:p14="http://schemas.microsoft.com/office/powerpoint/2010/main" xmlns:p15="http://schemas.microsoft.com/office/powerpoint/2012/main" xmlns:ahyp="http://schemas.microsoft.com/office/drawing/2018/hyperlinkcolor" matchingName="Blank">
+<p:sldLayout xmlns:a="http://schemas.openxmlformats.org/drawingml/2006/main" xmlns:r="http://schemas.openxmlformats.org/officeDocument/2006/relationships" xmlns:p="http://schemas.openxmlformats.org/presentationml/2006/main" matchingName="Blank">
   <p:cSld name="Blank">
     <p:spTree>
       <p:nvGrpSpPr>
-        <p:cNvPr id="36" name="Shape 36"/>
+        <p:cNvPr id="1" name="Shape 36"/>
         <p:cNvGrpSpPr/>
         <p:nvPr/>
       </p:nvGrpSpPr>
@@ -4932,9 +5091,11 @@
       <p:sp>
         <p:nvSpPr>
           <p:cNvPr id="37" name="Google Shape;37;p20"/>
-          <p:cNvSpPr txBox="1"/>
+          <p:cNvSpPr txBox="1">
+            <a:spLocks noGrp="1"/>
+          </p:cNvSpPr>
           <p:nvPr>
-            <p:ph idx="11" type="ftr"/>
+            <p:ph type="ftr" idx="11"/>
           </p:nvPr>
         </p:nvSpPr>
         <p:spPr>
@@ -4951,7 +5112,7 @@
           </a:ln>
         </p:spPr>
         <p:txBody>
-          <a:bodyPr anchorCtr="0" anchor="t" bIns="0" lIns="0" spcFirstLastPara="1" rIns="0" wrap="square" tIns="0">
+          <a:bodyPr spcFirstLastPara="1" wrap="square" lIns="0" tIns="0" rIns="0" bIns="0" anchor="t" anchorCtr="0">
             <a:spAutoFit/>
           </a:bodyPr>
           <a:lstStyle>
@@ -5059,15 +5220,19 @@
               <a:defRPr/>
             </a:lvl9pPr>
           </a:lstStyle>
-          <a:p/>
+          <a:p>
+            <a:endParaRPr/>
+          </a:p>
         </p:txBody>
       </p:sp>
       <p:sp>
         <p:nvSpPr>
           <p:cNvPr id="38" name="Google Shape;38;p20"/>
-          <p:cNvSpPr txBox="1"/>
+          <p:cNvSpPr txBox="1">
+            <a:spLocks noGrp="1"/>
+          </p:cNvSpPr>
           <p:nvPr>
-            <p:ph idx="10" type="dt"/>
+            <p:ph type="dt" idx="10"/>
           </p:nvPr>
         </p:nvSpPr>
         <p:spPr>
@@ -5084,7 +5249,7 @@
           </a:ln>
         </p:spPr>
         <p:txBody>
-          <a:bodyPr anchorCtr="0" anchor="t" bIns="0" lIns="0" spcFirstLastPara="1" rIns="0" wrap="square" tIns="0">
+          <a:bodyPr spcFirstLastPara="1" wrap="square" lIns="0" tIns="0" rIns="0" bIns="0" anchor="t" anchorCtr="0">
             <a:spAutoFit/>
           </a:bodyPr>
           <a:lstStyle>
@@ -5192,15 +5357,19 @@
               <a:defRPr/>
             </a:lvl9pPr>
           </a:lstStyle>
-          <a:p/>
+          <a:p>
+            <a:endParaRPr/>
+          </a:p>
         </p:txBody>
       </p:sp>
       <p:sp>
         <p:nvSpPr>
           <p:cNvPr id="39" name="Google Shape;39;p20"/>
-          <p:cNvSpPr txBox="1"/>
+          <p:cNvSpPr txBox="1">
+            <a:spLocks noGrp="1"/>
+          </p:cNvSpPr>
           <p:nvPr>
-            <p:ph idx="12" type="sldNum"/>
+            <p:ph type="sldNum" idx="12"/>
           </p:nvPr>
         </p:nvSpPr>
         <p:spPr>
@@ -5217,11 +5386,11 @@
           </a:ln>
         </p:spPr>
         <p:txBody>
-          <a:bodyPr anchorCtr="0" anchor="t" bIns="0" lIns="0" spcFirstLastPara="1" rIns="0" wrap="square" tIns="0">
+          <a:bodyPr spcFirstLastPara="1" wrap="square" lIns="0" tIns="0" rIns="0" bIns="0" anchor="t" anchorCtr="0">
             <a:spAutoFit/>
           </a:bodyPr>
           <a:lstStyle>
-            <a:lvl1pPr indent="0" lvl="0" marL="0" algn="r">
+            <a:lvl1pPr marL="0" lvl="0" indent="0" algn="r">
               <a:spcBef>
                 <a:spcPts val="0"/>
               </a:spcBef>
@@ -5232,7 +5401,7 @@
                 </a:solidFill>
               </a:defRPr>
             </a:lvl1pPr>
-            <a:lvl2pPr indent="0" lvl="1" marL="0" algn="r">
+            <a:lvl2pPr marL="0" lvl="1" indent="0" algn="r">
               <a:spcBef>
                 <a:spcPts val="0"/>
               </a:spcBef>
@@ -5243,7 +5412,7 @@
                 </a:solidFill>
               </a:defRPr>
             </a:lvl2pPr>
-            <a:lvl3pPr indent="0" lvl="2" marL="0" algn="r">
+            <a:lvl3pPr marL="0" lvl="2" indent="0" algn="r">
               <a:spcBef>
                 <a:spcPts val="0"/>
               </a:spcBef>
@@ -5254,7 +5423,7 @@
                 </a:solidFill>
               </a:defRPr>
             </a:lvl3pPr>
-            <a:lvl4pPr indent="0" lvl="3" marL="0" algn="r">
+            <a:lvl4pPr marL="0" lvl="3" indent="0" algn="r">
               <a:spcBef>
                 <a:spcPts val="0"/>
               </a:spcBef>
@@ -5265,7 +5434,7 @@
                 </a:solidFill>
               </a:defRPr>
             </a:lvl4pPr>
-            <a:lvl5pPr indent="0" lvl="4" marL="0" algn="r">
+            <a:lvl5pPr marL="0" lvl="4" indent="0" algn="r">
               <a:spcBef>
                 <a:spcPts val="0"/>
               </a:spcBef>
@@ -5276,7 +5445,7 @@
                 </a:solidFill>
               </a:defRPr>
             </a:lvl5pPr>
-            <a:lvl6pPr indent="0" lvl="5" marL="0" algn="r">
+            <a:lvl6pPr marL="0" lvl="5" indent="0" algn="r">
               <a:spcBef>
                 <a:spcPts val="0"/>
               </a:spcBef>
@@ -5287,7 +5456,7 @@
                 </a:solidFill>
               </a:defRPr>
             </a:lvl6pPr>
-            <a:lvl7pPr indent="0" lvl="6" marL="0" algn="r">
+            <a:lvl7pPr marL="0" lvl="6" indent="0" algn="r">
               <a:spcBef>
                 <a:spcPts val="0"/>
               </a:spcBef>
@@ -5298,7 +5467,7 @@
                 </a:solidFill>
               </a:defRPr>
             </a:lvl7pPr>
-            <a:lvl8pPr indent="0" lvl="7" marL="0" algn="r">
+            <a:lvl8pPr marL="0" lvl="7" indent="0" algn="r">
               <a:spcBef>
                 <a:spcPts val="0"/>
               </a:spcBef>
@@ -5309,7 +5478,7 @@
                 </a:solidFill>
               </a:defRPr>
             </a:lvl8pPr>
-            <a:lvl9pPr indent="0" lvl="8" marL="0" algn="r">
+            <a:lvl9pPr marL="0" lvl="8" indent="0" algn="r">
               <a:spcBef>
                 <a:spcPts val="0"/>
               </a:spcBef>
@@ -5322,7 +5491,7 @@
             </a:lvl9pPr>
           </a:lstStyle>
           <a:p>
-            <a:pPr indent="0" lvl="0" marL="0" rtl="0" algn="r">
+            <a:pPr marL="0" lvl="0" indent="0" algn="r" rtl="0">
               <a:spcBef>
                 <a:spcPts val="0"/>
               </a:spcBef>
@@ -5348,18 +5517,19 @@
 </file>
 
 <file path=ppt/slideMasters/slideMaster1.xml><?xml version="1.0" encoding="utf-8"?>
-<p:sldMaster xmlns:a="http://schemas.openxmlformats.org/drawingml/2006/main" xmlns:r="http://schemas.openxmlformats.org/officeDocument/2006/relationships" xmlns:mc="http://schemas.openxmlformats.org/markup-compatibility/2006" xmlns:mv="urn:schemas-microsoft-com:mac:vml" xmlns:p="http://schemas.openxmlformats.org/presentationml/2006/main" xmlns:c="http://schemas.openxmlformats.org/drawingml/2006/chart" xmlns:dgm="http://schemas.openxmlformats.org/drawingml/2006/diagram" xmlns:o="urn:schemas-microsoft-com:office:office" xmlns:v="urn:schemas-microsoft-com:vml" xmlns:pvml="urn:schemas-microsoft-com:office:powerpoint" xmlns:com="http://schemas.openxmlformats.org/drawingml/2006/compatibility" xmlns:p14="http://schemas.microsoft.com/office/powerpoint/2010/main" xmlns:p15="http://schemas.microsoft.com/office/powerpoint/2012/main" xmlns:ahyp="http://schemas.microsoft.com/office/drawing/2018/hyperlinkcolor">
+<p:sldMaster xmlns:a="http://schemas.openxmlformats.org/drawingml/2006/main" xmlns:r="http://schemas.openxmlformats.org/officeDocument/2006/relationships" xmlns:p="http://schemas.openxmlformats.org/presentationml/2006/main">
   <p:cSld>
     <p:bg>
       <p:bgPr>
         <a:solidFill>
           <a:schemeClr val="lt1"/>
         </a:solidFill>
+        <a:effectLst/>
       </p:bgPr>
     </p:bg>
     <p:spTree>
       <p:nvGrpSpPr>
-        <p:cNvPr id="5" name="Shape 5"/>
+        <p:cNvPr id="1" name="Shape 5"/>
         <p:cNvGrpSpPr/>
         <p:nvPr/>
       </p:nvGrpSpPr>
@@ -5383,9 +5553,13 @@
             <a:ext cx="9144000" cy="5143500"/>
           </a:xfrm>
           <a:custGeom>
-            <a:rect b="b" l="l" r="r" t="t"/>
+            <a:avLst/>
+            <a:gdLst/>
+            <a:ahLst/>
+            <a:cxnLst/>
+            <a:rect l="l" t="t" r="r" b="b"/>
             <a:pathLst>
-              <a:path extrusionOk="0" h="5143500" w="9144000">
+              <a:path w="9144000" h="5143500" extrusionOk="0">
                 <a:moveTo>
                   <a:pt x="0" y="0"/>
                 </a:moveTo>
@@ -5413,12 +5587,12 @@
           </a:ln>
         </p:spPr>
         <p:txBody>
-          <a:bodyPr anchorCtr="0" anchor="t" bIns="0" lIns="0" spcFirstLastPara="1" rIns="0" wrap="square" tIns="0">
+          <a:bodyPr spcFirstLastPara="1" wrap="square" lIns="0" tIns="0" rIns="0" bIns="0" anchor="t" anchorCtr="0">
             <a:noAutofit/>
           </a:bodyPr>
           <a:lstStyle/>
           <a:p>
-            <a:pPr indent="0" lvl="0" marL="0" marR="0" rtl="0" algn="l">
+            <a:pPr marL="0" marR="0" lvl="0" indent="0" algn="l" rtl="0">
               <a:spcBef>
                 <a:spcPts val="0"/>
               </a:spcBef>
@@ -5427,9 +5601,6 @@
               </a:spcAft>
               <a:buNone/>
             </a:pPr>
-            <a:r>
-              <a:t/>
-            </a:r>
             <a:endParaRPr sz="1800"/>
           </a:p>
         </p:txBody>
@@ -5437,7 +5608,9 @@
       <p:sp>
         <p:nvSpPr>
           <p:cNvPr id="7" name="Google Shape;7;p15"/>
-          <p:cNvSpPr txBox="1"/>
+          <p:cNvSpPr txBox="1">
+            <a:spLocks noGrp="1"/>
+          </p:cNvSpPr>
           <p:nvPr>
             <p:ph type="title"/>
           </p:nvPr>
@@ -5456,20 +5629,20 @@
           </a:ln>
         </p:spPr>
         <p:txBody>
-          <a:bodyPr anchorCtr="0" anchor="t" bIns="0" lIns="0" spcFirstLastPara="1" rIns="0" wrap="square" tIns="0">
+          <a:bodyPr spcFirstLastPara="1" wrap="square" lIns="0" tIns="0" rIns="0" bIns="0" anchor="t" anchorCtr="0">
             <a:spAutoFit/>
           </a:bodyPr>
           <a:lstStyle>
-            <a:lvl1pPr lvl="0" marR="0" rtl="0" algn="l">
-              <a:spcBef>
-                <a:spcPts val="0"/>
-              </a:spcBef>
-              <a:spcAft>
-                <a:spcPts val="0"/>
-              </a:spcAft>
-              <a:buSzPts val="1400"/>
-              <a:buNone/>
-              <a:defRPr b="0" i="0" sz="3300" u="none" cap="none" strike="noStrike">
+            <a:lvl1pPr marR="0" lvl="0" algn="l" rtl="0">
+              <a:spcBef>
+                <a:spcPts val="0"/>
+              </a:spcBef>
+              <a:spcAft>
+                <a:spcPts val="0"/>
+              </a:spcAft>
+              <a:buSzPts val="1400"/>
+              <a:buNone/>
+              <a:defRPr sz="3300" b="0" i="0" u="none" strike="noStrike" cap="none">
                 <a:solidFill>
                   <a:schemeClr val="lt1"/>
                 </a:solidFill>
@@ -5568,15 +5741,19 @@
               <a:defRPr sz="1800"/>
             </a:lvl9pPr>
           </a:lstStyle>
-          <a:p/>
+          <a:p>
+            <a:endParaRPr/>
+          </a:p>
         </p:txBody>
       </p:sp>
       <p:sp>
         <p:nvSpPr>
           <p:cNvPr id="8" name="Google Shape;8;p15"/>
-          <p:cNvSpPr txBox="1"/>
+          <p:cNvSpPr txBox="1">
+            <a:spLocks noGrp="1"/>
+          </p:cNvSpPr>
           <p:nvPr>
-            <p:ph idx="1" type="body"/>
+            <p:ph type="body" idx="1"/>
           </p:nvPr>
         </p:nvSpPr>
         <p:spPr>
@@ -5593,20 +5770,20 @@
           </a:ln>
         </p:spPr>
         <p:txBody>
-          <a:bodyPr anchorCtr="0" anchor="t" bIns="0" lIns="0" spcFirstLastPara="1" rIns="0" wrap="square" tIns="0">
+          <a:bodyPr spcFirstLastPara="1" wrap="square" lIns="0" tIns="0" rIns="0" bIns="0" anchor="t" anchorCtr="0">
             <a:spAutoFit/>
           </a:bodyPr>
           <a:lstStyle>
-            <a:lvl1pPr indent="-228600" lvl="0" marL="457200" marR="0" rtl="0" algn="l">
-              <a:spcBef>
-                <a:spcPts val="0"/>
-              </a:spcBef>
-              <a:spcAft>
-                <a:spcPts val="0"/>
-              </a:spcAft>
-              <a:buSzPts val="1400"/>
-              <a:buNone/>
-              <a:defRPr b="0" i="0" sz="1300" u="none" cap="none" strike="noStrike">
+            <a:lvl1pPr marL="457200" marR="0" lvl="0" indent="-228600" algn="l" rtl="0">
+              <a:spcBef>
+                <a:spcPts val="0"/>
+              </a:spcBef>
+              <a:spcAft>
+                <a:spcPts val="0"/>
+              </a:spcAft>
+              <a:buSzPts val="1400"/>
+              <a:buNone/>
+              <a:defRPr sz="1300" b="0" i="0" u="none" strike="noStrike" cap="none">
                 <a:solidFill>
                   <a:schemeClr val="lt1"/>
                 </a:solidFill>
@@ -5616,128 +5793,128 @@
                 <a:sym typeface="Arial"/>
               </a:defRPr>
             </a:lvl1pPr>
-            <a:lvl2pPr indent="-228600" lvl="1" marL="914400" marR="0" rtl="0" algn="l">
-              <a:spcBef>
-                <a:spcPts val="0"/>
-              </a:spcBef>
-              <a:spcAft>
-                <a:spcPts val="0"/>
-              </a:spcAft>
-              <a:buSzPts val="1400"/>
-              <a:buNone/>
-              <a:defRPr b="0" i="0" sz="1800" u="none" cap="none" strike="noStrike">
+            <a:lvl2pPr marL="914400" marR="0" lvl="1" indent="-228600" algn="l" rtl="0">
+              <a:spcBef>
+                <a:spcPts val="0"/>
+              </a:spcBef>
+              <a:spcAft>
+                <a:spcPts val="0"/>
+              </a:spcAft>
+              <a:buSzPts val="1400"/>
+              <a:buNone/>
+              <a:defRPr sz="1800" b="0" i="0" u="none" strike="noStrike" cap="none">
                 <a:latin typeface="Calibri"/>
                 <a:ea typeface="Calibri"/>
                 <a:cs typeface="Calibri"/>
                 <a:sym typeface="Calibri"/>
               </a:defRPr>
             </a:lvl2pPr>
-            <a:lvl3pPr indent="-228600" lvl="2" marL="1371600" marR="0" rtl="0" algn="l">
-              <a:spcBef>
-                <a:spcPts val="0"/>
-              </a:spcBef>
-              <a:spcAft>
-                <a:spcPts val="0"/>
-              </a:spcAft>
-              <a:buSzPts val="1400"/>
-              <a:buNone/>
-              <a:defRPr b="0" i="0" sz="1800" u="none" cap="none" strike="noStrike">
+            <a:lvl3pPr marL="1371600" marR="0" lvl="2" indent="-228600" algn="l" rtl="0">
+              <a:spcBef>
+                <a:spcPts val="0"/>
+              </a:spcBef>
+              <a:spcAft>
+                <a:spcPts val="0"/>
+              </a:spcAft>
+              <a:buSzPts val="1400"/>
+              <a:buNone/>
+              <a:defRPr sz="1800" b="0" i="0" u="none" strike="noStrike" cap="none">
                 <a:latin typeface="Calibri"/>
                 <a:ea typeface="Calibri"/>
                 <a:cs typeface="Calibri"/>
                 <a:sym typeface="Calibri"/>
               </a:defRPr>
             </a:lvl3pPr>
-            <a:lvl4pPr indent="-228600" lvl="3" marL="1828800" marR="0" rtl="0" algn="l">
-              <a:spcBef>
-                <a:spcPts val="0"/>
-              </a:spcBef>
-              <a:spcAft>
-                <a:spcPts val="0"/>
-              </a:spcAft>
-              <a:buSzPts val="1400"/>
-              <a:buNone/>
-              <a:defRPr b="0" i="0" sz="1800" u="none" cap="none" strike="noStrike">
+            <a:lvl4pPr marL="1828800" marR="0" lvl="3" indent="-228600" algn="l" rtl="0">
+              <a:spcBef>
+                <a:spcPts val="0"/>
+              </a:spcBef>
+              <a:spcAft>
+                <a:spcPts val="0"/>
+              </a:spcAft>
+              <a:buSzPts val="1400"/>
+              <a:buNone/>
+              <a:defRPr sz="1800" b="0" i="0" u="none" strike="noStrike" cap="none">
                 <a:latin typeface="Calibri"/>
                 <a:ea typeface="Calibri"/>
                 <a:cs typeface="Calibri"/>
                 <a:sym typeface="Calibri"/>
               </a:defRPr>
             </a:lvl4pPr>
-            <a:lvl5pPr indent="-228600" lvl="4" marL="2286000" marR="0" rtl="0" algn="l">
-              <a:spcBef>
-                <a:spcPts val="0"/>
-              </a:spcBef>
-              <a:spcAft>
-                <a:spcPts val="0"/>
-              </a:spcAft>
-              <a:buSzPts val="1400"/>
-              <a:buNone/>
-              <a:defRPr b="0" i="0" sz="1800" u="none" cap="none" strike="noStrike">
+            <a:lvl5pPr marL="2286000" marR="0" lvl="4" indent="-228600" algn="l" rtl="0">
+              <a:spcBef>
+                <a:spcPts val="0"/>
+              </a:spcBef>
+              <a:spcAft>
+                <a:spcPts val="0"/>
+              </a:spcAft>
+              <a:buSzPts val="1400"/>
+              <a:buNone/>
+              <a:defRPr sz="1800" b="0" i="0" u="none" strike="noStrike" cap="none">
                 <a:latin typeface="Calibri"/>
                 <a:ea typeface="Calibri"/>
                 <a:cs typeface="Calibri"/>
                 <a:sym typeface="Calibri"/>
               </a:defRPr>
             </a:lvl5pPr>
-            <a:lvl6pPr indent="-228600" lvl="5" marL="2743200" marR="0" rtl="0" algn="l">
-              <a:spcBef>
-                <a:spcPts val="0"/>
-              </a:spcBef>
-              <a:spcAft>
-                <a:spcPts val="0"/>
-              </a:spcAft>
-              <a:buSzPts val="1400"/>
-              <a:buNone/>
-              <a:defRPr b="0" i="0" sz="1800" u="none" cap="none" strike="noStrike">
+            <a:lvl6pPr marL="2743200" marR="0" lvl="5" indent="-228600" algn="l" rtl="0">
+              <a:spcBef>
+                <a:spcPts val="0"/>
+              </a:spcBef>
+              <a:spcAft>
+                <a:spcPts val="0"/>
+              </a:spcAft>
+              <a:buSzPts val="1400"/>
+              <a:buNone/>
+              <a:defRPr sz="1800" b="0" i="0" u="none" strike="noStrike" cap="none">
                 <a:latin typeface="Calibri"/>
                 <a:ea typeface="Calibri"/>
                 <a:cs typeface="Calibri"/>
                 <a:sym typeface="Calibri"/>
               </a:defRPr>
             </a:lvl6pPr>
-            <a:lvl7pPr indent="-228600" lvl="6" marL="3200400" marR="0" rtl="0" algn="l">
-              <a:spcBef>
-                <a:spcPts val="0"/>
-              </a:spcBef>
-              <a:spcAft>
-                <a:spcPts val="0"/>
-              </a:spcAft>
-              <a:buSzPts val="1400"/>
-              <a:buNone/>
-              <a:defRPr b="0" i="0" sz="1800" u="none" cap="none" strike="noStrike">
+            <a:lvl7pPr marL="3200400" marR="0" lvl="6" indent="-228600" algn="l" rtl="0">
+              <a:spcBef>
+                <a:spcPts val="0"/>
+              </a:spcBef>
+              <a:spcAft>
+                <a:spcPts val="0"/>
+              </a:spcAft>
+              <a:buSzPts val="1400"/>
+              <a:buNone/>
+              <a:defRPr sz="1800" b="0" i="0" u="none" strike="noStrike" cap="none">
                 <a:latin typeface="Calibri"/>
                 <a:ea typeface="Calibri"/>
                 <a:cs typeface="Calibri"/>
                 <a:sym typeface="Calibri"/>
               </a:defRPr>
             </a:lvl7pPr>
-            <a:lvl8pPr indent="-228600" lvl="7" marL="3657600" marR="0" rtl="0" algn="l">
-              <a:spcBef>
-                <a:spcPts val="0"/>
-              </a:spcBef>
-              <a:spcAft>
-                <a:spcPts val="0"/>
-              </a:spcAft>
-              <a:buSzPts val="1400"/>
-              <a:buNone/>
-              <a:defRPr b="0" i="0" sz="1800" u="none" cap="none" strike="noStrike">
+            <a:lvl8pPr marL="3657600" marR="0" lvl="7" indent="-228600" algn="l" rtl="0">
+              <a:spcBef>
+                <a:spcPts val="0"/>
+              </a:spcBef>
+              <a:spcAft>
+                <a:spcPts val="0"/>
+              </a:spcAft>
+              <a:buSzPts val="1400"/>
+              <a:buNone/>
+              <a:defRPr sz="1800" b="0" i="0" u="none" strike="noStrike" cap="none">
                 <a:latin typeface="Calibri"/>
                 <a:ea typeface="Calibri"/>
                 <a:cs typeface="Calibri"/>
                 <a:sym typeface="Calibri"/>
               </a:defRPr>
             </a:lvl8pPr>
-            <a:lvl9pPr indent="-228600" lvl="8" marL="4114800" marR="0" rtl="0" algn="l">
-              <a:spcBef>
-                <a:spcPts val="0"/>
-              </a:spcBef>
-              <a:spcAft>
-                <a:spcPts val="0"/>
-              </a:spcAft>
-              <a:buSzPts val="1400"/>
-              <a:buNone/>
-              <a:defRPr b="0" i="0" sz="1800" u="none" cap="none" strike="noStrike">
+            <a:lvl9pPr marL="4114800" marR="0" lvl="8" indent="-228600" algn="l" rtl="0">
+              <a:spcBef>
+                <a:spcPts val="0"/>
+              </a:spcBef>
+              <a:spcAft>
+                <a:spcPts val="0"/>
+              </a:spcAft>
+              <a:buSzPts val="1400"/>
+              <a:buNone/>
+              <a:defRPr sz="1800" b="0" i="0" u="none" strike="noStrike" cap="none">
                 <a:latin typeface="Calibri"/>
                 <a:ea typeface="Calibri"/>
                 <a:cs typeface="Calibri"/>
@@ -5745,15 +5922,19 @@
               </a:defRPr>
             </a:lvl9pPr>
           </a:lstStyle>
-          <a:p/>
+          <a:p>
+            <a:endParaRPr/>
+          </a:p>
         </p:txBody>
       </p:sp>
       <p:sp>
         <p:nvSpPr>
           <p:cNvPr id="9" name="Google Shape;9;p15"/>
-          <p:cNvSpPr txBox="1"/>
+          <p:cNvSpPr txBox="1">
+            <a:spLocks noGrp="1"/>
+          </p:cNvSpPr>
           <p:nvPr>
-            <p:ph idx="11" type="ftr"/>
+            <p:ph type="ftr" idx="11"/>
           </p:nvPr>
         </p:nvSpPr>
         <p:spPr>
@@ -5770,11 +5951,11 @@
           </a:ln>
         </p:spPr>
         <p:txBody>
-          <a:bodyPr anchorCtr="0" anchor="t" bIns="0" lIns="0" spcFirstLastPara="1" rIns="0" wrap="square" tIns="0">
+          <a:bodyPr spcFirstLastPara="1" wrap="square" lIns="0" tIns="0" rIns="0" bIns="0" anchor="t" anchorCtr="0">
             <a:spAutoFit/>
           </a:bodyPr>
           <a:lstStyle>
-            <a:lvl1pPr lvl="0" marR="0" rtl="0" algn="ctr">
+            <a:lvl1pPr marR="0" lvl="0" algn="ctr" rtl="0">
               <a:spcBef>
                 <a:spcPts val="0"/>
               </a:spcBef>
@@ -5789,104 +5970,108 @@
                 </a:solidFill>
               </a:defRPr>
             </a:lvl1pPr>
-            <a:lvl2pPr lvl="1" marR="0" rtl="0" algn="l">
-              <a:spcBef>
-                <a:spcPts val="0"/>
-              </a:spcBef>
-              <a:spcAft>
-                <a:spcPts val="0"/>
-              </a:spcAft>
-              <a:buSzPts val="1400"/>
-              <a:buNone/>
-              <a:defRPr b="0" i="0" sz="1800" u="none" cap="none" strike="noStrike"/>
+            <a:lvl2pPr marR="0" lvl="1" algn="l" rtl="0">
+              <a:spcBef>
+                <a:spcPts val="0"/>
+              </a:spcBef>
+              <a:spcAft>
+                <a:spcPts val="0"/>
+              </a:spcAft>
+              <a:buSzPts val="1400"/>
+              <a:buNone/>
+              <a:defRPr sz="1800" b="0" i="0" u="none" strike="noStrike" cap="none"/>
             </a:lvl2pPr>
-            <a:lvl3pPr lvl="2" marR="0" rtl="0" algn="l">
-              <a:spcBef>
-                <a:spcPts val="0"/>
-              </a:spcBef>
-              <a:spcAft>
-                <a:spcPts val="0"/>
-              </a:spcAft>
-              <a:buSzPts val="1400"/>
-              <a:buNone/>
-              <a:defRPr b="0" i="0" sz="1800" u="none" cap="none" strike="noStrike"/>
+            <a:lvl3pPr marR="0" lvl="2" algn="l" rtl="0">
+              <a:spcBef>
+                <a:spcPts val="0"/>
+              </a:spcBef>
+              <a:spcAft>
+                <a:spcPts val="0"/>
+              </a:spcAft>
+              <a:buSzPts val="1400"/>
+              <a:buNone/>
+              <a:defRPr sz="1800" b="0" i="0" u="none" strike="noStrike" cap="none"/>
             </a:lvl3pPr>
-            <a:lvl4pPr lvl="3" marR="0" rtl="0" algn="l">
-              <a:spcBef>
-                <a:spcPts val="0"/>
-              </a:spcBef>
-              <a:spcAft>
-                <a:spcPts val="0"/>
-              </a:spcAft>
-              <a:buSzPts val="1400"/>
-              <a:buNone/>
-              <a:defRPr b="0" i="0" sz="1800" u="none" cap="none" strike="noStrike"/>
+            <a:lvl4pPr marR="0" lvl="3" algn="l" rtl="0">
+              <a:spcBef>
+                <a:spcPts val="0"/>
+              </a:spcBef>
+              <a:spcAft>
+                <a:spcPts val="0"/>
+              </a:spcAft>
+              <a:buSzPts val="1400"/>
+              <a:buNone/>
+              <a:defRPr sz="1800" b="0" i="0" u="none" strike="noStrike" cap="none"/>
             </a:lvl4pPr>
-            <a:lvl5pPr lvl="4" marR="0" rtl="0" algn="l">
-              <a:spcBef>
-                <a:spcPts val="0"/>
-              </a:spcBef>
-              <a:spcAft>
-                <a:spcPts val="0"/>
-              </a:spcAft>
-              <a:buSzPts val="1400"/>
-              <a:buNone/>
-              <a:defRPr b="0" i="0" sz="1800" u="none" cap="none" strike="noStrike"/>
+            <a:lvl5pPr marR="0" lvl="4" algn="l" rtl="0">
+              <a:spcBef>
+                <a:spcPts val="0"/>
+              </a:spcBef>
+              <a:spcAft>
+                <a:spcPts val="0"/>
+              </a:spcAft>
+              <a:buSzPts val="1400"/>
+              <a:buNone/>
+              <a:defRPr sz="1800" b="0" i="0" u="none" strike="noStrike" cap="none"/>
             </a:lvl5pPr>
-            <a:lvl6pPr lvl="5" marR="0" rtl="0" algn="l">
-              <a:spcBef>
-                <a:spcPts val="0"/>
-              </a:spcBef>
-              <a:spcAft>
-                <a:spcPts val="0"/>
-              </a:spcAft>
-              <a:buSzPts val="1400"/>
-              <a:buNone/>
-              <a:defRPr b="0" i="0" sz="1800" u="none" cap="none" strike="noStrike"/>
+            <a:lvl6pPr marR="0" lvl="5" algn="l" rtl="0">
+              <a:spcBef>
+                <a:spcPts val="0"/>
+              </a:spcBef>
+              <a:spcAft>
+                <a:spcPts val="0"/>
+              </a:spcAft>
+              <a:buSzPts val="1400"/>
+              <a:buNone/>
+              <a:defRPr sz="1800" b="0" i="0" u="none" strike="noStrike" cap="none"/>
             </a:lvl6pPr>
-            <a:lvl7pPr lvl="6" marR="0" rtl="0" algn="l">
-              <a:spcBef>
-                <a:spcPts val="0"/>
-              </a:spcBef>
-              <a:spcAft>
-                <a:spcPts val="0"/>
-              </a:spcAft>
-              <a:buSzPts val="1400"/>
-              <a:buNone/>
-              <a:defRPr b="0" i="0" sz="1800" u="none" cap="none" strike="noStrike"/>
+            <a:lvl7pPr marR="0" lvl="6" algn="l" rtl="0">
+              <a:spcBef>
+                <a:spcPts val="0"/>
+              </a:spcBef>
+              <a:spcAft>
+                <a:spcPts val="0"/>
+              </a:spcAft>
+              <a:buSzPts val="1400"/>
+              <a:buNone/>
+              <a:defRPr sz="1800" b="0" i="0" u="none" strike="noStrike" cap="none"/>
             </a:lvl7pPr>
-            <a:lvl8pPr lvl="7" marR="0" rtl="0" algn="l">
-              <a:spcBef>
-                <a:spcPts val="0"/>
-              </a:spcBef>
-              <a:spcAft>
-                <a:spcPts val="0"/>
-              </a:spcAft>
-              <a:buSzPts val="1400"/>
-              <a:buNone/>
-              <a:defRPr b="0" i="0" sz="1800" u="none" cap="none" strike="noStrike"/>
+            <a:lvl8pPr marR="0" lvl="7" algn="l" rtl="0">
+              <a:spcBef>
+                <a:spcPts val="0"/>
+              </a:spcBef>
+              <a:spcAft>
+                <a:spcPts val="0"/>
+              </a:spcAft>
+              <a:buSzPts val="1400"/>
+              <a:buNone/>
+              <a:defRPr sz="1800" b="0" i="0" u="none" strike="noStrike" cap="none"/>
             </a:lvl8pPr>
-            <a:lvl9pPr lvl="8" marR="0" rtl="0" algn="l">
-              <a:spcBef>
-                <a:spcPts val="0"/>
-              </a:spcBef>
-              <a:spcAft>
-                <a:spcPts val="0"/>
-              </a:spcAft>
-              <a:buSzPts val="1400"/>
-              <a:buNone/>
-              <a:defRPr b="0" i="0" sz="1800" u="none" cap="none" strike="noStrike"/>
+            <a:lvl9pPr marR="0" lvl="8" algn="l" rtl="0">
+              <a:spcBef>
+                <a:spcPts val="0"/>
+              </a:spcBef>
+              <a:spcAft>
+                <a:spcPts val="0"/>
+              </a:spcAft>
+              <a:buSzPts val="1400"/>
+              <a:buNone/>
+              <a:defRPr sz="1800" b="0" i="0" u="none" strike="noStrike" cap="none"/>
             </a:lvl9pPr>
           </a:lstStyle>
-          <a:p/>
+          <a:p>
+            <a:endParaRPr/>
+          </a:p>
         </p:txBody>
       </p:sp>
       <p:sp>
         <p:nvSpPr>
           <p:cNvPr id="10" name="Google Shape;10;p15"/>
-          <p:cNvSpPr txBox="1"/>
+          <p:cNvSpPr txBox="1">
+            <a:spLocks noGrp="1"/>
+          </p:cNvSpPr>
           <p:nvPr>
-            <p:ph idx="10" type="dt"/>
+            <p:ph type="dt" idx="10"/>
           </p:nvPr>
         </p:nvSpPr>
         <p:spPr>
@@ -5903,11 +6088,11 @@
           </a:ln>
         </p:spPr>
         <p:txBody>
-          <a:bodyPr anchorCtr="0" anchor="t" bIns="0" lIns="0" spcFirstLastPara="1" rIns="0" wrap="square" tIns="0">
+          <a:bodyPr spcFirstLastPara="1" wrap="square" lIns="0" tIns="0" rIns="0" bIns="0" anchor="t" anchorCtr="0">
             <a:spAutoFit/>
           </a:bodyPr>
           <a:lstStyle>
-            <a:lvl1pPr lvl="0" marR="0" rtl="0" algn="l">
+            <a:lvl1pPr marR="0" lvl="0" algn="l" rtl="0">
               <a:spcBef>
                 <a:spcPts val="0"/>
               </a:spcBef>
@@ -5922,104 +6107,108 @@
                 </a:solidFill>
               </a:defRPr>
             </a:lvl1pPr>
-            <a:lvl2pPr lvl="1" marR="0" rtl="0" algn="l">
-              <a:spcBef>
-                <a:spcPts val="0"/>
-              </a:spcBef>
-              <a:spcAft>
-                <a:spcPts val="0"/>
-              </a:spcAft>
-              <a:buSzPts val="1400"/>
-              <a:buNone/>
-              <a:defRPr b="0" i="0" sz="1800" u="none" cap="none" strike="noStrike"/>
+            <a:lvl2pPr marR="0" lvl="1" algn="l" rtl="0">
+              <a:spcBef>
+                <a:spcPts val="0"/>
+              </a:spcBef>
+              <a:spcAft>
+                <a:spcPts val="0"/>
+              </a:spcAft>
+              <a:buSzPts val="1400"/>
+              <a:buNone/>
+              <a:defRPr sz="1800" b="0" i="0" u="none" strike="noStrike" cap="none"/>
             </a:lvl2pPr>
-            <a:lvl3pPr lvl="2" marR="0" rtl="0" algn="l">
-              <a:spcBef>
-                <a:spcPts val="0"/>
-              </a:spcBef>
-              <a:spcAft>
-                <a:spcPts val="0"/>
-              </a:spcAft>
-              <a:buSzPts val="1400"/>
-              <a:buNone/>
-              <a:defRPr b="0" i="0" sz="1800" u="none" cap="none" strike="noStrike"/>
+            <a:lvl3pPr marR="0" lvl="2" algn="l" rtl="0">
+              <a:spcBef>
+                <a:spcPts val="0"/>
+              </a:spcBef>
+              <a:spcAft>
+                <a:spcPts val="0"/>
+              </a:spcAft>
+              <a:buSzPts val="1400"/>
+              <a:buNone/>
+              <a:defRPr sz="1800" b="0" i="0" u="none" strike="noStrike" cap="none"/>
             </a:lvl3pPr>
-            <a:lvl4pPr lvl="3" marR="0" rtl="0" algn="l">
-              <a:spcBef>
-                <a:spcPts val="0"/>
-              </a:spcBef>
-              <a:spcAft>
-                <a:spcPts val="0"/>
-              </a:spcAft>
-              <a:buSzPts val="1400"/>
-              <a:buNone/>
-              <a:defRPr b="0" i="0" sz="1800" u="none" cap="none" strike="noStrike"/>
+            <a:lvl4pPr marR="0" lvl="3" algn="l" rtl="0">
+              <a:spcBef>
+                <a:spcPts val="0"/>
+              </a:spcBef>
+              <a:spcAft>
+                <a:spcPts val="0"/>
+              </a:spcAft>
+              <a:buSzPts val="1400"/>
+              <a:buNone/>
+              <a:defRPr sz="1800" b="0" i="0" u="none" strike="noStrike" cap="none"/>
             </a:lvl4pPr>
-            <a:lvl5pPr lvl="4" marR="0" rtl="0" algn="l">
-              <a:spcBef>
-                <a:spcPts val="0"/>
-              </a:spcBef>
-              <a:spcAft>
-                <a:spcPts val="0"/>
-              </a:spcAft>
-              <a:buSzPts val="1400"/>
-              <a:buNone/>
-              <a:defRPr b="0" i="0" sz="1800" u="none" cap="none" strike="noStrike"/>
+            <a:lvl5pPr marR="0" lvl="4" algn="l" rtl="0">
+              <a:spcBef>
+                <a:spcPts val="0"/>
+              </a:spcBef>
+              <a:spcAft>
+                <a:spcPts val="0"/>
+              </a:spcAft>
+              <a:buSzPts val="1400"/>
+              <a:buNone/>
+              <a:defRPr sz="1800" b="0" i="0" u="none" strike="noStrike" cap="none"/>
             </a:lvl5pPr>
-            <a:lvl6pPr lvl="5" marR="0" rtl="0" algn="l">
-              <a:spcBef>
-                <a:spcPts val="0"/>
-              </a:spcBef>
-              <a:spcAft>
-                <a:spcPts val="0"/>
-              </a:spcAft>
-              <a:buSzPts val="1400"/>
-              <a:buNone/>
-              <a:defRPr b="0" i="0" sz="1800" u="none" cap="none" strike="noStrike"/>
+            <a:lvl6pPr marR="0" lvl="5" algn="l" rtl="0">
+              <a:spcBef>
+                <a:spcPts val="0"/>
+              </a:spcBef>
+              <a:spcAft>
+                <a:spcPts val="0"/>
+              </a:spcAft>
+              <a:buSzPts val="1400"/>
+              <a:buNone/>
+              <a:defRPr sz="1800" b="0" i="0" u="none" strike="noStrike" cap="none"/>
             </a:lvl6pPr>
-            <a:lvl7pPr lvl="6" marR="0" rtl="0" algn="l">
-              <a:spcBef>
-                <a:spcPts val="0"/>
-              </a:spcBef>
-              <a:spcAft>
-                <a:spcPts val="0"/>
-              </a:spcAft>
-              <a:buSzPts val="1400"/>
-              <a:buNone/>
-              <a:defRPr b="0" i="0" sz="1800" u="none" cap="none" strike="noStrike"/>
+            <a:lvl7pPr marR="0" lvl="6" algn="l" rtl="0">
+              <a:spcBef>
+                <a:spcPts val="0"/>
+              </a:spcBef>
+              <a:spcAft>
+                <a:spcPts val="0"/>
+              </a:spcAft>
+              <a:buSzPts val="1400"/>
+              <a:buNone/>
+              <a:defRPr sz="1800" b="0" i="0" u="none" strike="noStrike" cap="none"/>
             </a:lvl7pPr>
-            <a:lvl8pPr lvl="7" marR="0" rtl="0" algn="l">
-              <a:spcBef>
-                <a:spcPts val="0"/>
-              </a:spcBef>
-              <a:spcAft>
-                <a:spcPts val="0"/>
-              </a:spcAft>
-              <a:buSzPts val="1400"/>
-              <a:buNone/>
-              <a:defRPr b="0" i="0" sz="1800" u="none" cap="none" strike="noStrike"/>
+            <a:lvl8pPr marR="0" lvl="7" algn="l" rtl="0">
+              <a:spcBef>
+                <a:spcPts val="0"/>
+              </a:spcBef>
+              <a:spcAft>
+                <a:spcPts val="0"/>
+              </a:spcAft>
+              <a:buSzPts val="1400"/>
+              <a:buNone/>
+              <a:defRPr sz="1800" b="0" i="0" u="none" strike="noStrike" cap="none"/>
             </a:lvl8pPr>
-            <a:lvl9pPr lvl="8" marR="0" rtl="0" algn="l">
-              <a:spcBef>
-                <a:spcPts val="0"/>
-              </a:spcBef>
-              <a:spcAft>
-                <a:spcPts val="0"/>
-              </a:spcAft>
-              <a:buSzPts val="1400"/>
-              <a:buNone/>
-              <a:defRPr b="0" i="0" sz="1800" u="none" cap="none" strike="noStrike"/>
+            <a:lvl9pPr marR="0" lvl="8" algn="l" rtl="0">
+              <a:spcBef>
+                <a:spcPts val="0"/>
+              </a:spcBef>
+              <a:spcAft>
+                <a:spcPts val="0"/>
+              </a:spcAft>
+              <a:buSzPts val="1400"/>
+              <a:buNone/>
+              <a:defRPr sz="1800" b="0" i="0" u="none" strike="noStrike" cap="none"/>
             </a:lvl9pPr>
           </a:lstStyle>
-          <a:p/>
+          <a:p>
+            <a:endParaRPr/>
+          </a:p>
         </p:txBody>
       </p:sp>
       <p:sp>
         <p:nvSpPr>
           <p:cNvPr id="11" name="Google Shape;11;p15"/>
-          <p:cNvSpPr txBox="1"/>
+          <p:cNvSpPr txBox="1">
+            <a:spLocks noGrp="1"/>
+          </p:cNvSpPr>
           <p:nvPr>
-            <p:ph idx="12" type="sldNum"/>
+            <p:ph type="sldNum" idx="12"/>
           </p:nvPr>
         </p:nvSpPr>
         <p:spPr>
@@ -6036,11 +6225,11 @@
           </a:ln>
         </p:spPr>
         <p:txBody>
-          <a:bodyPr anchorCtr="0" anchor="t" bIns="0" lIns="0" spcFirstLastPara="1" rIns="0" wrap="square" tIns="0">
+          <a:bodyPr spcFirstLastPara="1" wrap="square" lIns="0" tIns="0" rIns="0" bIns="0" anchor="t" anchorCtr="0">
             <a:spAutoFit/>
           </a:bodyPr>
           <a:lstStyle>
-            <a:lvl1pPr indent="0" lvl="0" marL="0" marR="0" rtl="0" algn="r">
+            <a:lvl1pPr marL="0" marR="0" lvl="0" indent="0" algn="r" rtl="0">
               <a:spcBef>
                 <a:spcPts val="0"/>
               </a:spcBef>
@@ -6051,7 +6240,7 @@
                 </a:solidFill>
               </a:defRPr>
             </a:lvl1pPr>
-            <a:lvl2pPr indent="0" lvl="1" marL="0" marR="0" rtl="0" algn="r">
+            <a:lvl2pPr marL="0" marR="0" lvl="1" indent="0" algn="r" rtl="0">
               <a:spcBef>
                 <a:spcPts val="0"/>
               </a:spcBef>
@@ -6062,7 +6251,7 @@
                 </a:solidFill>
               </a:defRPr>
             </a:lvl2pPr>
-            <a:lvl3pPr indent="0" lvl="2" marL="0" marR="0" rtl="0" algn="r">
+            <a:lvl3pPr marL="0" marR="0" lvl="2" indent="0" algn="r" rtl="0">
               <a:spcBef>
                 <a:spcPts val="0"/>
               </a:spcBef>
@@ -6073,7 +6262,7 @@
                 </a:solidFill>
               </a:defRPr>
             </a:lvl3pPr>
-            <a:lvl4pPr indent="0" lvl="3" marL="0" marR="0" rtl="0" algn="r">
+            <a:lvl4pPr marL="0" marR="0" lvl="3" indent="0" algn="r" rtl="0">
               <a:spcBef>
                 <a:spcPts val="0"/>
               </a:spcBef>
@@ -6084,7 +6273,7 @@
                 </a:solidFill>
               </a:defRPr>
             </a:lvl4pPr>
-            <a:lvl5pPr indent="0" lvl="4" marL="0" marR="0" rtl="0" algn="r">
+            <a:lvl5pPr marL="0" marR="0" lvl="4" indent="0" algn="r" rtl="0">
               <a:spcBef>
                 <a:spcPts val="0"/>
               </a:spcBef>
@@ -6095,7 +6284,7 @@
                 </a:solidFill>
               </a:defRPr>
             </a:lvl5pPr>
-            <a:lvl6pPr indent="0" lvl="5" marL="0" marR="0" rtl="0" algn="r">
+            <a:lvl6pPr marL="0" marR="0" lvl="5" indent="0" algn="r" rtl="0">
               <a:spcBef>
                 <a:spcPts val="0"/>
               </a:spcBef>
@@ -6106,7 +6295,7 @@
                 </a:solidFill>
               </a:defRPr>
             </a:lvl6pPr>
-            <a:lvl7pPr indent="0" lvl="6" marL="0" marR="0" rtl="0" algn="r">
+            <a:lvl7pPr marL="0" marR="0" lvl="6" indent="0" algn="r" rtl="0">
               <a:spcBef>
                 <a:spcPts val="0"/>
               </a:spcBef>
@@ -6117,7 +6306,7 @@
                 </a:solidFill>
               </a:defRPr>
             </a:lvl7pPr>
-            <a:lvl8pPr indent="0" lvl="7" marL="0" marR="0" rtl="0" algn="r">
+            <a:lvl8pPr marL="0" marR="0" lvl="7" indent="0" algn="r" rtl="0">
               <a:spcBef>
                 <a:spcPts val="0"/>
               </a:spcBef>
@@ -6128,7 +6317,7 @@
                 </a:solidFill>
               </a:defRPr>
             </a:lvl8pPr>
-            <a:lvl9pPr indent="0" lvl="8" marL="0" marR="0" rtl="0" algn="r">
+            <a:lvl9pPr marL="0" marR="0" lvl="8" indent="0" algn="r" rtl="0">
               <a:spcBef>
                 <a:spcPts val="0"/>
               </a:spcBef>
@@ -6141,7 +6330,7 @@
             </a:lvl9pPr>
           </a:lstStyle>
           <a:p>
-            <a:pPr indent="0" lvl="0" marL="0" rtl="0" algn="r">
+            <a:pPr marL="0" lvl="0" indent="0" algn="r" rtl="0">
               <a:spcBef>
                 <a:spcPts val="0"/>
               </a:spcBef>
@@ -6164,7 +6353,7 @@
       </p:sp>
     </p:spTree>
   </p:cSld>
-  <p:clrMap accent1="accent1" accent2="accent2" accent3="accent3" accent4="accent4" accent5="accent5" accent6="accent6" bg1="lt1" bg2="dk2" tx1="dk1" tx2="lt2" folHlink="folHlink" hlink="hlink"/>
+  <p:clrMap bg1="lt1" tx1="dk1" bg2="dk2" tx2="lt2" accent1="accent1" accent2="accent2" accent3="accent3" accent4="accent4" accent5="accent5" accent6="accent6" hlink="hlink" folHlink="folHlink"/>
   <p:sldLayoutIdLst>
     <p:sldLayoutId id="2147483649" r:id="rId1"/>
     <p:sldLayoutId id="2147483650" r:id="rId2"/>
@@ -6172,10 +6361,10 @@
     <p:sldLayoutId id="2147483652" r:id="rId4"/>
     <p:sldLayoutId id="2147483653" r:id="rId5"/>
   </p:sldLayoutIdLst>
-  <p:hf dt="0" ftr="0" hdr="0" sldNum="0"/>
+  <p:hf sldNum="0" hdr="0" ftr="0" dt="0"/>
   <p:txStyles>
     <p:titleStyle>
-      <a:defPPr lvl="0" marR="0" rtl="0" algn="l">
+      <a:defPPr marR="0" lvl="0" algn="l" rtl="0">
         <a:lnSpc>
           <a:spcPct val="100000"/>
         </a:lnSpc>
@@ -6186,7 +6375,7 @@
           <a:spcPts val="0"/>
         </a:spcAft>
       </a:defPPr>
-      <a:lvl1pPr lvl="0" marR="0" rtl="0" algn="l">
+      <a:lvl1pPr marR="0" lvl="0" algn="l" rtl="0">
         <a:lnSpc>
           <a:spcPct val="100000"/>
         </a:lnSpc>
@@ -6200,7 +6389,7 @@
           <a:srgbClr val="000000"/>
         </a:buClr>
         <a:buFont typeface="Arial"/>
-        <a:defRPr b="0" i="0" sz="1400" u="none" cap="none" strike="noStrike">
+        <a:defRPr sz="1400" b="0" i="0" u="none" strike="noStrike" cap="none">
           <a:solidFill>
             <a:srgbClr val="000000"/>
           </a:solidFill>
@@ -6210,7 +6399,7 @@
           <a:sym typeface="Arial"/>
         </a:defRPr>
       </a:lvl1pPr>
-      <a:lvl2pPr lvl="1" marR="0" rtl="0" algn="l">
+      <a:lvl2pPr marR="0" lvl="1" algn="l" rtl="0">
         <a:lnSpc>
           <a:spcPct val="100000"/>
         </a:lnSpc>
@@ -6224,7 +6413,7 @@
           <a:srgbClr val="000000"/>
         </a:buClr>
         <a:buFont typeface="Arial"/>
-        <a:defRPr b="0" i="0" sz="1400" u="none" cap="none" strike="noStrike">
+        <a:defRPr sz="1400" b="0" i="0" u="none" strike="noStrike" cap="none">
           <a:solidFill>
             <a:srgbClr val="000000"/>
           </a:solidFill>
@@ -6234,7 +6423,7 @@
           <a:sym typeface="Arial"/>
         </a:defRPr>
       </a:lvl2pPr>
-      <a:lvl3pPr lvl="2" marR="0" rtl="0" algn="l">
+      <a:lvl3pPr marR="0" lvl="2" algn="l" rtl="0">
         <a:lnSpc>
           <a:spcPct val="100000"/>
         </a:lnSpc>
@@ -6248,7 +6437,7 @@
           <a:srgbClr val="000000"/>
         </a:buClr>
         <a:buFont typeface="Arial"/>
-        <a:defRPr b="0" i="0" sz="1400" u="none" cap="none" strike="noStrike">
+        <a:defRPr sz="1400" b="0" i="0" u="none" strike="noStrike" cap="none">
           <a:solidFill>
             <a:srgbClr val="000000"/>
           </a:solidFill>
@@ -6258,7 +6447,7 @@
           <a:sym typeface="Arial"/>
         </a:defRPr>
       </a:lvl3pPr>
-      <a:lvl4pPr lvl="3" marR="0" rtl="0" algn="l">
+      <a:lvl4pPr marR="0" lvl="3" algn="l" rtl="0">
         <a:lnSpc>
           <a:spcPct val="100000"/>
         </a:lnSpc>
@@ -6272,7 +6461,7 @@
           <a:srgbClr val="000000"/>
         </a:buClr>
         <a:buFont typeface="Arial"/>
-        <a:defRPr b="0" i="0" sz="1400" u="none" cap="none" strike="noStrike">
+        <a:defRPr sz="1400" b="0" i="0" u="none" strike="noStrike" cap="none">
           <a:solidFill>
             <a:srgbClr val="000000"/>
           </a:solidFill>
@@ -6282,7 +6471,7 @@
           <a:sym typeface="Arial"/>
         </a:defRPr>
       </a:lvl4pPr>
-      <a:lvl5pPr lvl="4" marR="0" rtl="0" algn="l">
+      <a:lvl5pPr marR="0" lvl="4" algn="l" rtl="0">
         <a:lnSpc>
           <a:spcPct val="100000"/>
         </a:lnSpc>
@@ -6296,7 +6485,7 @@
           <a:srgbClr val="000000"/>
         </a:buClr>
         <a:buFont typeface="Arial"/>
-        <a:defRPr b="0" i="0" sz="1400" u="none" cap="none" strike="noStrike">
+        <a:defRPr sz="1400" b="0" i="0" u="none" strike="noStrike" cap="none">
           <a:solidFill>
             <a:srgbClr val="000000"/>
           </a:solidFill>
@@ -6306,7 +6495,7 @@
           <a:sym typeface="Arial"/>
         </a:defRPr>
       </a:lvl5pPr>
-      <a:lvl6pPr lvl="5" marR="0" rtl="0" algn="l">
+      <a:lvl6pPr marR="0" lvl="5" algn="l" rtl="0">
         <a:lnSpc>
           <a:spcPct val="100000"/>
         </a:lnSpc>
@@ -6320,7 +6509,7 @@
           <a:srgbClr val="000000"/>
         </a:buClr>
         <a:buFont typeface="Arial"/>
-        <a:defRPr b="0" i="0" sz="1400" u="none" cap="none" strike="noStrike">
+        <a:defRPr sz="1400" b="0" i="0" u="none" strike="noStrike" cap="none">
           <a:solidFill>
             <a:srgbClr val="000000"/>
           </a:solidFill>
@@ -6330,7 +6519,7 @@
           <a:sym typeface="Arial"/>
         </a:defRPr>
       </a:lvl6pPr>
-      <a:lvl7pPr lvl="6" marR="0" rtl="0" algn="l">
+      <a:lvl7pPr marR="0" lvl="6" algn="l" rtl="0">
         <a:lnSpc>
           <a:spcPct val="100000"/>
         </a:lnSpc>
@@ -6344,7 +6533,7 @@
           <a:srgbClr val="000000"/>
         </a:buClr>
         <a:buFont typeface="Arial"/>
-        <a:defRPr b="0" i="0" sz="1400" u="none" cap="none" strike="noStrike">
+        <a:defRPr sz="1400" b="0" i="0" u="none" strike="noStrike" cap="none">
           <a:solidFill>
             <a:srgbClr val="000000"/>
           </a:solidFill>
@@ -6354,7 +6543,7 @@
           <a:sym typeface="Arial"/>
         </a:defRPr>
       </a:lvl7pPr>
-      <a:lvl8pPr lvl="7" marR="0" rtl="0" algn="l">
+      <a:lvl8pPr marR="0" lvl="7" algn="l" rtl="0">
         <a:lnSpc>
           <a:spcPct val="100000"/>
         </a:lnSpc>
@@ -6368,7 +6557,7 @@
           <a:srgbClr val="000000"/>
         </a:buClr>
         <a:buFont typeface="Arial"/>
-        <a:defRPr b="0" i="0" sz="1400" u="none" cap="none" strike="noStrike">
+        <a:defRPr sz="1400" b="0" i="0" u="none" strike="noStrike" cap="none">
           <a:solidFill>
             <a:srgbClr val="000000"/>
           </a:solidFill>
@@ -6378,7 +6567,7 @@
           <a:sym typeface="Arial"/>
         </a:defRPr>
       </a:lvl8pPr>
-      <a:lvl9pPr lvl="8" marR="0" rtl="0" algn="l">
+      <a:lvl9pPr marR="0" lvl="8" algn="l" rtl="0">
         <a:lnSpc>
           <a:spcPct val="100000"/>
         </a:lnSpc>
@@ -6392,7 +6581,7 @@
           <a:srgbClr val="000000"/>
         </a:buClr>
         <a:buFont typeface="Arial"/>
-        <a:defRPr b="0" i="0" sz="1400" u="none" cap="none" strike="noStrike">
+        <a:defRPr sz="1400" b="0" i="0" u="none" strike="noStrike" cap="none">
           <a:solidFill>
             <a:srgbClr val="000000"/>
           </a:solidFill>
@@ -6404,7 +6593,7 @@
       </a:lvl9pPr>
     </p:titleStyle>
     <p:bodyStyle>
-      <a:defPPr lvl="0" marR="0" rtl="0" algn="l">
+      <a:defPPr marR="0" lvl="0" algn="l" rtl="0">
         <a:lnSpc>
           <a:spcPct val="100000"/>
         </a:lnSpc>
@@ -6415,7 +6604,7 @@
           <a:spcPts val="0"/>
         </a:spcAft>
       </a:defPPr>
-      <a:lvl1pPr lvl="0" marR="0" rtl="0" algn="l">
+      <a:lvl1pPr marR="0" lvl="0" algn="l" rtl="0">
         <a:lnSpc>
           <a:spcPct val="100000"/>
         </a:lnSpc>
@@ -6429,7 +6618,7 @@
           <a:srgbClr val="000000"/>
         </a:buClr>
         <a:buFont typeface="Arial"/>
-        <a:defRPr b="0" i="0" sz="1400" u="none" cap="none" strike="noStrike">
+        <a:defRPr sz="1400" b="0" i="0" u="none" strike="noStrike" cap="none">
           <a:solidFill>
             <a:srgbClr val="000000"/>
           </a:solidFill>
@@ -6439,7 +6628,7 @@
           <a:sym typeface="Arial"/>
         </a:defRPr>
       </a:lvl1pPr>
-      <a:lvl2pPr lvl="1" marR="0" rtl="0" algn="l">
+      <a:lvl2pPr marR="0" lvl="1" algn="l" rtl="0">
         <a:lnSpc>
           <a:spcPct val="100000"/>
         </a:lnSpc>
@@ -6453,7 +6642,7 @@
           <a:srgbClr val="000000"/>
         </a:buClr>
         <a:buFont typeface="Arial"/>
-        <a:defRPr b="0" i="0" sz="1400" u="none" cap="none" strike="noStrike">
+        <a:defRPr sz="1400" b="0" i="0" u="none" strike="noStrike" cap="none">
           <a:solidFill>
             <a:srgbClr val="000000"/>
           </a:solidFill>
@@ -6463,7 +6652,7 @@
           <a:sym typeface="Arial"/>
         </a:defRPr>
       </a:lvl2pPr>
-      <a:lvl3pPr lvl="2" marR="0" rtl="0" algn="l">
+      <a:lvl3pPr marR="0" lvl="2" algn="l" rtl="0">
         <a:lnSpc>
           <a:spcPct val="100000"/>
         </a:lnSpc>
@@ -6477,7 +6666,7 @@
           <a:srgbClr val="000000"/>
         </a:buClr>
         <a:buFont typeface="Arial"/>
-        <a:defRPr b="0" i="0" sz="1400" u="none" cap="none" strike="noStrike">
+        <a:defRPr sz="1400" b="0" i="0" u="none" strike="noStrike" cap="none">
           <a:solidFill>
             <a:srgbClr val="000000"/>
           </a:solidFill>
@@ -6487,7 +6676,7 @@
           <a:sym typeface="Arial"/>
         </a:defRPr>
       </a:lvl3pPr>
-      <a:lvl4pPr lvl="3" marR="0" rtl="0" algn="l">
+      <a:lvl4pPr marR="0" lvl="3" algn="l" rtl="0">
         <a:lnSpc>
           <a:spcPct val="100000"/>
         </a:lnSpc>
@@ -6501,7 +6690,7 @@
           <a:srgbClr val="000000"/>
         </a:buClr>
         <a:buFont typeface="Arial"/>
-        <a:defRPr b="0" i="0" sz="1400" u="none" cap="none" strike="noStrike">
+        <a:defRPr sz="1400" b="0" i="0" u="none" strike="noStrike" cap="none">
           <a:solidFill>
             <a:srgbClr val="000000"/>
           </a:solidFill>
@@ -6511,7 +6700,7 @@
           <a:sym typeface="Arial"/>
         </a:defRPr>
       </a:lvl4pPr>
-      <a:lvl5pPr lvl="4" marR="0" rtl="0" algn="l">
+      <a:lvl5pPr marR="0" lvl="4" algn="l" rtl="0">
         <a:lnSpc>
           <a:spcPct val="100000"/>
         </a:lnSpc>
@@ -6525,7 +6714,7 @@
           <a:srgbClr val="000000"/>
         </a:buClr>
         <a:buFont typeface="Arial"/>
-        <a:defRPr b="0" i="0" sz="1400" u="none" cap="none" strike="noStrike">
+        <a:defRPr sz="1400" b="0" i="0" u="none" strike="noStrike" cap="none">
           <a:solidFill>
             <a:srgbClr val="000000"/>
           </a:solidFill>
@@ -6535,7 +6724,7 @@
           <a:sym typeface="Arial"/>
         </a:defRPr>
       </a:lvl5pPr>
-      <a:lvl6pPr lvl="5" marR="0" rtl="0" algn="l">
+      <a:lvl6pPr marR="0" lvl="5" algn="l" rtl="0">
         <a:lnSpc>
           <a:spcPct val="100000"/>
         </a:lnSpc>
@@ -6549,7 +6738,7 @@
           <a:srgbClr val="000000"/>
         </a:buClr>
         <a:buFont typeface="Arial"/>
-        <a:defRPr b="0" i="0" sz="1400" u="none" cap="none" strike="noStrike">
+        <a:defRPr sz="1400" b="0" i="0" u="none" strike="noStrike" cap="none">
           <a:solidFill>
             <a:srgbClr val="000000"/>
           </a:solidFill>
@@ -6559,7 +6748,7 @@
           <a:sym typeface="Arial"/>
         </a:defRPr>
       </a:lvl6pPr>
-      <a:lvl7pPr lvl="6" marR="0" rtl="0" algn="l">
+      <a:lvl7pPr marR="0" lvl="6" algn="l" rtl="0">
         <a:lnSpc>
           <a:spcPct val="100000"/>
         </a:lnSpc>
@@ -6573,7 +6762,7 @@
           <a:srgbClr val="000000"/>
         </a:buClr>
         <a:buFont typeface="Arial"/>
-        <a:defRPr b="0" i="0" sz="1400" u="none" cap="none" strike="noStrike">
+        <a:defRPr sz="1400" b="0" i="0" u="none" strike="noStrike" cap="none">
           <a:solidFill>
             <a:srgbClr val="000000"/>
           </a:solidFill>
@@ -6583,7 +6772,7 @@
           <a:sym typeface="Arial"/>
         </a:defRPr>
       </a:lvl7pPr>
-      <a:lvl8pPr lvl="7" marR="0" rtl="0" algn="l">
+      <a:lvl8pPr marR="0" lvl="7" algn="l" rtl="0">
         <a:lnSpc>
           <a:spcPct val="100000"/>
         </a:lnSpc>
@@ -6597,7 +6786,7 @@
           <a:srgbClr val="000000"/>
         </a:buClr>
         <a:buFont typeface="Arial"/>
-        <a:defRPr b="0" i="0" sz="1400" u="none" cap="none" strike="noStrike">
+        <a:defRPr sz="1400" b="0" i="0" u="none" strike="noStrike" cap="none">
           <a:solidFill>
             <a:srgbClr val="000000"/>
           </a:solidFill>
@@ -6607,7 +6796,7 @@
           <a:sym typeface="Arial"/>
         </a:defRPr>
       </a:lvl8pPr>
-      <a:lvl9pPr lvl="8" marR="0" rtl="0" algn="l">
+      <a:lvl9pPr marR="0" lvl="8" algn="l" rtl="0">
         <a:lnSpc>
           <a:spcPct val="100000"/>
         </a:lnSpc>
@@ -6621,7 +6810,7 @@
           <a:srgbClr val="000000"/>
         </a:buClr>
         <a:buFont typeface="Arial"/>
-        <a:defRPr b="0" i="0" sz="1400" u="none" cap="none" strike="noStrike">
+        <a:defRPr sz="1400" b="0" i="0" u="none" strike="noStrike" cap="none">
           <a:solidFill>
             <a:srgbClr val="000000"/>
           </a:solidFill>
@@ -6633,7 +6822,7 @@
       </a:lvl9pPr>
     </p:bodyStyle>
     <p:otherStyle>
-      <a:defPPr lvl="0" marR="0" rtl="0" algn="l">
+      <a:defPPr marR="0" lvl="0" algn="l" rtl="0">
         <a:lnSpc>
           <a:spcPct val="100000"/>
         </a:lnSpc>
@@ -6644,7 +6833,7 @@
           <a:spcPts val="0"/>
         </a:spcAft>
       </a:defPPr>
-      <a:lvl1pPr lvl="0" marR="0" rtl="0" algn="l">
+      <a:lvl1pPr marR="0" lvl="0" algn="l" rtl="0">
         <a:lnSpc>
           <a:spcPct val="100000"/>
         </a:lnSpc>
@@ -6658,7 +6847,7 @@
           <a:srgbClr val="000000"/>
         </a:buClr>
         <a:buFont typeface="Arial"/>
-        <a:defRPr b="0" i="0" sz="1400" u="none" cap="none" strike="noStrike">
+        <a:defRPr sz="1400" b="0" i="0" u="none" strike="noStrike" cap="none">
           <a:solidFill>
             <a:srgbClr val="000000"/>
           </a:solidFill>
@@ -6668,7 +6857,7 @@
           <a:sym typeface="Arial"/>
         </a:defRPr>
       </a:lvl1pPr>
-      <a:lvl2pPr lvl="1" marR="0" rtl="0" algn="l">
+      <a:lvl2pPr marR="0" lvl="1" algn="l" rtl="0">
         <a:lnSpc>
           <a:spcPct val="100000"/>
         </a:lnSpc>
@@ -6682,7 +6871,7 @@
           <a:srgbClr val="000000"/>
         </a:buClr>
         <a:buFont typeface="Arial"/>
-        <a:defRPr b="0" i="0" sz="1400" u="none" cap="none" strike="noStrike">
+        <a:defRPr sz="1400" b="0" i="0" u="none" strike="noStrike" cap="none">
           <a:solidFill>
             <a:srgbClr val="000000"/>
           </a:solidFill>
@@ -6692,7 +6881,7 @@
           <a:sym typeface="Arial"/>
         </a:defRPr>
       </a:lvl2pPr>
-      <a:lvl3pPr lvl="2" marR="0" rtl="0" algn="l">
+      <a:lvl3pPr marR="0" lvl="2" algn="l" rtl="0">
         <a:lnSpc>
           <a:spcPct val="100000"/>
         </a:lnSpc>
@@ -6706,7 +6895,7 @@
           <a:srgbClr val="000000"/>
         </a:buClr>
         <a:buFont typeface="Arial"/>
-        <a:defRPr b="0" i="0" sz="1400" u="none" cap="none" strike="noStrike">
+        <a:defRPr sz="1400" b="0" i="0" u="none" strike="noStrike" cap="none">
           <a:solidFill>
             <a:srgbClr val="000000"/>
           </a:solidFill>
@@ -6716,7 +6905,7 @@
           <a:sym typeface="Arial"/>
         </a:defRPr>
       </a:lvl3pPr>
-      <a:lvl4pPr lvl="3" marR="0" rtl="0" algn="l">
+      <a:lvl4pPr marR="0" lvl="3" algn="l" rtl="0">
         <a:lnSpc>
           <a:spcPct val="100000"/>
         </a:lnSpc>
@@ -6730,7 +6919,7 @@
           <a:srgbClr val="000000"/>
         </a:buClr>
         <a:buFont typeface="Arial"/>
-        <a:defRPr b="0" i="0" sz="1400" u="none" cap="none" strike="noStrike">
+        <a:defRPr sz="1400" b="0" i="0" u="none" strike="noStrike" cap="none">
           <a:solidFill>
             <a:srgbClr val="000000"/>
           </a:solidFill>
@@ -6740,7 +6929,7 @@
           <a:sym typeface="Arial"/>
         </a:defRPr>
       </a:lvl4pPr>
-      <a:lvl5pPr lvl="4" marR="0" rtl="0" algn="l">
+      <a:lvl5pPr marR="0" lvl="4" algn="l" rtl="0">
         <a:lnSpc>
           <a:spcPct val="100000"/>
         </a:lnSpc>
@@ -6754,7 +6943,7 @@
           <a:srgbClr val="000000"/>
         </a:buClr>
         <a:buFont typeface="Arial"/>
-        <a:defRPr b="0" i="0" sz="1400" u="none" cap="none" strike="noStrike">
+        <a:defRPr sz="1400" b="0" i="0" u="none" strike="noStrike" cap="none">
           <a:solidFill>
             <a:srgbClr val="000000"/>
           </a:solidFill>
@@ -6764,7 +6953,7 @@
           <a:sym typeface="Arial"/>
         </a:defRPr>
       </a:lvl5pPr>
-      <a:lvl6pPr lvl="5" marR="0" rtl="0" algn="l">
+      <a:lvl6pPr marR="0" lvl="5" algn="l" rtl="0">
         <a:lnSpc>
           <a:spcPct val="100000"/>
         </a:lnSpc>
@@ -6778,7 +6967,7 @@
           <a:srgbClr val="000000"/>
         </a:buClr>
         <a:buFont typeface="Arial"/>
-        <a:defRPr b="0" i="0" sz="1400" u="none" cap="none" strike="noStrike">
+        <a:defRPr sz="1400" b="0" i="0" u="none" strike="noStrike" cap="none">
           <a:solidFill>
             <a:srgbClr val="000000"/>
           </a:solidFill>
@@ -6788,7 +6977,7 @@
           <a:sym typeface="Arial"/>
         </a:defRPr>
       </a:lvl6pPr>
-      <a:lvl7pPr lvl="6" marR="0" rtl="0" algn="l">
+      <a:lvl7pPr marR="0" lvl="6" algn="l" rtl="0">
         <a:lnSpc>
           <a:spcPct val="100000"/>
         </a:lnSpc>
@@ -6802,7 +6991,7 @@
           <a:srgbClr val="000000"/>
         </a:buClr>
         <a:buFont typeface="Arial"/>
-        <a:defRPr b="0" i="0" sz="1400" u="none" cap="none" strike="noStrike">
+        <a:defRPr sz="1400" b="0" i="0" u="none" strike="noStrike" cap="none">
           <a:solidFill>
             <a:srgbClr val="000000"/>
           </a:solidFill>
@@ -6812,7 +7001,7 @@
           <a:sym typeface="Arial"/>
         </a:defRPr>
       </a:lvl7pPr>
-      <a:lvl8pPr lvl="7" marR="0" rtl="0" algn="l">
+      <a:lvl8pPr marR="0" lvl="7" algn="l" rtl="0">
         <a:lnSpc>
           <a:spcPct val="100000"/>
         </a:lnSpc>
@@ -6826,7 +7015,7 @@
           <a:srgbClr val="000000"/>
         </a:buClr>
         <a:buFont typeface="Arial"/>
-        <a:defRPr b="0" i="0" sz="1400" u="none" cap="none" strike="noStrike">
+        <a:defRPr sz="1400" b="0" i="0" u="none" strike="noStrike" cap="none">
           <a:solidFill>
             <a:srgbClr val="000000"/>
           </a:solidFill>
@@ -6836,7 +7025,7 @@
           <a:sym typeface="Arial"/>
         </a:defRPr>
       </a:lvl8pPr>
-      <a:lvl9pPr lvl="8" marR="0" rtl="0" algn="l">
+      <a:lvl9pPr marR="0" lvl="8" algn="l" rtl="0">
         <a:lnSpc>
           <a:spcPct val="100000"/>
         </a:lnSpc>
@@ -6850,7 +7039,7 @@
           <a:srgbClr val="000000"/>
         </a:buClr>
         <a:buFont typeface="Arial"/>
-        <a:defRPr b="0" i="0" sz="1400" u="none" cap="none" strike="noStrike">
+        <a:defRPr sz="1400" b="0" i="0" u="none" strike="noStrike" cap="none">
           <a:solidFill>
             <a:srgbClr val="000000"/>
           </a:solidFill>
@@ -6866,11 +7055,11 @@
 </file>
 
 <file path=ppt/slides/slide1.xml><?xml version="1.0" encoding="utf-8"?>
-<p:sld xmlns:a="http://schemas.openxmlformats.org/drawingml/2006/main" xmlns:r="http://schemas.openxmlformats.org/officeDocument/2006/relationships" xmlns:mc="http://schemas.openxmlformats.org/markup-compatibility/2006" xmlns:mv="urn:schemas-microsoft-com:mac:vml" xmlns:p="http://schemas.openxmlformats.org/presentationml/2006/main" xmlns:c="http://schemas.openxmlformats.org/drawingml/2006/chart" xmlns:dgm="http://schemas.openxmlformats.org/drawingml/2006/diagram" xmlns:o="urn:schemas-microsoft-com:office:office" xmlns:v="urn:schemas-microsoft-com:vml" xmlns:pvml="urn:schemas-microsoft-com:office:powerpoint" xmlns:com="http://schemas.openxmlformats.org/drawingml/2006/compatibility" xmlns:p14="http://schemas.microsoft.com/office/powerpoint/2010/main" xmlns:p15="http://schemas.microsoft.com/office/powerpoint/2012/main" xmlns:ahyp="http://schemas.microsoft.com/office/drawing/2018/hyperlinkcolor">
+<p:sld xmlns:a="http://schemas.openxmlformats.org/drawingml/2006/main" xmlns:r="http://schemas.openxmlformats.org/officeDocument/2006/relationships" xmlns:p="http://schemas.openxmlformats.org/presentationml/2006/main">
   <p:cSld>
     <p:spTree>
       <p:nvGrpSpPr>
-        <p:cNvPr id="43" name="Shape 43"/>
+        <p:cNvPr id="1" name="Shape 43"/>
         <p:cNvGrpSpPr/>
         <p:nvPr/>
       </p:nvGrpSpPr>
@@ -6885,7 +7074,9 @@
       <p:sp>
         <p:nvSpPr>
           <p:cNvPr id="44" name="Google Shape;44;p1"/>
-          <p:cNvSpPr txBox="1"/>
+          <p:cNvSpPr txBox="1">
+            <a:spLocks noGrp="1"/>
+          </p:cNvSpPr>
           <p:nvPr>
             <p:ph type="title"/>
           </p:nvPr>
@@ -6904,12 +7095,12 @@
           </a:ln>
         </p:spPr>
         <p:txBody>
-          <a:bodyPr anchorCtr="0" anchor="t" bIns="0" lIns="0" spcFirstLastPara="1" rIns="0" wrap="square" tIns="12700">
+          <a:bodyPr spcFirstLastPara="1" wrap="square" lIns="0" tIns="12700" rIns="0" bIns="0" anchor="t" anchorCtr="0">
             <a:spAutoFit/>
           </a:bodyPr>
           <a:lstStyle/>
           <a:p>
-            <a:pPr indent="0" lvl="0" marL="0" marR="46990" rtl="0" algn="ctr">
+            <a:pPr marL="0" marR="46990" lvl="0" indent="0" algn="ctr" rtl="0">
               <a:lnSpc>
                 <a:spcPct val="100000"/>
               </a:lnSpc>
@@ -6928,7 +7119,7 @@
             <a:endParaRPr sz="4800"/>
           </a:p>
           <a:p>
-            <a:pPr indent="0" lvl="0" marL="0" marR="46990" rtl="0" algn="ctr">
+            <a:pPr marL="0" marR="46990" lvl="0" indent="0" algn="ctr" rtl="0">
               <a:lnSpc>
                 <a:spcPct val="100000"/>
               </a:lnSpc>
@@ -6968,12 +7159,12 @@
           </a:ln>
         </p:spPr>
         <p:txBody>
-          <a:bodyPr anchorCtr="0" anchor="t" bIns="0" lIns="0" spcFirstLastPara="1" rIns="0" wrap="square" tIns="10775">
+          <a:bodyPr spcFirstLastPara="1" wrap="square" lIns="0" tIns="10775" rIns="0" bIns="0" anchor="t" anchorCtr="0">
             <a:spAutoFit/>
           </a:bodyPr>
           <a:lstStyle/>
           <a:p>
-            <a:pPr indent="0" lvl="0" marL="12700" marR="5080" rtl="0" algn="ctr">
+            <a:pPr marL="12700" marR="5080" lvl="0" indent="0" algn="ctr" rtl="0">
               <a:lnSpc>
                 <a:spcPct val="100400"/>
               </a:lnSpc>
@@ -7008,7 +7199,7 @@
             </a:endParaRPr>
           </a:p>
           <a:p>
-            <a:pPr indent="0" lvl="0" marL="12700" marR="5080" rtl="0" algn="ctr">
+            <a:pPr marL="12700" marR="5080" lvl="0" indent="0" algn="ctr" rtl="0">
               <a:lnSpc>
                 <a:spcPct val="100400"/>
               </a:lnSpc>
@@ -7039,7 +7230,7 @@
             </a:endParaRPr>
           </a:p>
           <a:p>
-            <a:pPr indent="0" lvl="0" marL="12700" marR="5080" rtl="0" algn="ctr">
+            <a:pPr marL="12700" marR="5080" lvl="0" indent="0" algn="ctr" rtl="0">
               <a:lnSpc>
                 <a:spcPct val="100400"/>
               </a:lnSpc>
@@ -7066,7 +7257,7 @@
             </a:endParaRPr>
           </a:p>
           <a:p>
-            <a:pPr indent="0" lvl="0" marL="12700" marR="5080" rtl="0" algn="ctr">
+            <a:pPr marL="12700" marR="5080" lvl="0" indent="0" algn="ctr" rtl="0">
               <a:lnSpc>
                 <a:spcPct val="100400"/>
               </a:lnSpc>
@@ -7103,11 +7294,11 @@
 </file>
 
 <file path=ppt/slides/slide10.xml><?xml version="1.0" encoding="utf-8"?>
-<p:sld xmlns:a="http://schemas.openxmlformats.org/drawingml/2006/main" xmlns:r="http://schemas.openxmlformats.org/officeDocument/2006/relationships" xmlns:mc="http://schemas.openxmlformats.org/markup-compatibility/2006" xmlns:mv="urn:schemas-microsoft-com:mac:vml" xmlns:p="http://schemas.openxmlformats.org/presentationml/2006/main" xmlns:c="http://schemas.openxmlformats.org/drawingml/2006/chart" xmlns:dgm="http://schemas.openxmlformats.org/drawingml/2006/diagram" xmlns:o="urn:schemas-microsoft-com:office:office" xmlns:v="urn:schemas-microsoft-com:vml" xmlns:pvml="urn:schemas-microsoft-com:office:powerpoint" xmlns:com="http://schemas.openxmlformats.org/drawingml/2006/compatibility" xmlns:p14="http://schemas.microsoft.com/office/powerpoint/2010/main" xmlns:p15="http://schemas.microsoft.com/office/powerpoint/2012/main" xmlns:ahyp="http://schemas.microsoft.com/office/drawing/2018/hyperlinkcolor">
+<p:sld xmlns:a="http://schemas.openxmlformats.org/drawingml/2006/main" xmlns:r="http://schemas.openxmlformats.org/officeDocument/2006/relationships" xmlns:p="http://schemas.openxmlformats.org/presentationml/2006/main">
   <p:cSld>
     <p:spTree>
       <p:nvGrpSpPr>
-        <p:cNvPr id="134" name="Shape 134"/>
+        <p:cNvPr id="1" name="Shape 134"/>
         <p:cNvGrpSpPr/>
         <p:nvPr/>
       </p:nvGrpSpPr>
@@ -7122,7 +7313,9 @@
       <p:sp>
         <p:nvSpPr>
           <p:cNvPr id="135" name="Google Shape;135;gace8bea5b1_0_19"/>
-          <p:cNvSpPr txBox="1"/>
+          <p:cNvSpPr txBox="1">
+            <a:spLocks noGrp="1"/>
+          </p:cNvSpPr>
           <p:nvPr>
             <p:ph type="title"/>
           </p:nvPr>
@@ -7137,12 +7330,12 @@
           </a:prstGeom>
         </p:spPr>
         <p:txBody>
-          <a:bodyPr anchorCtr="0" anchor="t" bIns="0" lIns="0" spcFirstLastPara="1" rIns="0" wrap="square" tIns="0">
+          <a:bodyPr spcFirstLastPara="1" wrap="square" lIns="0" tIns="0" rIns="0" bIns="0" anchor="t" anchorCtr="0">
             <a:noAutofit/>
           </a:bodyPr>
           <a:lstStyle/>
           <a:p>
-            <a:pPr indent="0" lvl="0" marL="0" rtl="0" algn="l">
+            <a:pPr marL="0" lvl="0" indent="0" algn="l" rtl="0">
               <a:spcBef>
                 <a:spcPts val="0"/>
               </a:spcBef>
@@ -7179,12 +7372,12 @@
           </a:ln>
         </p:spPr>
         <p:txBody>
-          <a:bodyPr anchorCtr="0" anchor="t" bIns="91425" lIns="91425" spcFirstLastPara="1" rIns="91425" wrap="square" tIns="91425">
+          <a:bodyPr spcFirstLastPara="1" wrap="square" lIns="91425" tIns="91425" rIns="91425" bIns="91425" anchor="t" anchorCtr="0">
             <a:noAutofit/>
           </a:bodyPr>
           <a:lstStyle/>
           <a:p>
-            <a:pPr indent="0" lvl="0" marL="0" rtl="0" algn="l">
+            <a:pPr marL="0" lvl="0" indent="0" algn="l" rtl="0">
               <a:spcBef>
                 <a:spcPts val="0"/>
               </a:spcBef>
@@ -7199,23 +7392,7 @@
                   <a:srgbClr val="FFFFFF"/>
                 </a:solidFill>
               </a:rPr>
-              <a:t>The entire essence of the solution is to regulate the individual farmers unto making rightful crop choices to ensure profitability and crop diversity at the same time and that in turn can be </a:t>
-            </a:r>
-            <a:r>
-              <a:rPr lang="en-US" sz="2600">
-                <a:solidFill>
-                  <a:srgbClr val="FFFFFF"/>
-                </a:solidFill>
-              </a:rPr>
-              <a:t>achieved</a:t>
-            </a:r>
-            <a:r>
-              <a:rPr lang="en-US" sz="2600">
-                <a:solidFill>
-                  <a:srgbClr val="FFFFFF"/>
-                </a:solidFill>
-              </a:rPr>
-              <a:t> only by governing entities like the Government of a state or the Agricultural Ministry per se. And therefore, the solution is intended for the Public Bodies.</a:t>
+              <a:t>The entire essence of the solution is to regulate the individual farmers unto making rightful crop choices to ensure profitability and crop diversity at the same time and that in turn can be achieved only by governing entities like the Government of a state or the Agricultural Ministry per se. And therefore, the solution is intended for the Public Bodies.</a:t>
             </a:r>
             <a:endParaRPr sz="2600">
               <a:solidFill>
@@ -7234,11 +7411,11 @@
 </file>
 
 <file path=ppt/slides/slide11.xml><?xml version="1.0" encoding="utf-8"?>
-<p:sld xmlns:a="http://schemas.openxmlformats.org/drawingml/2006/main" xmlns:r="http://schemas.openxmlformats.org/officeDocument/2006/relationships" xmlns:mc="http://schemas.openxmlformats.org/markup-compatibility/2006" xmlns:mv="urn:schemas-microsoft-com:mac:vml" xmlns:p="http://schemas.openxmlformats.org/presentationml/2006/main" xmlns:c="http://schemas.openxmlformats.org/drawingml/2006/chart" xmlns:dgm="http://schemas.openxmlformats.org/drawingml/2006/diagram" xmlns:o="urn:schemas-microsoft-com:office:office" xmlns:v="urn:schemas-microsoft-com:vml" xmlns:pvml="urn:schemas-microsoft-com:office:powerpoint" xmlns:com="http://schemas.openxmlformats.org/drawingml/2006/compatibility" xmlns:p14="http://schemas.microsoft.com/office/powerpoint/2010/main" xmlns:p15="http://schemas.microsoft.com/office/powerpoint/2012/main" xmlns:ahyp="http://schemas.microsoft.com/office/drawing/2018/hyperlinkcolor">
+<p:sld xmlns:a="http://schemas.openxmlformats.org/drawingml/2006/main" xmlns:r="http://schemas.openxmlformats.org/officeDocument/2006/relationships" xmlns:p="http://schemas.openxmlformats.org/presentationml/2006/main">
   <p:cSld>
     <p:spTree>
       <p:nvGrpSpPr>
-        <p:cNvPr id="140" name="Shape 140"/>
+        <p:cNvPr id="1" name="Shape 140"/>
         <p:cNvGrpSpPr/>
         <p:nvPr/>
       </p:nvGrpSpPr>
@@ -7253,7 +7430,9 @@
       <p:sp>
         <p:nvSpPr>
           <p:cNvPr id="141" name="Google Shape;141;p12"/>
-          <p:cNvSpPr txBox="1"/>
+          <p:cNvSpPr txBox="1">
+            <a:spLocks noGrp="1"/>
+          </p:cNvSpPr>
           <p:nvPr>
             <p:ph type="title"/>
           </p:nvPr>
@@ -7272,12 +7451,12 @@
           </a:ln>
         </p:spPr>
         <p:txBody>
-          <a:bodyPr anchorCtr="0" anchor="t" bIns="0" lIns="0" spcFirstLastPara="1" rIns="0" wrap="square" tIns="12700">
+          <a:bodyPr spcFirstLastPara="1" wrap="square" lIns="0" tIns="12700" rIns="0" bIns="0" anchor="t" anchorCtr="0">
             <a:spAutoFit/>
           </a:bodyPr>
           <a:lstStyle/>
           <a:p>
-            <a:pPr indent="0" lvl="0" marL="12700" rtl="0" algn="l">
+            <a:pPr marL="12700" lvl="0" indent="0" algn="l" rtl="0">
               <a:lnSpc>
                 <a:spcPct val="100000"/>
               </a:lnSpc>
@@ -7345,12 +7524,12 @@
           </a:ln>
         </p:spPr>
         <p:txBody>
-          <a:bodyPr anchorCtr="0" anchor="t" bIns="91425" lIns="91425" spcFirstLastPara="1" rIns="91425" wrap="square" tIns="91425">
+          <a:bodyPr spcFirstLastPara="1" wrap="square" lIns="91425" tIns="91425" rIns="91425" bIns="91425" anchor="t" anchorCtr="0">
             <a:noAutofit/>
           </a:bodyPr>
           <a:lstStyle/>
           <a:p>
-            <a:pPr indent="0" lvl="0" marL="0" rtl="0" algn="l">
+            <a:pPr marL="0" lvl="0" indent="0" algn="l" rtl="0">
               <a:spcBef>
                 <a:spcPts val="0"/>
               </a:spcBef>
@@ -7367,7 +7546,7 @@
                 <a:hlinkClick r:id="rId4">
                   <a:extLst>
                     <a:ext uri="{A12FA001-AC4F-418D-AE19-62706E023703}">
-                      <ahyp:hlinkClr val="tx"/>
+                      <ahyp:hlinkClr xmlns:ahyp="http://schemas.microsoft.com/office/drawing/2018/hyperlinkcolor" val="tx"/>
                     </a:ext>
                   </a:extLst>
                 </a:hlinkClick>
@@ -7387,11 +7566,11 @@
 </file>
 
 <file path=ppt/slides/slide12.xml><?xml version="1.0" encoding="utf-8"?>
-<p:sld xmlns:a="http://schemas.openxmlformats.org/drawingml/2006/main" xmlns:r="http://schemas.openxmlformats.org/officeDocument/2006/relationships" xmlns:mc="http://schemas.openxmlformats.org/markup-compatibility/2006" xmlns:mv="urn:schemas-microsoft-com:mac:vml" xmlns:p="http://schemas.openxmlformats.org/presentationml/2006/main" xmlns:c="http://schemas.openxmlformats.org/drawingml/2006/chart" xmlns:dgm="http://schemas.openxmlformats.org/drawingml/2006/diagram" xmlns:o="urn:schemas-microsoft-com:office:office" xmlns:v="urn:schemas-microsoft-com:vml" xmlns:pvml="urn:schemas-microsoft-com:office:powerpoint" xmlns:com="http://schemas.openxmlformats.org/drawingml/2006/compatibility" xmlns:p14="http://schemas.microsoft.com/office/powerpoint/2010/main" xmlns:p15="http://schemas.microsoft.com/office/powerpoint/2012/main" xmlns:ahyp="http://schemas.microsoft.com/office/drawing/2018/hyperlinkcolor">
+<p:sld xmlns:a="http://schemas.openxmlformats.org/drawingml/2006/main" xmlns:r="http://schemas.openxmlformats.org/officeDocument/2006/relationships" xmlns:p="http://schemas.openxmlformats.org/presentationml/2006/main">
   <p:cSld>
     <p:spTree>
       <p:nvGrpSpPr>
-        <p:cNvPr id="147" name="Shape 147"/>
+        <p:cNvPr id="1" name="Shape 147"/>
         <p:cNvGrpSpPr/>
         <p:nvPr/>
       </p:nvGrpSpPr>
@@ -7406,7 +7585,9 @@
       <p:sp>
         <p:nvSpPr>
           <p:cNvPr id="148" name="Google Shape;148;p14"/>
-          <p:cNvSpPr txBox="1"/>
+          <p:cNvSpPr txBox="1">
+            <a:spLocks noGrp="1"/>
+          </p:cNvSpPr>
           <p:nvPr>
             <p:ph type="title"/>
           </p:nvPr>
@@ -7425,12 +7606,12 @@
           </a:ln>
         </p:spPr>
         <p:txBody>
-          <a:bodyPr anchorCtr="0" anchor="t" bIns="0" lIns="0" spcFirstLastPara="1" rIns="0" wrap="square" tIns="12700">
+          <a:bodyPr spcFirstLastPara="1" wrap="square" lIns="0" tIns="12700" rIns="0" bIns="0" anchor="t" anchorCtr="0">
             <a:spAutoFit/>
           </a:bodyPr>
           <a:lstStyle/>
           <a:p>
-            <a:pPr indent="0" lvl="0" marL="12700" rtl="0" algn="l">
+            <a:pPr marL="12700" lvl="0" indent="0" algn="l" rtl="0">
               <a:lnSpc>
                 <a:spcPct val="100000"/>
               </a:lnSpc>
@@ -7444,11 +7625,7 @@
             </a:pPr>
             <a:r>
               <a:rPr lang="en-US" sz="2800"/>
-              <a:t>Sources and </a:t>
-            </a:r>
-            <a:r>
-              <a:rPr lang="en-US" sz="2800"/>
-              <a:t>References</a:t>
+              <a:t>Sources and References</a:t>
             </a:r>
             <a:endParaRPr sz="2800"/>
           </a:p>
@@ -7474,12 +7651,12 @@
           </a:ln>
         </p:spPr>
         <p:txBody>
-          <a:bodyPr anchorCtr="0" anchor="t" bIns="91425" lIns="91425" spcFirstLastPara="1" rIns="91425" wrap="square" tIns="91425">
+          <a:bodyPr spcFirstLastPara="1" wrap="square" lIns="91425" tIns="91425" rIns="91425" bIns="91425" anchor="t" anchorCtr="0">
             <a:noAutofit/>
           </a:bodyPr>
           <a:lstStyle/>
           <a:p>
-            <a:pPr indent="-342900" lvl="0" marL="457200" rtl="0" algn="l">
+            <a:pPr marL="457200" lvl="0" indent="-342900" algn="l" rtl="0">
               <a:lnSpc>
                 <a:spcPct val="150000"/>
               </a:lnSpc>
@@ -7503,7 +7680,7 @@
                 <a:hlinkClick r:id="rId3">
                   <a:extLst>
                     <a:ext uri="{A12FA001-AC4F-418D-AE19-62706E023703}">
-                      <ahyp:hlinkClr val="tx"/>
+                      <ahyp:hlinkClr xmlns:ahyp="http://schemas.microsoft.com/office/drawing/2018/hyperlinkcolor" val="tx"/>
                     </a:ext>
                   </a:extLst>
                 </a:hlinkClick>
@@ -7517,7 +7694,7 @@
             </a:endParaRPr>
           </a:p>
           <a:p>
-            <a:pPr indent="-342900" lvl="0" marL="457200" rtl="0" algn="l">
+            <a:pPr marL="457200" lvl="0" indent="-342900" algn="l" rtl="0">
               <a:lnSpc>
                 <a:spcPct val="150000"/>
               </a:lnSpc>
@@ -7541,7 +7718,7 @@
                 <a:hlinkClick r:id="rId4">
                   <a:extLst>
                     <a:ext uri="{A12FA001-AC4F-418D-AE19-62706E023703}">
-                      <ahyp:hlinkClr val="tx"/>
+                      <ahyp:hlinkClr xmlns:ahyp="http://schemas.microsoft.com/office/drawing/2018/hyperlinkcolor" val="tx"/>
                     </a:ext>
                   </a:extLst>
                 </a:hlinkClick>
@@ -7555,7 +7732,7 @@
             </a:endParaRPr>
           </a:p>
           <a:p>
-            <a:pPr indent="-342900" lvl="0" marL="457200" rtl="0" algn="l">
+            <a:pPr marL="457200" lvl="0" indent="-342900" algn="l" rtl="0">
               <a:lnSpc>
                 <a:spcPct val="150000"/>
               </a:lnSpc>
@@ -7579,7 +7756,7 @@
                 <a:hlinkClick r:id="rId5">
                   <a:extLst>
                     <a:ext uri="{A12FA001-AC4F-418D-AE19-62706E023703}">
-                      <ahyp:hlinkClr val="tx"/>
+                      <ahyp:hlinkClr xmlns:ahyp="http://schemas.microsoft.com/office/drawing/2018/hyperlinkcolor" val="tx"/>
                     </a:ext>
                   </a:extLst>
                 </a:hlinkClick>
@@ -7593,7 +7770,7 @@
             </a:endParaRPr>
           </a:p>
           <a:p>
-            <a:pPr indent="-342900" lvl="0" marL="457200" rtl="0" algn="l">
+            <a:pPr marL="457200" lvl="0" indent="-342900" algn="l" rtl="0">
               <a:lnSpc>
                 <a:spcPct val="150000"/>
               </a:lnSpc>
@@ -7620,7 +7797,7 @@
                 <a:hlinkClick r:id="rId6">
                   <a:extLst>
                     <a:ext uri="{A12FA001-AC4F-418D-AE19-62706E023703}">
-                      <ahyp:hlinkClr val="tx"/>
+                      <ahyp:hlinkClr xmlns:ahyp="http://schemas.microsoft.com/office/drawing/2018/hyperlinkcolor" val="tx"/>
                     </a:ext>
                   </a:extLst>
                 </a:hlinkClick>
@@ -7632,10 +7809,10 @@
                 <a:solidFill>
                   <a:srgbClr val="00FFFF"/>
                 </a:solidFill>
-                <a:hlinkClick r:id="rId7">
+                <a:hlinkClick r:id="rId6">
                   <a:extLst>
                     <a:ext uri="{A12FA001-AC4F-418D-AE19-62706E023703}">
-                      <ahyp:hlinkClr val="tx"/>
+                      <ahyp:hlinkClr xmlns:ahyp="http://schemas.microsoft.com/office/drawing/2018/hyperlinkcolor" val="tx"/>
                     </a:ext>
                   </a:extLst>
                 </a:hlinkClick>
@@ -7649,7 +7826,7 @@
             </a:endParaRPr>
           </a:p>
           <a:p>
-            <a:pPr indent="-342900" lvl="0" marL="457200" rtl="0" algn="l">
+            <a:pPr marL="457200" lvl="0" indent="-342900" algn="l" rtl="0">
               <a:lnSpc>
                 <a:spcPct val="150000"/>
               </a:lnSpc>
@@ -7670,10 +7847,10 @@
                 <a:solidFill>
                   <a:srgbClr val="00FFFF"/>
                 </a:solidFill>
-                <a:hlinkClick r:id="rId8">
+                <a:hlinkClick r:id="rId7">
                   <a:extLst>
                     <a:ext uri="{A12FA001-AC4F-418D-AE19-62706E023703}">
-                      <ahyp:hlinkClr val="tx"/>
+                      <ahyp:hlinkClr xmlns:ahyp="http://schemas.microsoft.com/office/drawing/2018/hyperlinkcolor" val="tx"/>
                     </a:ext>
                   </a:extLst>
                 </a:hlinkClick>
@@ -7697,11 +7874,11 @@
 </file>
 
 <file path=ppt/slides/slide2.xml><?xml version="1.0" encoding="utf-8"?>
-<p:sld xmlns:a="http://schemas.openxmlformats.org/drawingml/2006/main" xmlns:r="http://schemas.openxmlformats.org/officeDocument/2006/relationships" xmlns:mc="http://schemas.openxmlformats.org/markup-compatibility/2006" xmlns:mv="urn:schemas-microsoft-com:mac:vml" xmlns:p="http://schemas.openxmlformats.org/presentationml/2006/main" xmlns:c="http://schemas.openxmlformats.org/drawingml/2006/chart" xmlns:dgm="http://schemas.openxmlformats.org/drawingml/2006/diagram" xmlns:o="urn:schemas-microsoft-com:office:office" xmlns:v="urn:schemas-microsoft-com:vml" xmlns:pvml="urn:schemas-microsoft-com:office:powerpoint" xmlns:com="http://schemas.openxmlformats.org/drawingml/2006/compatibility" xmlns:p14="http://schemas.microsoft.com/office/powerpoint/2010/main" xmlns:p15="http://schemas.microsoft.com/office/powerpoint/2012/main" xmlns:ahyp="http://schemas.microsoft.com/office/drawing/2018/hyperlinkcolor">
+<p:sld xmlns:a="http://schemas.openxmlformats.org/drawingml/2006/main" xmlns:r="http://schemas.openxmlformats.org/officeDocument/2006/relationships" xmlns:p="http://schemas.openxmlformats.org/presentationml/2006/main">
   <p:cSld>
     <p:spTree>
       <p:nvGrpSpPr>
-        <p:cNvPr id="49" name="Shape 49"/>
+        <p:cNvPr id="1" name="Shape 49"/>
         <p:cNvGrpSpPr/>
         <p:nvPr/>
       </p:nvGrpSpPr>
@@ -7716,7 +7893,9 @@
       <p:sp>
         <p:nvSpPr>
           <p:cNvPr id="50" name="Google Shape;50;p2"/>
-          <p:cNvSpPr txBox="1"/>
+          <p:cNvSpPr txBox="1">
+            <a:spLocks noGrp="1"/>
+          </p:cNvSpPr>
           <p:nvPr>
             <p:ph type="title"/>
           </p:nvPr>
@@ -7735,12 +7914,12 @@
           </a:ln>
         </p:spPr>
         <p:txBody>
-          <a:bodyPr anchorCtr="0" anchor="t" bIns="0" lIns="0" spcFirstLastPara="1" rIns="0" wrap="square" tIns="10775">
+          <a:bodyPr spcFirstLastPara="1" wrap="square" lIns="0" tIns="10775" rIns="0" bIns="0" anchor="t" anchorCtr="0">
             <a:spAutoFit/>
           </a:bodyPr>
           <a:lstStyle/>
           <a:p>
-            <a:pPr indent="-1094740" lvl="0" marL="1106805" marR="5080" rtl="0" algn="l">
+            <a:pPr marL="1106805" marR="5080" lvl="0" indent="-1094740" algn="l" rtl="0">
               <a:lnSpc>
                 <a:spcPct val="100400"/>
               </a:lnSpc>
@@ -7780,12 +7959,12 @@
           </a:ln>
         </p:spPr>
         <p:txBody>
-          <a:bodyPr anchorCtr="0" anchor="t" bIns="0" lIns="0" spcFirstLastPara="1" rIns="0" wrap="square" tIns="12700">
+          <a:bodyPr spcFirstLastPara="1" wrap="square" lIns="0" tIns="12700" rIns="0" bIns="0" anchor="t" anchorCtr="0">
             <a:spAutoFit/>
           </a:bodyPr>
           <a:lstStyle/>
           <a:p>
-            <a:pPr indent="0" lvl="0" marL="12700" marR="0" rtl="0" algn="l">
+            <a:pPr marL="12700" marR="0" lvl="0" indent="0" algn="l" rtl="0">
               <a:lnSpc>
                 <a:spcPct val="100000"/>
               </a:lnSpc>
@@ -7825,7 +8004,7 @@
             </a:endParaRPr>
           </a:p>
           <a:p>
-            <a:pPr indent="0" lvl="0" marL="12700" marR="281940" rtl="0" algn="l">
+            <a:pPr marL="12700" marR="281940" lvl="0" indent="0" algn="l" rtl="0">
               <a:lnSpc>
                 <a:spcPct val="114599"/>
               </a:lnSpc>
@@ -7884,7 +8063,7 @@
             </a:endParaRPr>
           </a:p>
           <a:p>
-            <a:pPr indent="0" lvl="0" marL="12700" marR="0" rtl="0" algn="l">
+            <a:pPr marL="12700" marR="0" lvl="0" indent="0" algn="l" rtl="0">
               <a:lnSpc>
                 <a:spcPct val="100000"/>
               </a:lnSpc>
@@ -7906,19 +8085,7 @@
                 <a:cs typeface="Arial"/>
                 <a:sym typeface="Arial"/>
               </a:rPr>
-              <a:t>&gt; Github Link :</a:t>
-            </a:r>
-            <a:r>
-              <a:rPr lang="en-US" sz="2400">
-                <a:solidFill>
-                  <a:srgbClr val="FFFFFF"/>
-                </a:solidFill>
-                <a:latin typeface="Arial"/>
-                <a:ea typeface="Arial"/>
-                <a:cs typeface="Arial"/>
-                <a:sym typeface="Arial"/>
-              </a:rPr>
-              <a:t> </a:t>
+              <a:t>&gt; Github Link : </a:t>
             </a:r>
             <a:r>
               <a:rPr lang="en-US" sz="2200" u="sng">
@@ -7928,7 +8095,7 @@
                 <a:hlinkClick r:id="rId3">
                   <a:extLst>
                     <a:ext uri="{A12FA001-AC4F-418D-AE19-62706E023703}">
-                      <ahyp:hlinkClr val="tx"/>
+                      <ahyp:hlinkClr xmlns:ahyp="http://schemas.microsoft.com/office/drawing/2018/hyperlinkcolor" val="tx"/>
                     </a:ext>
                   </a:extLst>
                 </a:hlinkClick>
@@ -7940,10 +8107,10 @@
                 <a:solidFill>
                   <a:srgbClr val="00FFFF"/>
                 </a:solidFill>
-                <a:hlinkClick r:id="rId4">
+                <a:hlinkClick r:id="rId3">
                   <a:extLst>
                     <a:ext uri="{A12FA001-AC4F-418D-AE19-62706E023703}">
-                      <ahyp:hlinkClr val="tx"/>
+                      <ahyp:hlinkClr xmlns:ahyp="http://schemas.microsoft.com/office/drawing/2018/hyperlinkcolor" val="tx"/>
                     </a:ext>
                   </a:extLst>
                 </a:hlinkClick>
@@ -7971,11 +8138,11 @@
 </file>
 
 <file path=ppt/slides/slide3.xml><?xml version="1.0" encoding="utf-8"?>
-<p:sld xmlns:a="http://schemas.openxmlformats.org/drawingml/2006/main" xmlns:r="http://schemas.openxmlformats.org/officeDocument/2006/relationships" xmlns:mc="http://schemas.openxmlformats.org/markup-compatibility/2006" xmlns:mv="urn:schemas-microsoft-com:mac:vml" xmlns:p="http://schemas.openxmlformats.org/presentationml/2006/main" xmlns:c="http://schemas.openxmlformats.org/drawingml/2006/chart" xmlns:dgm="http://schemas.openxmlformats.org/drawingml/2006/diagram" xmlns:o="urn:schemas-microsoft-com:office:office" xmlns:v="urn:schemas-microsoft-com:vml" xmlns:pvml="urn:schemas-microsoft-com:office:powerpoint" xmlns:com="http://schemas.openxmlformats.org/drawingml/2006/compatibility" xmlns:p14="http://schemas.microsoft.com/office/powerpoint/2010/main" xmlns:p15="http://schemas.microsoft.com/office/powerpoint/2012/main" xmlns:ahyp="http://schemas.microsoft.com/office/drawing/2018/hyperlinkcolor">
+<p:sld xmlns:a="http://schemas.openxmlformats.org/drawingml/2006/main" xmlns:r="http://schemas.openxmlformats.org/officeDocument/2006/relationships" xmlns:p="http://schemas.openxmlformats.org/presentationml/2006/main">
   <p:cSld>
     <p:spTree>
       <p:nvGrpSpPr>
-        <p:cNvPr id="55" name="Shape 55"/>
+        <p:cNvPr id="1" name="Shape 55"/>
         <p:cNvGrpSpPr/>
         <p:nvPr/>
       </p:nvGrpSpPr>
@@ -7990,7 +8157,9 @@
       <p:sp>
         <p:nvSpPr>
           <p:cNvPr id="56" name="Google Shape;56;gace8bea5b1_0_10"/>
-          <p:cNvSpPr txBox="1"/>
+          <p:cNvSpPr txBox="1">
+            <a:spLocks noGrp="1"/>
+          </p:cNvSpPr>
           <p:nvPr>
             <p:ph type="title"/>
           </p:nvPr>
@@ -8005,12 +8174,12 @@
           </a:prstGeom>
         </p:spPr>
         <p:txBody>
-          <a:bodyPr anchorCtr="0" anchor="t" bIns="0" lIns="0" spcFirstLastPara="1" rIns="0" wrap="square" tIns="0">
+          <a:bodyPr spcFirstLastPara="1" wrap="square" lIns="0" tIns="0" rIns="0" bIns="0" anchor="t" anchorCtr="0">
             <a:noAutofit/>
           </a:bodyPr>
           <a:lstStyle/>
           <a:p>
-            <a:pPr indent="0" lvl="0" marL="0" rtl="0" algn="ctr">
+            <a:pPr marL="0" lvl="0" indent="0" algn="ctr" rtl="0">
               <a:spcBef>
                 <a:spcPts val="0"/>
               </a:spcBef>
@@ -8030,9 +8199,11 @@
       <p:sp>
         <p:nvSpPr>
           <p:cNvPr id="57" name="Google Shape;57;gace8bea5b1_0_10"/>
-          <p:cNvSpPr txBox="1"/>
+          <p:cNvSpPr txBox="1">
+            <a:spLocks noGrp="1"/>
+          </p:cNvSpPr>
           <p:nvPr>
-            <p:ph idx="1" type="body"/>
+            <p:ph type="body" idx="1"/>
           </p:nvPr>
         </p:nvSpPr>
         <p:spPr>
@@ -8045,12 +8216,12 @@
           </a:prstGeom>
         </p:spPr>
         <p:txBody>
-          <a:bodyPr anchorCtr="0" anchor="t" bIns="0" lIns="0" spcFirstLastPara="1" rIns="0" wrap="square" tIns="0">
+          <a:bodyPr spcFirstLastPara="1" wrap="square" lIns="0" tIns="0" rIns="0" bIns="0" anchor="t" anchorCtr="0">
             <a:noAutofit/>
           </a:bodyPr>
           <a:lstStyle/>
           <a:p>
-            <a:pPr indent="0" lvl="0" marL="0" rtl="0" algn="l">
+            <a:pPr marL="0" lvl="0" indent="0" algn="l" rtl="0">
               <a:spcBef>
                 <a:spcPts val="0"/>
               </a:spcBef>
@@ -8066,7 +8237,7 @@
             <a:endParaRPr sz="2000"/>
           </a:p>
           <a:p>
-            <a:pPr indent="0" lvl="0" marL="0" rtl="0" algn="l">
+            <a:pPr marL="0" lvl="0" indent="0" algn="l" rtl="0">
               <a:spcBef>
                 <a:spcPts val="0"/>
               </a:spcBef>
@@ -8075,13 +8246,10 @@
               </a:spcAft>
               <a:buNone/>
             </a:pPr>
-            <a:r>
-              <a:t/>
-            </a:r>
             <a:endParaRPr sz="2000"/>
           </a:p>
           <a:p>
-            <a:pPr indent="0" lvl="0" marL="0" rtl="0" algn="l">
+            <a:pPr marL="0" lvl="0" indent="0" algn="l" rtl="0">
               <a:spcBef>
                 <a:spcPts val="0"/>
               </a:spcBef>
@@ -8105,7 +8273,7 @@
             <a:endParaRPr sz="2000"/>
           </a:p>
           <a:p>
-            <a:pPr indent="0" lvl="0" marL="0" rtl="0" algn="l">
+            <a:pPr marL="0" lvl="0" indent="0" algn="l" rtl="0">
               <a:spcBef>
                 <a:spcPts val="0"/>
               </a:spcBef>
@@ -8114,13 +8282,10 @@
               </a:spcAft>
               <a:buNone/>
             </a:pPr>
-            <a:r>
-              <a:t/>
-            </a:r>
             <a:endParaRPr sz="2000"/>
           </a:p>
           <a:p>
-            <a:pPr indent="0" lvl="0" marL="0" rtl="0" algn="l">
+            <a:pPr marL="0" lvl="0" indent="0" algn="l" rtl="0">
               <a:spcBef>
                 <a:spcPts val="0"/>
               </a:spcBef>
@@ -8154,11 +8319,11 @@
 </file>
 
 <file path=ppt/slides/slide4.xml><?xml version="1.0" encoding="utf-8"?>
-<p:sld xmlns:a="http://schemas.openxmlformats.org/drawingml/2006/main" xmlns:r="http://schemas.openxmlformats.org/officeDocument/2006/relationships" xmlns:mc="http://schemas.openxmlformats.org/markup-compatibility/2006" xmlns:mv="urn:schemas-microsoft-com:mac:vml" xmlns:p="http://schemas.openxmlformats.org/presentationml/2006/main" xmlns:c="http://schemas.openxmlformats.org/drawingml/2006/chart" xmlns:dgm="http://schemas.openxmlformats.org/drawingml/2006/diagram" xmlns:o="urn:schemas-microsoft-com:office:office" xmlns:v="urn:schemas-microsoft-com:vml" xmlns:pvml="urn:schemas-microsoft-com:office:powerpoint" xmlns:com="http://schemas.openxmlformats.org/drawingml/2006/compatibility" xmlns:p14="http://schemas.microsoft.com/office/powerpoint/2010/main" xmlns:p15="http://schemas.microsoft.com/office/powerpoint/2012/main" xmlns:ahyp="http://schemas.microsoft.com/office/drawing/2018/hyperlinkcolor">
+<p:sld xmlns:a="http://schemas.openxmlformats.org/drawingml/2006/main" xmlns:r="http://schemas.openxmlformats.org/officeDocument/2006/relationships" xmlns:p="http://schemas.openxmlformats.org/presentationml/2006/main">
   <p:cSld>
     <p:spTree>
       <p:nvGrpSpPr>
-        <p:cNvPr id="61" name="Shape 61"/>
+        <p:cNvPr id="1" name="Shape 61"/>
         <p:cNvGrpSpPr/>
         <p:nvPr/>
       </p:nvGrpSpPr>
@@ -8173,7 +8338,9 @@
       <p:sp>
         <p:nvSpPr>
           <p:cNvPr id="62" name="Google Shape;62;gace8bea5b1_0_0"/>
-          <p:cNvSpPr txBox="1"/>
+          <p:cNvSpPr txBox="1">
+            <a:spLocks noGrp="1"/>
+          </p:cNvSpPr>
           <p:nvPr>
             <p:ph type="title"/>
           </p:nvPr>
@@ -8188,12 +8355,12 @@
           </a:prstGeom>
         </p:spPr>
         <p:txBody>
-          <a:bodyPr anchorCtr="0" anchor="t" bIns="0" lIns="0" spcFirstLastPara="1" rIns="0" wrap="square" tIns="0">
+          <a:bodyPr spcFirstLastPara="1" wrap="square" lIns="0" tIns="0" rIns="0" bIns="0" anchor="t" anchorCtr="0">
             <a:noAutofit/>
           </a:bodyPr>
           <a:lstStyle/>
           <a:p>
-            <a:pPr indent="0" lvl="0" marL="0" rtl="0" algn="ctr">
+            <a:pPr marL="0" lvl="0" indent="0" algn="ctr" rtl="0">
               <a:spcBef>
                 <a:spcPts val="0"/>
               </a:spcBef>
@@ -8213,9 +8380,11 @@
       <p:sp>
         <p:nvSpPr>
           <p:cNvPr id="63" name="Google Shape;63;gace8bea5b1_0_0"/>
-          <p:cNvSpPr txBox="1"/>
+          <p:cNvSpPr txBox="1">
+            <a:spLocks noGrp="1"/>
+          </p:cNvSpPr>
           <p:nvPr>
-            <p:ph idx="1" type="body"/>
+            <p:ph type="body" idx="1"/>
           </p:nvPr>
         </p:nvSpPr>
         <p:spPr>
@@ -8228,12 +8397,12 @@
           </a:prstGeom>
         </p:spPr>
         <p:txBody>
-          <a:bodyPr anchorCtr="0" anchor="t" bIns="0" lIns="0" spcFirstLastPara="1" rIns="0" wrap="square" tIns="0">
+          <a:bodyPr spcFirstLastPara="1" wrap="square" lIns="0" tIns="0" rIns="0" bIns="0" anchor="t" anchorCtr="0">
             <a:noAutofit/>
           </a:bodyPr>
           <a:lstStyle/>
           <a:p>
-            <a:pPr indent="0" lvl="0" marL="0" rtl="0" algn="l">
+            <a:pPr marL="0" lvl="0" indent="0" algn="l" rtl="0">
               <a:spcBef>
                 <a:spcPts val="0"/>
               </a:spcBef>
@@ -8249,7 +8418,7 @@
             <a:endParaRPr sz="1900"/>
           </a:p>
           <a:p>
-            <a:pPr indent="0" lvl="0" marL="0" rtl="0" algn="l">
+            <a:pPr marL="0" lvl="0" indent="0" algn="l" rtl="0">
               <a:spcBef>
                 <a:spcPts val="0"/>
               </a:spcBef>
@@ -8258,13 +8427,10 @@
               </a:spcAft>
               <a:buNone/>
             </a:pPr>
-            <a:r>
-              <a:t/>
-            </a:r>
             <a:endParaRPr sz="1900"/>
           </a:p>
           <a:p>
-            <a:pPr indent="0" lvl="0" marL="0" rtl="0" algn="l">
+            <a:pPr marL="0" lvl="0" indent="0" algn="l" rtl="0">
               <a:spcBef>
                 <a:spcPts val="0"/>
               </a:spcBef>
@@ -8288,7 +8454,7 @@
             <a:endParaRPr sz="1900"/>
           </a:p>
           <a:p>
-            <a:pPr indent="0" lvl="0" marL="0" rtl="0" algn="l">
+            <a:pPr marL="0" lvl="0" indent="0" algn="l" rtl="0">
               <a:spcBef>
                 <a:spcPts val="0"/>
               </a:spcBef>
@@ -8297,13 +8463,10 @@
               </a:spcAft>
               <a:buNone/>
             </a:pPr>
-            <a:r>
-              <a:t/>
-            </a:r>
             <a:endParaRPr sz="1900"/>
           </a:p>
           <a:p>
-            <a:pPr indent="0" lvl="0" marL="0" rtl="0" algn="l">
+            <a:pPr marL="0" lvl="0" indent="0" algn="l" rtl="0">
               <a:spcBef>
                 <a:spcPts val="0"/>
               </a:spcBef>
@@ -8337,11 +8500,11 @@
 </file>
 
 <file path=ppt/slides/slide5.xml><?xml version="1.0" encoding="utf-8"?>
-<p:sld xmlns:a="http://schemas.openxmlformats.org/drawingml/2006/main" xmlns:r="http://schemas.openxmlformats.org/officeDocument/2006/relationships" xmlns:mc="http://schemas.openxmlformats.org/markup-compatibility/2006" xmlns:mv="urn:schemas-microsoft-com:mac:vml" xmlns:p="http://schemas.openxmlformats.org/presentationml/2006/main" xmlns:c="http://schemas.openxmlformats.org/drawingml/2006/chart" xmlns:dgm="http://schemas.openxmlformats.org/drawingml/2006/diagram" xmlns:o="urn:schemas-microsoft-com:office:office" xmlns:v="urn:schemas-microsoft-com:vml" xmlns:pvml="urn:schemas-microsoft-com:office:powerpoint" xmlns:com="http://schemas.openxmlformats.org/drawingml/2006/compatibility" xmlns:p14="http://schemas.microsoft.com/office/powerpoint/2010/main" xmlns:p15="http://schemas.microsoft.com/office/powerpoint/2012/main" xmlns:ahyp="http://schemas.microsoft.com/office/drawing/2018/hyperlinkcolor">
+<p:sld xmlns:a="http://schemas.openxmlformats.org/drawingml/2006/main" xmlns:r="http://schemas.openxmlformats.org/officeDocument/2006/relationships" xmlns:p="http://schemas.openxmlformats.org/presentationml/2006/main">
   <p:cSld>
     <p:spTree>
       <p:nvGrpSpPr>
-        <p:cNvPr id="67" name="Shape 67"/>
+        <p:cNvPr id="1" name="Shape 67"/>
         <p:cNvGrpSpPr/>
         <p:nvPr/>
       </p:nvGrpSpPr>
@@ -8356,7 +8519,9 @@
       <p:sp>
         <p:nvSpPr>
           <p:cNvPr id="68" name="Google Shape;68;p3"/>
-          <p:cNvSpPr txBox="1"/>
+          <p:cNvSpPr txBox="1">
+            <a:spLocks noGrp="1"/>
+          </p:cNvSpPr>
           <p:nvPr>
             <p:ph type="title"/>
           </p:nvPr>
@@ -8375,12 +8540,12 @@
           </a:ln>
         </p:spPr>
         <p:txBody>
-          <a:bodyPr anchorCtr="0" anchor="t" bIns="0" lIns="0" spcFirstLastPara="1" rIns="0" wrap="square" tIns="12700">
+          <a:bodyPr spcFirstLastPara="1" wrap="square" lIns="0" tIns="12700" rIns="0" bIns="0" anchor="t" anchorCtr="0">
             <a:spAutoFit/>
           </a:bodyPr>
           <a:lstStyle/>
           <a:p>
-            <a:pPr indent="0" lvl="0" marL="12700" rtl="0" algn="ctr">
+            <a:pPr marL="12700" lvl="0" indent="0" algn="ctr" rtl="0">
               <a:lnSpc>
                 <a:spcPct val="100000"/>
               </a:lnSpc>
@@ -8420,12 +8585,12 @@
           </a:ln>
         </p:spPr>
         <p:txBody>
-          <a:bodyPr anchorCtr="0" anchor="t" bIns="0" lIns="0" spcFirstLastPara="1" rIns="0" wrap="square" tIns="12700">
+          <a:bodyPr spcFirstLastPara="1" wrap="square" lIns="0" tIns="12700" rIns="0" bIns="0" anchor="t" anchorCtr="0">
             <a:spAutoFit/>
           </a:bodyPr>
           <a:lstStyle/>
           <a:p>
-            <a:pPr indent="-349250" lvl="0" marL="457200" marR="5080" rtl="0" algn="l">
+            <a:pPr marL="457200" marR="5080" lvl="0" indent="-349250" algn="l" rtl="0">
               <a:lnSpc>
                 <a:spcPct val="114199"/>
               </a:lnSpc>
@@ -8460,7 +8625,7 @@
             </a:endParaRPr>
           </a:p>
           <a:p>
-            <a:pPr indent="-349250" lvl="0" marL="457200" marR="5080" rtl="0" algn="l">
+            <a:pPr marL="457200" marR="5080" lvl="0" indent="-349250" algn="l" rtl="0">
               <a:lnSpc>
                 <a:spcPct val="114199"/>
               </a:lnSpc>
@@ -8501,11 +8666,11 @@
 </file>
 
 <file path=ppt/slides/slide6.xml><?xml version="1.0" encoding="utf-8"?>
-<p:sld xmlns:a="http://schemas.openxmlformats.org/drawingml/2006/main" xmlns:r="http://schemas.openxmlformats.org/officeDocument/2006/relationships" xmlns:mc="http://schemas.openxmlformats.org/markup-compatibility/2006" xmlns:mv="urn:schemas-microsoft-com:mac:vml" xmlns:p="http://schemas.openxmlformats.org/presentationml/2006/main" xmlns:c="http://schemas.openxmlformats.org/drawingml/2006/chart" xmlns:dgm="http://schemas.openxmlformats.org/drawingml/2006/diagram" xmlns:o="urn:schemas-microsoft-com:office:office" xmlns:v="urn:schemas-microsoft-com:vml" xmlns:pvml="urn:schemas-microsoft-com:office:powerpoint" xmlns:com="http://schemas.openxmlformats.org/drawingml/2006/compatibility" xmlns:p14="http://schemas.microsoft.com/office/powerpoint/2010/main" xmlns:p15="http://schemas.microsoft.com/office/powerpoint/2012/main" xmlns:ahyp="http://schemas.microsoft.com/office/drawing/2018/hyperlinkcolor" show="0">
+<p:sld xmlns:a="http://schemas.openxmlformats.org/drawingml/2006/main" xmlns:r="http://schemas.openxmlformats.org/officeDocument/2006/relationships" xmlns:p="http://schemas.openxmlformats.org/presentationml/2006/main" show="0">
   <p:cSld>
     <p:spTree>
       <p:nvGrpSpPr>
-        <p:cNvPr id="73" name="Shape 73"/>
+        <p:cNvPr id="1" name="Shape 73"/>
         <p:cNvGrpSpPr/>
         <p:nvPr/>
       </p:nvGrpSpPr>
@@ -8520,7 +8685,9 @@
       <p:sp>
         <p:nvSpPr>
           <p:cNvPr id="74" name="Google Shape;74;p4"/>
-          <p:cNvSpPr txBox="1"/>
+          <p:cNvSpPr txBox="1">
+            <a:spLocks noGrp="1"/>
+          </p:cNvSpPr>
           <p:nvPr>
             <p:ph type="title"/>
           </p:nvPr>
@@ -8539,12 +8706,12 @@
           </a:ln>
         </p:spPr>
         <p:txBody>
-          <a:bodyPr anchorCtr="0" anchor="t" bIns="0" lIns="0" spcFirstLastPara="1" rIns="0" wrap="square" tIns="12700">
+          <a:bodyPr spcFirstLastPara="1" wrap="square" lIns="0" tIns="12700" rIns="0" bIns="0" anchor="t" anchorCtr="0">
             <a:spAutoFit/>
           </a:bodyPr>
           <a:lstStyle/>
           <a:p>
-            <a:pPr indent="0" lvl="0" marL="12700" rtl="0" algn="l">
+            <a:pPr marL="12700" lvl="0" indent="0" algn="l" rtl="0">
               <a:lnSpc>
                 <a:spcPct val="100000"/>
               </a:lnSpc>
@@ -8583,7 +8750,7 @@
               <a:alphaModFix/>
             </a:blip>
             <a:stretch>
-              <a:fillRect b="0" l="0" r="0" t="0"/>
+              <a:fillRect/>
             </a:stretch>
           </a:blipFill>
           <a:ln>
@@ -8591,12 +8758,12 @@
           </a:ln>
         </p:spPr>
         <p:txBody>
-          <a:bodyPr anchorCtr="0" anchor="t" bIns="0" lIns="0" spcFirstLastPara="1" rIns="0" wrap="square" tIns="0">
+          <a:bodyPr spcFirstLastPara="1" wrap="square" lIns="0" tIns="0" rIns="0" bIns="0" anchor="t" anchorCtr="0">
             <a:noAutofit/>
           </a:bodyPr>
           <a:lstStyle/>
           <a:p>
-            <a:pPr indent="0" lvl="0" marL="0" marR="0" rtl="0" algn="l">
+            <a:pPr marL="0" marR="0" lvl="0" indent="0" algn="l" rtl="0">
               <a:spcBef>
                 <a:spcPts val="0"/>
               </a:spcBef>
@@ -8605,9 +8772,6 @@
               </a:spcAft>
               <a:buNone/>
             </a:pPr>
-            <a:r>
-              <a:t/>
-            </a:r>
             <a:endParaRPr sz="1800"/>
           </a:p>
         </p:txBody>
@@ -8631,7 +8795,7 @@
               <a:alphaModFix/>
             </a:blip>
             <a:stretch>
-              <a:fillRect b="0" l="0" r="0" t="0"/>
+              <a:fillRect/>
             </a:stretch>
           </a:blipFill>
           <a:ln>
@@ -8639,12 +8803,12 @@
           </a:ln>
         </p:spPr>
         <p:txBody>
-          <a:bodyPr anchorCtr="0" anchor="t" bIns="0" lIns="0" spcFirstLastPara="1" rIns="0" wrap="square" tIns="0">
+          <a:bodyPr spcFirstLastPara="1" wrap="square" lIns="0" tIns="0" rIns="0" bIns="0" anchor="t" anchorCtr="0">
             <a:noAutofit/>
           </a:bodyPr>
           <a:lstStyle/>
           <a:p>
-            <a:pPr indent="0" lvl="0" marL="0" marR="0" rtl="0" algn="l">
+            <a:pPr marL="0" marR="0" lvl="0" indent="0" algn="l" rtl="0">
               <a:spcBef>
                 <a:spcPts val="0"/>
               </a:spcBef>
@@ -8653,9 +8817,6 @@
               </a:spcAft>
               <a:buNone/>
             </a:pPr>
-            <a:r>
-              <a:t/>
-            </a:r>
             <a:endParaRPr sz="1800"/>
           </a:p>
         </p:txBody>
@@ -8672,9 +8833,13 @@
             <a:ext cx="821690" cy="2540"/>
           </a:xfrm>
           <a:custGeom>
-            <a:rect b="b" l="l" r="r" t="t"/>
+            <a:avLst/>
+            <a:gdLst/>
+            <a:ahLst/>
+            <a:cxnLst/>
+            <a:rect l="l" t="t" r="r" b="b"/>
             <a:pathLst>
-              <a:path extrusionOk="0" h="2539" w="821689">
+              <a:path w="821689" h="2539" extrusionOk="0">
                 <a:moveTo>
                   <a:pt x="0" y="2482"/>
                 </a:moveTo>
@@ -8685,23 +8850,23 @@
             </a:pathLst>
           </a:custGeom>
           <a:noFill/>
-          <a:ln cap="flat" cmpd="sng" w="28550">
+          <a:ln w="28550" cap="flat" cmpd="sng">
             <a:solidFill>
               <a:srgbClr val="FFFFFF"/>
             </a:solidFill>
             <a:prstDash val="solid"/>
             <a:round/>
-            <a:headEnd len="sm" w="sm" type="none"/>
-            <a:tailEnd len="sm" w="sm" type="none"/>
+            <a:headEnd type="none" w="sm" len="sm"/>
+            <a:tailEnd type="none" w="sm" len="sm"/>
           </a:ln>
         </p:spPr>
         <p:txBody>
-          <a:bodyPr anchorCtr="0" anchor="t" bIns="0" lIns="0" spcFirstLastPara="1" rIns="0" wrap="square" tIns="0">
+          <a:bodyPr spcFirstLastPara="1" wrap="square" lIns="0" tIns="0" rIns="0" bIns="0" anchor="t" anchorCtr="0">
             <a:noAutofit/>
           </a:bodyPr>
           <a:lstStyle/>
           <a:p>
-            <a:pPr indent="0" lvl="0" marL="0" marR="0" rtl="0" algn="l">
+            <a:pPr marL="0" marR="0" lvl="0" indent="0" algn="l" rtl="0">
               <a:spcBef>
                 <a:spcPts val="0"/>
               </a:spcBef>
@@ -8710,9 +8875,6 @@
               </a:spcAft>
               <a:buNone/>
             </a:pPr>
-            <a:r>
-              <a:t/>
-            </a:r>
             <a:endParaRPr sz="1800"/>
           </a:p>
         </p:txBody>
@@ -8736,7 +8898,7 @@
               <a:alphaModFix/>
             </a:blip>
             <a:stretch>
-              <a:fillRect b="0" l="0" r="0" t="0"/>
+              <a:fillRect/>
             </a:stretch>
           </a:blipFill>
           <a:ln>
@@ -8744,12 +8906,12 @@
           </a:ln>
         </p:spPr>
         <p:txBody>
-          <a:bodyPr anchorCtr="0" anchor="t" bIns="0" lIns="0" spcFirstLastPara="1" rIns="0" wrap="square" tIns="0">
+          <a:bodyPr spcFirstLastPara="1" wrap="square" lIns="0" tIns="0" rIns="0" bIns="0" anchor="t" anchorCtr="0">
             <a:noAutofit/>
           </a:bodyPr>
           <a:lstStyle/>
           <a:p>
-            <a:pPr indent="0" lvl="0" marL="0" marR="0" rtl="0" algn="l">
+            <a:pPr marL="0" marR="0" lvl="0" indent="0" algn="l" rtl="0">
               <a:spcBef>
                 <a:spcPts val="0"/>
               </a:spcBef>
@@ -8758,9 +8920,6 @@
               </a:spcAft>
               <a:buNone/>
             </a:pPr>
-            <a:r>
-              <a:t/>
-            </a:r>
             <a:endParaRPr sz="1800"/>
           </a:p>
         </p:txBody>
@@ -8784,7 +8943,7 @@
               <a:alphaModFix/>
             </a:blip>
             <a:stretch>
-              <a:fillRect b="0" l="0" r="0" t="0"/>
+              <a:fillRect/>
             </a:stretch>
           </a:blipFill>
           <a:ln>
@@ -8792,12 +8951,12 @@
           </a:ln>
         </p:spPr>
         <p:txBody>
-          <a:bodyPr anchorCtr="0" anchor="t" bIns="0" lIns="0" spcFirstLastPara="1" rIns="0" wrap="square" tIns="0">
+          <a:bodyPr spcFirstLastPara="1" wrap="square" lIns="0" tIns="0" rIns="0" bIns="0" anchor="t" anchorCtr="0">
             <a:noAutofit/>
           </a:bodyPr>
           <a:lstStyle/>
           <a:p>
-            <a:pPr indent="0" lvl="0" marL="0" marR="0" rtl="0" algn="l">
+            <a:pPr marL="0" marR="0" lvl="0" indent="0" algn="l" rtl="0">
               <a:spcBef>
                 <a:spcPts val="0"/>
               </a:spcBef>
@@ -8806,9 +8965,6 @@
               </a:spcAft>
               <a:buNone/>
             </a:pPr>
-            <a:r>
-              <a:t/>
-            </a:r>
             <a:endParaRPr sz="1800"/>
           </a:p>
         </p:txBody>
@@ -8832,7 +8988,7 @@
               <a:alphaModFix/>
             </a:blip>
             <a:stretch>
-              <a:fillRect b="0" l="0" r="0" t="0"/>
+              <a:fillRect/>
             </a:stretch>
           </a:blipFill>
           <a:ln>
@@ -8840,12 +8996,12 @@
           </a:ln>
         </p:spPr>
         <p:txBody>
-          <a:bodyPr anchorCtr="0" anchor="t" bIns="0" lIns="0" spcFirstLastPara="1" rIns="0" wrap="square" tIns="0">
+          <a:bodyPr spcFirstLastPara="1" wrap="square" lIns="0" tIns="0" rIns="0" bIns="0" anchor="t" anchorCtr="0">
             <a:noAutofit/>
           </a:bodyPr>
           <a:lstStyle/>
           <a:p>
-            <a:pPr indent="0" lvl="0" marL="0" marR="0" rtl="0" algn="l">
+            <a:pPr marL="0" marR="0" lvl="0" indent="0" algn="l" rtl="0">
               <a:spcBef>
                 <a:spcPts val="0"/>
               </a:spcBef>
@@ -8854,9 +9010,6 @@
               </a:spcAft>
               <a:buNone/>
             </a:pPr>
-            <a:r>
-              <a:t/>
-            </a:r>
             <a:endParaRPr sz="1800"/>
           </a:p>
         </p:txBody>
@@ -8873,9 +9026,13 @@
             <a:ext cx="1054100" cy="10795"/>
           </a:xfrm>
           <a:custGeom>
-            <a:rect b="b" l="l" r="r" t="t"/>
+            <a:avLst/>
+            <a:gdLst/>
+            <a:ahLst/>
+            <a:cxnLst/>
+            <a:rect l="l" t="t" r="r" b="b"/>
             <a:pathLst>
-              <a:path extrusionOk="0" h="10794" w="1054100">
+              <a:path w="1054100" h="10794" extrusionOk="0">
                 <a:moveTo>
                   <a:pt x="0" y="10319"/>
                 </a:moveTo>
@@ -8886,23 +9043,23 @@
             </a:pathLst>
           </a:custGeom>
           <a:noFill/>
-          <a:ln cap="flat" cmpd="sng" w="28550">
+          <a:ln w="28550" cap="flat" cmpd="sng">
             <a:solidFill>
               <a:srgbClr val="FFFFFF"/>
             </a:solidFill>
             <a:prstDash val="solid"/>
             <a:round/>
-            <a:headEnd len="sm" w="sm" type="none"/>
-            <a:tailEnd len="sm" w="sm" type="none"/>
+            <a:headEnd type="none" w="sm" len="sm"/>
+            <a:tailEnd type="none" w="sm" len="sm"/>
           </a:ln>
         </p:spPr>
         <p:txBody>
-          <a:bodyPr anchorCtr="0" anchor="t" bIns="0" lIns="0" spcFirstLastPara="1" rIns="0" wrap="square" tIns="0">
+          <a:bodyPr spcFirstLastPara="1" wrap="square" lIns="0" tIns="0" rIns="0" bIns="0" anchor="t" anchorCtr="0">
             <a:noAutofit/>
           </a:bodyPr>
           <a:lstStyle/>
           <a:p>
-            <a:pPr indent="0" lvl="0" marL="0" marR="0" rtl="0" algn="l">
+            <a:pPr marL="0" marR="0" lvl="0" indent="0" algn="l" rtl="0">
               <a:spcBef>
                 <a:spcPts val="0"/>
               </a:spcBef>
@@ -8911,9 +9068,6 @@
               </a:spcAft>
               <a:buNone/>
             </a:pPr>
-            <a:r>
-              <a:t/>
-            </a:r>
             <a:endParaRPr sz="1800"/>
           </a:p>
         </p:txBody>
@@ -8937,7 +9091,7 @@
               <a:alphaModFix/>
             </a:blip>
             <a:stretch>
-              <a:fillRect b="0" l="0" r="0" t="0"/>
+              <a:fillRect/>
             </a:stretch>
           </a:blipFill>
           <a:ln>
@@ -8945,12 +9099,12 @@
           </a:ln>
         </p:spPr>
         <p:txBody>
-          <a:bodyPr anchorCtr="0" anchor="t" bIns="0" lIns="0" spcFirstLastPara="1" rIns="0" wrap="square" tIns="0">
+          <a:bodyPr spcFirstLastPara="1" wrap="square" lIns="0" tIns="0" rIns="0" bIns="0" anchor="t" anchorCtr="0">
             <a:noAutofit/>
           </a:bodyPr>
           <a:lstStyle/>
           <a:p>
-            <a:pPr indent="0" lvl="0" marL="0" marR="0" rtl="0" algn="l">
+            <a:pPr marL="0" marR="0" lvl="0" indent="0" algn="l" rtl="0">
               <a:spcBef>
                 <a:spcPts val="0"/>
               </a:spcBef>
@@ -8959,9 +9113,6 @@
               </a:spcAft>
               <a:buNone/>
             </a:pPr>
-            <a:r>
-              <a:t/>
-            </a:r>
             <a:endParaRPr sz="1800"/>
           </a:p>
         </p:txBody>
@@ -8978,9 +9129,13 @@
             <a:ext cx="1488440" cy="887094"/>
           </a:xfrm>
           <a:custGeom>
-            <a:rect b="b" l="l" r="r" t="t"/>
+            <a:avLst/>
+            <a:gdLst/>
+            <a:ahLst/>
+            <a:cxnLst/>
+            <a:rect l="l" t="t" r="r" b="b"/>
             <a:pathLst>
-              <a:path extrusionOk="0" h="887094" w="1488440">
+              <a:path w="1488440" h="887094" extrusionOk="0">
                 <a:moveTo>
                   <a:pt x="1488322" y="0"/>
                 </a:moveTo>
@@ -8991,23 +9146,23 @@
             </a:pathLst>
           </a:custGeom>
           <a:noFill/>
-          <a:ln cap="flat" cmpd="sng" w="28550">
+          <a:ln w="28550" cap="flat" cmpd="sng">
             <a:solidFill>
               <a:srgbClr val="FFFFFF"/>
             </a:solidFill>
             <a:prstDash val="solid"/>
             <a:round/>
-            <a:headEnd len="sm" w="sm" type="none"/>
-            <a:tailEnd len="sm" w="sm" type="none"/>
+            <a:headEnd type="none" w="sm" len="sm"/>
+            <a:tailEnd type="none" w="sm" len="sm"/>
           </a:ln>
         </p:spPr>
         <p:txBody>
-          <a:bodyPr anchorCtr="0" anchor="t" bIns="0" lIns="0" spcFirstLastPara="1" rIns="0" wrap="square" tIns="0">
+          <a:bodyPr spcFirstLastPara="1" wrap="square" lIns="0" tIns="0" rIns="0" bIns="0" anchor="t" anchorCtr="0">
             <a:noAutofit/>
           </a:bodyPr>
           <a:lstStyle/>
           <a:p>
-            <a:pPr indent="0" lvl="0" marL="0" marR="0" rtl="0" algn="l">
+            <a:pPr marL="0" marR="0" lvl="0" indent="0" algn="l" rtl="0">
               <a:spcBef>
                 <a:spcPts val="0"/>
               </a:spcBef>
@@ -9016,9 +9171,6 @@
               </a:spcAft>
               <a:buNone/>
             </a:pPr>
-            <a:r>
-              <a:t/>
-            </a:r>
             <a:endParaRPr sz="1800"/>
           </a:p>
         </p:txBody>
@@ -9042,7 +9194,7 @@
               <a:alphaModFix/>
             </a:blip>
             <a:stretch>
-              <a:fillRect b="0" l="0" r="0" t="0"/>
+              <a:fillRect/>
             </a:stretch>
           </a:blipFill>
           <a:ln>
@@ -9050,12 +9202,12 @@
           </a:ln>
         </p:spPr>
         <p:txBody>
-          <a:bodyPr anchorCtr="0" anchor="t" bIns="0" lIns="0" spcFirstLastPara="1" rIns="0" wrap="square" tIns="0">
+          <a:bodyPr spcFirstLastPara="1" wrap="square" lIns="0" tIns="0" rIns="0" bIns="0" anchor="t" anchorCtr="0">
             <a:noAutofit/>
           </a:bodyPr>
           <a:lstStyle/>
           <a:p>
-            <a:pPr indent="0" lvl="0" marL="0" marR="0" rtl="0" algn="l">
+            <a:pPr marL="0" marR="0" lvl="0" indent="0" algn="l" rtl="0">
               <a:spcBef>
                 <a:spcPts val="0"/>
               </a:spcBef>
@@ -9064,9 +9216,6 @@
               </a:spcAft>
               <a:buNone/>
             </a:pPr>
-            <a:r>
-              <a:t/>
-            </a:r>
             <a:endParaRPr sz="1800"/>
           </a:p>
         </p:txBody>
@@ -9090,7 +9239,7 @@
               <a:alphaModFix/>
             </a:blip>
             <a:stretch>
-              <a:fillRect b="0" l="0" r="0" t="0"/>
+              <a:fillRect/>
             </a:stretch>
           </a:blipFill>
           <a:ln>
@@ -9098,12 +9247,12 @@
           </a:ln>
         </p:spPr>
         <p:txBody>
-          <a:bodyPr anchorCtr="0" anchor="t" bIns="0" lIns="0" spcFirstLastPara="1" rIns="0" wrap="square" tIns="0">
+          <a:bodyPr spcFirstLastPara="1" wrap="square" lIns="0" tIns="0" rIns="0" bIns="0" anchor="t" anchorCtr="0">
             <a:noAutofit/>
           </a:bodyPr>
           <a:lstStyle/>
           <a:p>
-            <a:pPr indent="0" lvl="0" marL="0" marR="0" rtl="0" algn="l">
+            <a:pPr marL="0" marR="0" lvl="0" indent="0" algn="l" rtl="0">
               <a:spcBef>
                 <a:spcPts val="0"/>
               </a:spcBef>
@@ -9112,9 +9261,6 @@
               </a:spcAft>
               <a:buNone/>
             </a:pPr>
-            <a:r>
-              <a:t/>
-            </a:r>
             <a:endParaRPr sz="1800"/>
           </a:p>
         </p:txBody>
@@ -9131,9 +9277,13 @@
             <a:ext cx="1476375" cy="5080"/>
           </a:xfrm>
           <a:custGeom>
-            <a:rect b="b" l="l" r="r" t="t"/>
+            <a:avLst/>
+            <a:gdLst/>
+            <a:ahLst/>
+            <a:cxnLst/>
+            <a:rect l="l" t="t" r="r" b="b"/>
             <a:pathLst>
-              <a:path extrusionOk="0" h="5080" w="1476375">
+              <a:path w="1476375" h="5080" extrusionOk="0">
                 <a:moveTo>
                   <a:pt x="1475847" y="4574"/>
                 </a:moveTo>
@@ -9144,23 +9294,23 @@
             </a:pathLst>
           </a:custGeom>
           <a:noFill/>
-          <a:ln cap="flat" cmpd="sng" w="28550">
+          <a:ln w="28550" cap="flat" cmpd="sng">
             <a:solidFill>
               <a:srgbClr val="FFFFFF"/>
             </a:solidFill>
             <a:prstDash val="solid"/>
             <a:round/>
-            <a:headEnd len="sm" w="sm" type="none"/>
-            <a:tailEnd len="sm" w="sm" type="none"/>
+            <a:headEnd type="none" w="sm" len="sm"/>
+            <a:tailEnd type="none" w="sm" len="sm"/>
           </a:ln>
         </p:spPr>
         <p:txBody>
-          <a:bodyPr anchorCtr="0" anchor="t" bIns="0" lIns="0" spcFirstLastPara="1" rIns="0" wrap="square" tIns="0">
+          <a:bodyPr spcFirstLastPara="1" wrap="square" lIns="0" tIns="0" rIns="0" bIns="0" anchor="t" anchorCtr="0">
             <a:noAutofit/>
           </a:bodyPr>
           <a:lstStyle/>
           <a:p>
-            <a:pPr indent="0" lvl="0" marL="0" marR="0" rtl="0" algn="l">
+            <a:pPr marL="0" marR="0" lvl="0" indent="0" algn="l" rtl="0">
               <a:spcBef>
                 <a:spcPts val="0"/>
               </a:spcBef>
@@ -9169,9 +9319,6 @@
               </a:spcAft>
               <a:buNone/>
             </a:pPr>
-            <a:r>
-              <a:t/>
-            </a:r>
             <a:endParaRPr sz="1800"/>
           </a:p>
         </p:txBody>
@@ -9195,7 +9342,7 @@
               <a:alphaModFix/>
             </a:blip>
             <a:stretch>
-              <a:fillRect b="0" l="0" r="0" t="0"/>
+              <a:fillRect/>
             </a:stretch>
           </a:blipFill>
           <a:ln>
@@ -9203,12 +9350,12 @@
           </a:ln>
         </p:spPr>
         <p:txBody>
-          <a:bodyPr anchorCtr="0" anchor="t" bIns="0" lIns="0" spcFirstLastPara="1" rIns="0" wrap="square" tIns="0">
+          <a:bodyPr spcFirstLastPara="1" wrap="square" lIns="0" tIns="0" rIns="0" bIns="0" anchor="t" anchorCtr="0">
             <a:noAutofit/>
           </a:bodyPr>
           <a:lstStyle/>
           <a:p>
-            <a:pPr indent="0" lvl="0" marL="0" marR="0" rtl="0" algn="l">
+            <a:pPr marL="0" marR="0" lvl="0" indent="0" algn="l" rtl="0">
               <a:spcBef>
                 <a:spcPts val="0"/>
               </a:spcBef>
@@ -9217,9 +9364,6 @@
               </a:spcAft>
               <a:buNone/>
             </a:pPr>
-            <a:r>
-              <a:t/>
-            </a:r>
             <a:endParaRPr sz="1800"/>
           </a:p>
         </p:txBody>
@@ -9243,7 +9387,7 @@
               <a:alphaModFix/>
             </a:blip>
             <a:stretch>
-              <a:fillRect b="0" l="0" r="0" t="0"/>
+              <a:fillRect/>
             </a:stretch>
           </a:blipFill>
           <a:ln>
@@ -9251,12 +9395,12 @@
           </a:ln>
         </p:spPr>
         <p:txBody>
-          <a:bodyPr anchorCtr="0" anchor="t" bIns="0" lIns="0" spcFirstLastPara="1" rIns="0" wrap="square" tIns="0">
+          <a:bodyPr spcFirstLastPara="1" wrap="square" lIns="0" tIns="0" rIns="0" bIns="0" anchor="t" anchorCtr="0">
             <a:noAutofit/>
           </a:bodyPr>
           <a:lstStyle/>
           <a:p>
-            <a:pPr indent="0" lvl="0" marL="0" marR="0" rtl="0" algn="l">
+            <a:pPr marL="0" marR="0" lvl="0" indent="0" algn="l" rtl="0">
               <a:spcBef>
                 <a:spcPts val="0"/>
               </a:spcBef>
@@ -9265,9 +9409,6 @@
               </a:spcAft>
               <a:buNone/>
             </a:pPr>
-            <a:r>
-              <a:t/>
-            </a:r>
             <a:endParaRPr sz="1800"/>
           </a:p>
         </p:txBody>
@@ -9291,7 +9432,7 @@
               <a:alphaModFix/>
             </a:blip>
             <a:stretch>
-              <a:fillRect b="0" l="0" r="0" t="0"/>
+              <a:fillRect/>
             </a:stretch>
           </a:blipFill>
           <a:ln>
@@ -9299,12 +9440,12 @@
           </a:ln>
         </p:spPr>
         <p:txBody>
-          <a:bodyPr anchorCtr="0" anchor="t" bIns="0" lIns="0" spcFirstLastPara="1" rIns="0" wrap="square" tIns="0">
+          <a:bodyPr spcFirstLastPara="1" wrap="square" lIns="0" tIns="0" rIns="0" bIns="0" anchor="t" anchorCtr="0">
             <a:noAutofit/>
           </a:bodyPr>
           <a:lstStyle/>
           <a:p>
-            <a:pPr indent="0" lvl="0" marL="0" marR="0" rtl="0" algn="l">
+            <a:pPr marL="0" marR="0" lvl="0" indent="0" algn="l" rtl="0">
               <a:spcBef>
                 <a:spcPts val="0"/>
               </a:spcBef>
@@ -9313,9 +9454,6 @@
               </a:spcAft>
               <a:buNone/>
             </a:pPr>
-            <a:r>
-              <a:t/>
-            </a:r>
             <a:endParaRPr sz="1800"/>
           </a:p>
         </p:txBody>
@@ -9332,9 +9470,13 @@
             <a:ext cx="1177290" cy="556260"/>
           </a:xfrm>
           <a:custGeom>
-            <a:rect b="b" l="l" r="r" t="t"/>
+            <a:avLst/>
+            <a:gdLst/>
+            <a:ahLst/>
+            <a:cxnLst/>
+            <a:rect l="l" t="t" r="r" b="b"/>
             <a:pathLst>
-              <a:path extrusionOk="0" h="556260" w="1177289">
+              <a:path w="1177289" h="556260" extrusionOk="0">
                 <a:moveTo>
                   <a:pt x="0" y="0"/>
                 </a:moveTo>
@@ -9345,23 +9487,23 @@
             </a:pathLst>
           </a:custGeom>
           <a:noFill/>
-          <a:ln cap="flat" cmpd="sng" w="28550">
+          <a:ln w="28550" cap="flat" cmpd="sng">
             <a:solidFill>
               <a:srgbClr val="FFFFFF"/>
             </a:solidFill>
             <a:prstDash val="solid"/>
             <a:round/>
-            <a:headEnd len="sm" w="sm" type="none"/>
-            <a:tailEnd len="sm" w="sm" type="none"/>
+            <a:headEnd type="none" w="sm" len="sm"/>
+            <a:tailEnd type="none" w="sm" len="sm"/>
           </a:ln>
         </p:spPr>
         <p:txBody>
-          <a:bodyPr anchorCtr="0" anchor="t" bIns="0" lIns="0" spcFirstLastPara="1" rIns="0" wrap="square" tIns="0">
+          <a:bodyPr spcFirstLastPara="1" wrap="square" lIns="0" tIns="0" rIns="0" bIns="0" anchor="t" anchorCtr="0">
             <a:noAutofit/>
           </a:bodyPr>
           <a:lstStyle/>
           <a:p>
-            <a:pPr indent="0" lvl="0" marL="0" marR="0" rtl="0" algn="l">
+            <a:pPr marL="0" marR="0" lvl="0" indent="0" algn="l" rtl="0">
               <a:spcBef>
                 <a:spcPts val="0"/>
               </a:spcBef>
@@ -9370,9 +9512,6 @@
               </a:spcAft>
               <a:buNone/>
             </a:pPr>
-            <a:r>
-              <a:t/>
-            </a:r>
             <a:endParaRPr sz="1800"/>
           </a:p>
         </p:txBody>
@@ -9396,7 +9535,7 @@
               <a:alphaModFix/>
             </a:blip>
             <a:stretch>
-              <a:fillRect b="0" l="0" r="0" t="0"/>
+              <a:fillRect/>
             </a:stretch>
           </a:blipFill>
           <a:ln>
@@ -9404,12 +9543,12 @@
           </a:ln>
         </p:spPr>
         <p:txBody>
-          <a:bodyPr anchorCtr="0" anchor="t" bIns="0" lIns="0" spcFirstLastPara="1" rIns="0" wrap="square" tIns="0">
+          <a:bodyPr spcFirstLastPara="1" wrap="square" lIns="0" tIns="0" rIns="0" bIns="0" anchor="t" anchorCtr="0">
             <a:noAutofit/>
           </a:bodyPr>
           <a:lstStyle/>
           <a:p>
-            <a:pPr indent="0" lvl="0" marL="0" marR="0" rtl="0" algn="l">
+            <a:pPr marL="0" marR="0" lvl="0" indent="0" algn="l" rtl="0">
               <a:spcBef>
                 <a:spcPts val="0"/>
               </a:spcBef>
@@ -9418,9 +9557,6 @@
               </a:spcAft>
               <a:buNone/>
             </a:pPr>
-            <a:r>
-              <a:t/>
-            </a:r>
             <a:endParaRPr sz="1800"/>
           </a:p>
         </p:txBody>
@@ -9445,12 +9581,12 @@
           </a:ln>
         </p:spPr>
         <p:txBody>
-          <a:bodyPr anchorCtr="0" anchor="t" bIns="0" lIns="0" spcFirstLastPara="1" rIns="0" wrap="square" tIns="10775">
+          <a:bodyPr spcFirstLastPara="1" wrap="square" lIns="0" tIns="10775" rIns="0" bIns="0" anchor="t" anchorCtr="0">
             <a:spAutoFit/>
           </a:bodyPr>
           <a:lstStyle/>
           <a:p>
-            <a:pPr indent="70485" lvl="0" marL="12700" marR="5080" rtl="0" algn="l">
+            <a:pPr marL="12700" marR="5080" lvl="0" indent="70485" algn="l" rtl="0">
               <a:lnSpc>
                 <a:spcPct val="101600"/>
               </a:lnSpc>
@@ -9463,7 +9599,7 @@
               <a:buNone/>
             </a:pPr>
             <a:r>
-              <a:rPr b="1" lang="en-US" sz="800">
+              <a:rPr lang="en-US" sz="800" b="1">
                 <a:solidFill>
                   <a:srgbClr val="FFFFFF"/>
                 </a:solidFill>
@@ -9503,12 +9639,12 @@
           </a:ln>
         </p:spPr>
         <p:txBody>
-          <a:bodyPr anchorCtr="0" anchor="t" bIns="0" lIns="0" spcFirstLastPara="1" rIns="0" wrap="square" tIns="10775">
+          <a:bodyPr spcFirstLastPara="1" wrap="square" lIns="0" tIns="10775" rIns="0" bIns="0" anchor="t" anchorCtr="0">
             <a:spAutoFit/>
           </a:bodyPr>
           <a:lstStyle/>
           <a:p>
-            <a:pPr indent="-197485" lvl="0" marL="209550" marR="5080" rtl="0" algn="l">
+            <a:pPr marL="209550" marR="5080" lvl="0" indent="-197485" algn="l" rtl="0">
               <a:lnSpc>
                 <a:spcPct val="101600"/>
               </a:lnSpc>
@@ -9521,7 +9657,7 @@
               <a:buNone/>
             </a:pPr>
             <a:r>
-              <a:rPr b="1" lang="en-US" sz="800">
+              <a:rPr lang="en-US" sz="800" b="1">
                 <a:solidFill>
                   <a:srgbClr val="FFFFFF"/>
                 </a:solidFill>
@@ -9561,12 +9697,12 @@
           </a:ln>
         </p:spPr>
         <p:txBody>
-          <a:bodyPr anchorCtr="0" anchor="t" bIns="0" lIns="0" spcFirstLastPara="1" rIns="0" wrap="square" tIns="12700">
+          <a:bodyPr spcFirstLastPara="1" wrap="square" lIns="0" tIns="12700" rIns="0" bIns="0" anchor="t" anchorCtr="0">
             <a:spAutoFit/>
           </a:bodyPr>
           <a:lstStyle/>
           <a:p>
-            <a:pPr indent="0" lvl="0" marL="12700" marR="0" rtl="0" algn="l">
+            <a:pPr marL="12700" marR="0" lvl="0" indent="0" algn="l" rtl="0">
               <a:lnSpc>
                 <a:spcPct val="100000"/>
               </a:lnSpc>
@@ -9579,7 +9715,7 @@
               <a:buNone/>
             </a:pPr>
             <a:r>
-              <a:rPr b="1" lang="en-US" sz="1100">
+              <a:rPr lang="en-US" sz="1100" b="1">
                 <a:solidFill>
                   <a:srgbClr val="FFFFFF"/>
                 </a:solidFill>
@@ -9619,12 +9755,12 @@
           </a:ln>
         </p:spPr>
         <p:txBody>
-          <a:bodyPr anchorCtr="0" anchor="t" bIns="0" lIns="0" spcFirstLastPara="1" rIns="0" wrap="square" tIns="12700">
+          <a:bodyPr spcFirstLastPara="1" wrap="square" lIns="0" tIns="12700" rIns="0" bIns="0" anchor="t" anchorCtr="0">
             <a:spAutoFit/>
           </a:bodyPr>
           <a:lstStyle/>
           <a:p>
-            <a:pPr indent="0" lvl="0" marL="12700" marR="0" rtl="0" algn="l">
+            <a:pPr marL="12700" marR="0" lvl="0" indent="0" algn="l" rtl="0">
               <a:lnSpc>
                 <a:spcPct val="100000"/>
               </a:lnSpc>
@@ -9637,7 +9773,7 @@
               <a:buNone/>
             </a:pPr>
             <a:r>
-              <a:rPr b="1" lang="en-US" sz="1100">
+              <a:rPr lang="en-US" sz="1100" b="1">
                 <a:solidFill>
                   <a:srgbClr val="FFFFFF"/>
                 </a:solidFill>
@@ -9677,12 +9813,12 @@
           </a:ln>
         </p:spPr>
         <p:txBody>
-          <a:bodyPr anchorCtr="0" anchor="t" bIns="0" lIns="0" spcFirstLastPara="1" rIns="0" wrap="square" tIns="12700">
+          <a:bodyPr spcFirstLastPara="1" wrap="square" lIns="0" tIns="12700" rIns="0" bIns="0" anchor="t" anchorCtr="0">
             <a:spAutoFit/>
           </a:bodyPr>
           <a:lstStyle/>
           <a:p>
-            <a:pPr indent="0" lvl="0" marL="12700" marR="0" rtl="0" algn="l">
+            <a:pPr marL="12700" marR="0" lvl="0" indent="0" algn="l" rtl="0">
               <a:lnSpc>
                 <a:spcPct val="100000"/>
               </a:lnSpc>
@@ -9695,7 +9831,7 @@
               <a:buNone/>
             </a:pPr>
             <a:r>
-              <a:rPr b="1" lang="en-US" sz="800">
+              <a:rPr lang="en-US" sz="800" b="1">
                 <a:solidFill>
                   <a:srgbClr val="FFFFFF"/>
                 </a:solidFill>
@@ -9735,12 +9871,12 @@
           </a:ln>
         </p:spPr>
         <p:txBody>
-          <a:bodyPr anchorCtr="0" anchor="t" bIns="0" lIns="0" spcFirstLastPara="1" rIns="0" wrap="square" tIns="10775">
+          <a:bodyPr spcFirstLastPara="1" wrap="square" lIns="0" tIns="10775" rIns="0" bIns="0" anchor="t" anchorCtr="0">
             <a:spAutoFit/>
           </a:bodyPr>
           <a:lstStyle/>
           <a:p>
-            <a:pPr indent="0" lvl="0" marL="12700" marR="5080" rtl="0" algn="ctr">
+            <a:pPr marL="12700" marR="5080" lvl="0" indent="0" algn="ctr" rtl="0">
               <a:lnSpc>
                 <a:spcPct val="101600"/>
               </a:lnSpc>
@@ -9753,7 +9889,7 @@
               <a:buNone/>
             </a:pPr>
             <a:r>
-              <a:rPr b="1" lang="en-US" sz="800">
+              <a:rPr lang="en-US" sz="800" b="1">
                 <a:solidFill>
                   <a:srgbClr val="FFFFFF"/>
                 </a:solidFill>
@@ -9793,12 +9929,12 @@
           </a:ln>
         </p:spPr>
         <p:txBody>
-          <a:bodyPr anchorCtr="0" anchor="t" bIns="0" lIns="0" spcFirstLastPara="1" rIns="0" wrap="square" tIns="12700">
+          <a:bodyPr spcFirstLastPara="1" wrap="square" lIns="0" tIns="12700" rIns="0" bIns="0" anchor="t" anchorCtr="0">
             <a:spAutoFit/>
           </a:bodyPr>
           <a:lstStyle/>
           <a:p>
-            <a:pPr indent="0" lvl="0" marL="12700" marR="0" rtl="0" algn="l">
+            <a:pPr marL="12700" marR="0" lvl="0" indent="0" algn="l" rtl="0">
               <a:lnSpc>
                 <a:spcPct val="100000"/>
               </a:lnSpc>
@@ -9811,7 +9947,7 @@
               <a:buNone/>
             </a:pPr>
             <a:r>
-              <a:rPr b="1" lang="en-US" sz="800">
+              <a:rPr lang="en-US" sz="800" b="1">
                 <a:solidFill>
                   <a:srgbClr val="FFFFFF"/>
                 </a:solidFill>
@@ -9851,12 +9987,12 @@
           </a:ln>
         </p:spPr>
         <p:txBody>
-          <a:bodyPr anchorCtr="0" anchor="t" bIns="0" lIns="0" spcFirstLastPara="1" rIns="0" wrap="square" tIns="12700">
+          <a:bodyPr spcFirstLastPara="1" wrap="square" lIns="0" tIns="12700" rIns="0" bIns="0" anchor="t" anchorCtr="0">
             <a:spAutoFit/>
           </a:bodyPr>
           <a:lstStyle/>
           <a:p>
-            <a:pPr indent="0" lvl="0" marL="12700" marR="0" rtl="0" algn="l">
+            <a:pPr marL="12700" marR="0" lvl="0" indent="0" algn="l" rtl="0">
               <a:lnSpc>
                 <a:spcPct val="100000"/>
               </a:lnSpc>
@@ -9869,7 +10005,7 @@
               <a:buNone/>
             </a:pPr>
             <a:r>
-              <a:rPr b="1" lang="en-US" sz="800">
+              <a:rPr lang="en-US" sz="800" b="1">
                 <a:solidFill>
                   <a:srgbClr val="FFFFFF"/>
                 </a:solidFill>
@@ -9909,12 +10045,12 @@
           </a:ln>
         </p:spPr>
         <p:txBody>
-          <a:bodyPr anchorCtr="0" anchor="t" bIns="0" lIns="0" spcFirstLastPara="1" rIns="0" wrap="square" tIns="12700">
+          <a:bodyPr spcFirstLastPara="1" wrap="square" lIns="0" tIns="12700" rIns="0" bIns="0" anchor="t" anchorCtr="0">
             <a:spAutoFit/>
           </a:bodyPr>
           <a:lstStyle/>
           <a:p>
-            <a:pPr indent="0" lvl="0" marL="12700" marR="0" rtl="0" algn="l">
+            <a:pPr marL="12700" marR="0" lvl="0" indent="0" algn="l" rtl="0">
               <a:lnSpc>
                 <a:spcPct val="100000"/>
               </a:lnSpc>
@@ -9927,7 +10063,7 @@
               <a:buNone/>
             </a:pPr>
             <a:r>
-              <a:rPr b="1" lang="en-US" sz="800">
+              <a:rPr lang="en-US" sz="800" b="1">
                 <a:solidFill>
                   <a:srgbClr val="FFFFFF"/>
                 </a:solidFill>
@@ -9956,11 +10092,11 @@
 </file>
 
 <file path=ppt/slides/slide7.xml><?xml version="1.0" encoding="utf-8"?>
-<p:sld xmlns:a="http://schemas.openxmlformats.org/drawingml/2006/main" xmlns:r="http://schemas.openxmlformats.org/officeDocument/2006/relationships" xmlns:mc="http://schemas.openxmlformats.org/markup-compatibility/2006" xmlns:mv="urn:schemas-microsoft-com:mac:vml" xmlns:p="http://schemas.openxmlformats.org/presentationml/2006/main" xmlns:c="http://schemas.openxmlformats.org/drawingml/2006/chart" xmlns:dgm="http://schemas.openxmlformats.org/drawingml/2006/diagram" xmlns:o="urn:schemas-microsoft-com:office:office" xmlns:v="urn:schemas-microsoft-com:vml" xmlns:pvml="urn:schemas-microsoft-com:office:powerpoint" xmlns:com="http://schemas.openxmlformats.org/drawingml/2006/compatibility" xmlns:p14="http://schemas.microsoft.com/office/powerpoint/2010/main" xmlns:p15="http://schemas.microsoft.com/office/powerpoint/2012/main" xmlns:ahyp="http://schemas.microsoft.com/office/drawing/2018/hyperlinkcolor">
+<p:sld xmlns:a="http://schemas.openxmlformats.org/drawingml/2006/main" xmlns:r="http://schemas.openxmlformats.org/officeDocument/2006/relationships" xmlns:p="http://schemas.openxmlformats.org/presentationml/2006/main">
   <p:cSld>
     <p:spTree>
       <p:nvGrpSpPr>
-        <p:cNvPr id="104" name="Shape 104"/>
+        <p:cNvPr id="1" name="Shape 104"/>
         <p:cNvGrpSpPr/>
         <p:nvPr/>
       </p:nvGrpSpPr>
@@ -9975,7 +10111,9 @@
       <p:sp>
         <p:nvSpPr>
           <p:cNvPr id="105" name="Google Shape;105;p5"/>
-          <p:cNvSpPr txBox="1"/>
+          <p:cNvSpPr txBox="1">
+            <a:spLocks noGrp="1"/>
+          </p:cNvSpPr>
           <p:nvPr>
             <p:ph type="title"/>
           </p:nvPr>
@@ -9994,12 +10132,12 @@
           </a:ln>
         </p:spPr>
         <p:txBody>
-          <a:bodyPr anchorCtr="0" anchor="t" bIns="0" lIns="0" spcFirstLastPara="1" rIns="0" wrap="square" tIns="12700">
+          <a:bodyPr spcFirstLastPara="1" wrap="square" lIns="0" tIns="12700" rIns="0" bIns="0" anchor="t" anchorCtr="0">
             <a:spAutoFit/>
           </a:bodyPr>
           <a:lstStyle/>
           <a:p>
-            <a:pPr indent="0" lvl="0" marL="12700" rtl="0" algn="l">
+            <a:pPr marL="12700" lvl="0" indent="0" algn="l" rtl="0">
               <a:lnSpc>
                 <a:spcPct val="100000"/>
               </a:lnSpc>
@@ -10039,12 +10177,12 @@
           </a:ln>
         </p:spPr>
         <p:txBody>
-          <a:bodyPr anchorCtr="0" anchor="t" bIns="0" lIns="0" spcFirstLastPara="1" rIns="0" wrap="square" tIns="12700">
+          <a:bodyPr spcFirstLastPara="1" wrap="square" lIns="0" tIns="12700" rIns="0" bIns="0" anchor="t" anchorCtr="0">
             <a:spAutoFit/>
           </a:bodyPr>
           <a:lstStyle/>
           <a:p>
-            <a:pPr indent="0" lvl="0" marL="1905" marR="0" rtl="0" algn="ctr">
+            <a:pPr marL="1905" marR="0" lvl="0" indent="0" algn="ctr" rtl="0">
               <a:lnSpc>
                 <a:spcPct val="100000"/>
               </a:lnSpc>
@@ -10057,7 +10195,7 @@
               <a:buNone/>
             </a:pPr>
             <a:r>
-              <a:rPr b="1" lang="en-US" sz="1100">
+              <a:rPr lang="en-US" sz="1100" b="1">
                 <a:solidFill>
                   <a:srgbClr val="FFFFFF"/>
                 </a:solidFill>
@@ -10076,7 +10214,7 @@
             </a:endParaRPr>
           </a:p>
           <a:p>
-            <a:pPr indent="635" lvl="0" marL="12065" marR="5080" rtl="0" algn="ctr">
+            <a:pPr marL="12065" marR="5080" lvl="0" indent="635" algn="ctr" rtl="0">
               <a:lnSpc>
                 <a:spcPct val="114599"/>
               </a:lnSpc>
@@ -10089,7 +10227,7 @@
               <a:buNone/>
             </a:pPr>
             <a:r>
-              <a:rPr b="1" lang="en-US" sz="1200">
+              <a:rPr lang="en-US" sz="1200" b="1">
                 <a:solidFill>
                   <a:srgbClr val="FFFFFF"/>
                 </a:solidFill>
@@ -10129,12 +10267,12 @@
           </a:ln>
         </p:spPr>
         <p:txBody>
-          <a:bodyPr anchorCtr="0" anchor="t" bIns="0" lIns="0" spcFirstLastPara="1" rIns="0" wrap="square" tIns="12700">
+          <a:bodyPr spcFirstLastPara="1" wrap="square" lIns="0" tIns="12700" rIns="0" bIns="0" anchor="t" anchorCtr="0">
             <a:spAutoFit/>
           </a:bodyPr>
           <a:lstStyle/>
           <a:p>
-            <a:pPr indent="0" lvl="0" marL="12700" marR="0" rtl="0" algn="l">
+            <a:pPr marL="12700" marR="0" lvl="0" indent="0" algn="l" rtl="0">
               <a:lnSpc>
                 <a:spcPct val="100000"/>
               </a:lnSpc>
@@ -10147,7 +10285,7 @@
               <a:buNone/>
             </a:pPr>
             <a:r>
-              <a:rPr b="1" lang="en-US" sz="1000">
+              <a:rPr lang="en-US" sz="1000" b="1">
                 <a:solidFill>
                   <a:srgbClr val="FFFFFF"/>
                 </a:solidFill>
@@ -10187,12 +10325,12 @@
           </a:ln>
         </p:spPr>
         <p:txBody>
-          <a:bodyPr anchorCtr="0" anchor="t" bIns="0" lIns="0" spcFirstLastPara="1" rIns="0" wrap="square" tIns="12700">
+          <a:bodyPr spcFirstLastPara="1" wrap="square" lIns="0" tIns="12700" rIns="0" bIns="0" anchor="t" anchorCtr="0">
             <a:spAutoFit/>
           </a:bodyPr>
           <a:lstStyle/>
           <a:p>
-            <a:pPr indent="-1270" lvl="0" marL="12700" marR="5080" rtl="0" algn="ctr">
+            <a:pPr marL="12700" marR="5080" lvl="0" indent="-1270" algn="ctr" rtl="0">
               <a:lnSpc>
                 <a:spcPct val="115399"/>
               </a:lnSpc>
@@ -10205,7 +10343,7 @@
               <a:buNone/>
             </a:pPr>
             <a:r>
-              <a:rPr b="1" lang="en-US" sz="1300">
+              <a:rPr lang="en-US" sz="1300" b="1">
                 <a:solidFill>
                   <a:srgbClr val="FFFFFF"/>
                 </a:solidFill>
@@ -10237,9 +10375,13 @@
             <a:ext cx="607060" cy="7619"/>
           </a:xfrm>
           <a:custGeom>
-            <a:rect b="b" l="l" r="r" t="t"/>
+            <a:avLst/>
+            <a:gdLst/>
+            <a:ahLst/>
+            <a:cxnLst/>
+            <a:rect l="l" t="t" r="r" b="b"/>
             <a:pathLst>
-              <a:path extrusionOk="0" h="7619" w="607060">
+              <a:path w="607060" h="7619" extrusionOk="0">
                 <a:moveTo>
                   <a:pt x="0" y="0"/>
                 </a:moveTo>
@@ -10250,23 +10392,23 @@
             </a:pathLst>
           </a:custGeom>
           <a:noFill/>
-          <a:ln cap="flat" cmpd="sng" w="28550">
+          <a:ln w="28550" cap="flat" cmpd="sng">
             <a:solidFill>
               <a:srgbClr val="D8D8D8"/>
             </a:solidFill>
             <a:prstDash val="solid"/>
             <a:round/>
-            <a:headEnd len="sm" w="sm" type="none"/>
-            <a:tailEnd len="sm" w="sm" type="none"/>
+            <a:headEnd type="none" w="sm" len="sm"/>
+            <a:tailEnd type="none" w="sm" len="sm"/>
           </a:ln>
         </p:spPr>
         <p:txBody>
-          <a:bodyPr anchorCtr="0" anchor="t" bIns="0" lIns="0" spcFirstLastPara="1" rIns="0" wrap="square" tIns="0">
+          <a:bodyPr spcFirstLastPara="1" wrap="square" lIns="0" tIns="0" rIns="0" bIns="0" anchor="t" anchorCtr="0">
             <a:noAutofit/>
           </a:bodyPr>
           <a:lstStyle/>
           <a:p>
-            <a:pPr indent="0" lvl="0" marL="0" marR="0" rtl="0" algn="l">
+            <a:pPr marL="0" marR="0" lvl="0" indent="0" algn="l" rtl="0">
               <a:spcBef>
                 <a:spcPts val="0"/>
               </a:spcBef>
@@ -10275,9 +10417,6 @@
               </a:spcAft>
               <a:buNone/>
             </a:pPr>
-            <a:r>
-              <a:t/>
-            </a:r>
             <a:endParaRPr sz="1800"/>
           </a:p>
         </p:txBody>
@@ -10301,7 +10440,7 @@
               <a:alphaModFix/>
             </a:blip>
             <a:stretch>
-              <a:fillRect b="0" l="0" r="0" t="0"/>
+              <a:fillRect/>
             </a:stretch>
           </a:blipFill>
           <a:ln>
@@ -10309,12 +10448,12 @@
           </a:ln>
         </p:spPr>
         <p:txBody>
-          <a:bodyPr anchorCtr="0" anchor="t" bIns="0" lIns="0" spcFirstLastPara="1" rIns="0" wrap="square" tIns="0">
+          <a:bodyPr spcFirstLastPara="1" wrap="square" lIns="0" tIns="0" rIns="0" bIns="0" anchor="t" anchorCtr="0">
             <a:noAutofit/>
           </a:bodyPr>
           <a:lstStyle/>
           <a:p>
-            <a:pPr indent="0" lvl="0" marL="0" marR="0" rtl="0" algn="l">
+            <a:pPr marL="0" marR="0" lvl="0" indent="0" algn="l" rtl="0">
               <a:spcBef>
                 <a:spcPts val="0"/>
               </a:spcBef>
@@ -10323,9 +10462,6 @@
               </a:spcAft>
               <a:buNone/>
             </a:pPr>
-            <a:r>
-              <a:t/>
-            </a:r>
             <a:endParaRPr sz="1800"/>
           </a:p>
         </p:txBody>
@@ -10342,9 +10478,13 @@
             <a:ext cx="607060" cy="7619"/>
           </a:xfrm>
           <a:custGeom>
-            <a:rect b="b" l="l" r="r" t="t"/>
+            <a:avLst/>
+            <a:gdLst/>
+            <a:ahLst/>
+            <a:cxnLst/>
+            <a:rect l="l" t="t" r="r" b="b"/>
             <a:pathLst>
-              <a:path extrusionOk="0" h="7619" w="607060">
+              <a:path w="607060" h="7619" extrusionOk="0">
                 <a:moveTo>
                   <a:pt x="0" y="0"/>
                 </a:moveTo>
@@ -10355,23 +10495,23 @@
             </a:pathLst>
           </a:custGeom>
           <a:noFill/>
-          <a:ln cap="flat" cmpd="sng" w="28550">
+          <a:ln w="28550" cap="flat" cmpd="sng">
             <a:solidFill>
               <a:srgbClr val="D8D8D8"/>
             </a:solidFill>
             <a:prstDash val="solid"/>
             <a:round/>
-            <a:headEnd len="sm" w="sm" type="none"/>
-            <a:tailEnd len="sm" w="sm" type="none"/>
+            <a:headEnd type="none" w="sm" len="sm"/>
+            <a:tailEnd type="none" w="sm" len="sm"/>
           </a:ln>
         </p:spPr>
         <p:txBody>
-          <a:bodyPr anchorCtr="0" anchor="t" bIns="0" lIns="0" spcFirstLastPara="1" rIns="0" wrap="square" tIns="0">
+          <a:bodyPr spcFirstLastPara="1" wrap="square" lIns="0" tIns="0" rIns="0" bIns="0" anchor="t" anchorCtr="0">
             <a:noAutofit/>
           </a:bodyPr>
           <a:lstStyle/>
           <a:p>
-            <a:pPr indent="0" lvl="0" marL="0" marR="0" rtl="0" algn="l">
+            <a:pPr marL="0" marR="0" lvl="0" indent="0" algn="l" rtl="0">
               <a:spcBef>
                 <a:spcPts val="0"/>
               </a:spcBef>
@@ -10380,9 +10520,6 @@
               </a:spcAft>
               <a:buNone/>
             </a:pPr>
-            <a:r>
-              <a:t/>
-            </a:r>
             <a:endParaRPr sz="1800"/>
           </a:p>
         </p:txBody>
@@ -10406,7 +10543,7 @@
               <a:alphaModFix/>
             </a:blip>
             <a:stretch>
-              <a:fillRect b="0" l="0" r="0" t="0"/>
+              <a:fillRect/>
             </a:stretch>
           </a:blipFill>
           <a:ln>
@@ -10414,12 +10551,12 @@
           </a:ln>
         </p:spPr>
         <p:txBody>
-          <a:bodyPr anchorCtr="0" anchor="t" bIns="0" lIns="0" spcFirstLastPara="1" rIns="0" wrap="square" tIns="0">
+          <a:bodyPr spcFirstLastPara="1" wrap="square" lIns="0" tIns="0" rIns="0" bIns="0" anchor="t" anchorCtr="0">
             <a:noAutofit/>
           </a:bodyPr>
           <a:lstStyle/>
           <a:p>
-            <a:pPr indent="0" lvl="0" marL="0" marR="0" rtl="0" algn="l">
+            <a:pPr marL="0" marR="0" lvl="0" indent="0" algn="l" rtl="0">
               <a:spcBef>
                 <a:spcPts val="0"/>
               </a:spcBef>
@@ -10428,9 +10565,6 @@
               </a:spcAft>
               <a:buNone/>
             </a:pPr>
-            <a:r>
-              <a:t/>
-            </a:r>
             <a:endParaRPr sz="1800"/>
           </a:p>
         </p:txBody>
@@ -10454,7 +10588,7 @@
               <a:alphaModFix/>
             </a:blip>
             <a:stretch>
-              <a:fillRect b="0" l="0" r="0" t="0"/>
+              <a:fillRect/>
             </a:stretch>
           </a:blipFill>
           <a:ln>
@@ -10462,12 +10596,12 @@
           </a:ln>
         </p:spPr>
         <p:txBody>
-          <a:bodyPr anchorCtr="0" anchor="t" bIns="0" lIns="0" spcFirstLastPara="1" rIns="0" wrap="square" tIns="0">
+          <a:bodyPr spcFirstLastPara="1" wrap="square" lIns="0" tIns="0" rIns="0" bIns="0" anchor="t" anchorCtr="0">
             <a:noAutofit/>
           </a:bodyPr>
           <a:lstStyle/>
           <a:p>
-            <a:pPr indent="0" lvl="0" marL="0" marR="0" rtl="0" algn="l">
+            <a:pPr marL="0" marR="0" lvl="0" indent="0" algn="l" rtl="0">
               <a:spcBef>
                 <a:spcPts val="0"/>
               </a:spcBef>
@@ -10476,9 +10610,6 @@
               </a:spcAft>
               <a:buNone/>
             </a:pPr>
-            <a:r>
-              <a:t/>
-            </a:r>
             <a:endParaRPr sz="1800"/>
           </a:p>
         </p:txBody>
@@ -10503,12 +10634,12 @@
           </a:ln>
         </p:spPr>
         <p:txBody>
-          <a:bodyPr anchorCtr="0" anchor="t" bIns="0" lIns="0" spcFirstLastPara="1" rIns="0" wrap="square" tIns="12700">
+          <a:bodyPr spcFirstLastPara="1" wrap="square" lIns="0" tIns="12700" rIns="0" bIns="0" anchor="t" anchorCtr="0">
             <a:spAutoFit/>
           </a:bodyPr>
           <a:lstStyle/>
           <a:p>
-            <a:pPr indent="0" lvl="0" marL="12700" marR="0" rtl="0" algn="l">
+            <a:pPr marL="12700" marR="0" lvl="0" indent="0" algn="l" rtl="0">
               <a:lnSpc>
                 <a:spcPct val="100000"/>
               </a:lnSpc>
@@ -10521,7 +10652,7 @@
               <a:buNone/>
             </a:pPr>
             <a:r>
-              <a:rPr b="1" lang="en-US" sz="1100">
+              <a:rPr lang="en-US" sz="1100" b="1">
                 <a:solidFill>
                   <a:srgbClr val="FFFFFF"/>
                 </a:solidFill>
@@ -10617,12 +10748,12 @@
           </a:ln>
         </p:spPr>
         <p:txBody>
-          <a:bodyPr anchorCtr="0" anchor="t" bIns="91425" lIns="91425" spcFirstLastPara="1" rIns="91425" wrap="square" tIns="91425">
+          <a:bodyPr spcFirstLastPara="1" wrap="square" lIns="91425" tIns="91425" rIns="91425" bIns="91425" anchor="t" anchorCtr="0">
             <a:noAutofit/>
           </a:bodyPr>
           <a:lstStyle/>
           <a:p>
-            <a:pPr indent="0" lvl="0" marL="0" marR="5080" rtl="0" algn="ctr">
+            <a:pPr marL="0" marR="5080" lvl="0" indent="0" algn="ctr" rtl="0">
               <a:lnSpc>
                 <a:spcPct val="114599"/>
               </a:lnSpc>
@@ -10639,7 +10770,7 @@
               <a:buNone/>
             </a:pPr>
             <a:r>
-              <a:rPr b="1" lang="en-US" sz="1200">
+              <a:rPr lang="en-US" sz="1200" b="1">
                 <a:solidFill>
                   <a:schemeClr val="lt1"/>
                 </a:solidFill>
@@ -10661,7 +10792,7 @@
             </a:endParaRPr>
           </a:p>
           <a:p>
-            <a:pPr indent="0" lvl="0" marL="0" rtl="0" algn="l">
+            <a:pPr marL="0" lvl="0" indent="0" algn="l" rtl="0">
               <a:spcBef>
                 <a:spcPts val="0"/>
               </a:spcBef>
@@ -10670,9 +10801,6 @@
               </a:spcAft>
               <a:buNone/>
             </a:pPr>
-            <a:r>
-              <a:t/>
-            </a:r>
             <a:endParaRPr/>
           </a:p>
         </p:txBody>
@@ -10685,32 +10813,32 @@
   <p:timing>
     <p:tnLst>
       <p:par>
-        <p:cTn dur="indefinite" nodeType="tmRoot" restart="never">
+        <p:cTn id="1" dur="indefinite" restart="never" nodeType="tmRoot">
           <p:childTnLst>
             <p:seq concurrent="1" nextAc="seek">
-              <p:cTn dur="indefinite" id="2" nodeType="mainSeq">
+              <p:cTn id="2" dur="indefinite" nodeType="mainSeq">
                 <p:childTnLst>
                   <p:par>
-                    <p:cTn fill="hold">
+                    <p:cTn id="3" fill="hold">
                       <p:stCondLst>
                         <p:cond delay="indefinite"/>
                       </p:stCondLst>
                       <p:childTnLst>
                         <p:par>
-                          <p:cTn fill="hold">
+                          <p:cTn id="4" fill="hold">
                             <p:stCondLst>
                               <p:cond delay="0"/>
                             </p:stCondLst>
                             <p:childTnLst>
                               <p:par>
-                                <p:cTn fill="hold" nodeType="clickEffect" presetClass="entr" presetID="10" presetSubtype="0">
+                                <p:cTn id="5" presetID="10" presetClass="entr" presetSubtype="0" fill="hold" nodeType="clickEffect">
                                   <p:stCondLst>
                                     <p:cond delay="0"/>
                                   </p:stCondLst>
                                   <p:childTnLst>
                                     <p:set>
                                       <p:cBhvr>
-                                        <p:cTn dur="1" fill="hold">
+                                        <p:cTn id="6" dur="1" fill="hold">
                                           <p:stCondLst>
                                             <p:cond delay="0"/>
                                           </p:stCondLst>
@@ -10726,9 +10854,9 @@
                                         <p:strVal val="visible"/>
                                       </p:to>
                                     </p:set>
-                                    <p:animEffect filter="fade" transition="in">
+                                    <p:animEffect transition="in" filter="fade">
                                       <p:cBhvr>
-                                        <p:cTn dur="1000"/>
+                                        <p:cTn id="7" dur="1000"/>
                                         <p:tgtEl>
                                           <p:spTgt spid="115"/>
                                         </p:tgtEl>
@@ -10746,14 +10874,14 @@
                 </p:childTnLst>
               </p:cTn>
               <p:prevCondLst>
-                <p:cond evt="onPrev">
+                <p:cond evt="onPrev" delay="0">
                   <p:tgtEl>
                     <p:sldTgt/>
                   </p:tgtEl>
                 </p:cond>
               </p:prevCondLst>
               <p:nextCondLst>
-                <p:cond evt="onNext">
+                <p:cond evt="onNext" delay="0">
                   <p:tgtEl>
                     <p:sldTgt/>
                   </p:tgtEl>
@@ -10769,11 +10897,11 @@
 </file>
 
 <file path=ppt/slides/slide8.xml><?xml version="1.0" encoding="utf-8"?>
-<p:sld xmlns:a="http://schemas.openxmlformats.org/drawingml/2006/main" xmlns:r="http://schemas.openxmlformats.org/officeDocument/2006/relationships" xmlns:mc="http://schemas.openxmlformats.org/markup-compatibility/2006" xmlns:mv="urn:schemas-microsoft-com:mac:vml" xmlns:p="http://schemas.openxmlformats.org/presentationml/2006/main" xmlns:c="http://schemas.openxmlformats.org/drawingml/2006/chart" xmlns:dgm="http://schemas.openxmlformats.org/drawingml/2006/diagram" xmlns:o="urn:schemas-microsoft-com:office:office" xmlns:v="urn:schemas-microsoft-com:vml" xmlns:pvml="urn:schemas-microsoft-com:office:powerpoint" xmlns:com="http://schemas.openxmlformats.org/drawingml/2006/compatibility" xmlns:p14="http://schemas.microsoft.com/office/powerpoint/2010/main" xmlns:p15="http://schemas.microsoft.com/office/powerpoint/2012/main" xmlns:ahyp="http://schemas.microsoft.com/office/drawing/2018/hyperlinkcolor">
+<p:sld xmlns:a="http://schemas.openxmlformats.org/drawingml/2006/main" xmlns:r="http://schemas.openxmlformats.org/officeDocument/2006/relationships" xmlns:p="http://schemas.openxmlformats.org/presentationml/2006/main">
   <p:cSld>
     <p:spTree>
       <p:nvGrpSpPr>
-        <p:cNvPr id="121" name="Shape 121"/>
+        <p:cNvPr id="1" name="Shape 121"/>
         <p:cNvGrpSpPr/>
         <p:nvPr/>
       </p:nvGrpSpPr>
@@ -10788,7 +10916,9 @@
       <p:sp>
         <p:nvSpPr>
           <p:cNvPr id="122" name="Google Shape;122;p7"/>
-          <p:cNvSpPr txBox="1"/>
+          <p:cNvSpPr txBox="1">
+            <a:spLocks noGrp="1"/>
+          </p:cNvSpPr>
           <p:nvPr>
             <p:ph type="title"/>
           </p:nvPr>
@@ -10807,12 +10937,12 @@
           </a:ln>
         </p:spPr>
         <p:txBody>
-          <a:bodyPr anchorCtr="0" anchor="t" bIns="0" lIns="0" spcFirstLastPara="1" rIns="0" wrap="square" tIns="12700">
+          <a:bodyPr spcFirstLastPara="1" wrap="square" lIns="0" tIns="12700" rIns="0" bIns="0" anchor="t" anchorCtr="0">
             <a:spAutoFit/>
           </a:bodyPr>
           <a:lstStyle/>
           <a:p>
-            <a:pPr indent="0" lvl="0" marL="12700" rtl="0" algn="l">
+            <a:pPr marL="12700" lvl="0" indent="0" algn="l" rtl="0">
               <a:lnSpc>
                 <a:spcPct val="100000"/>
               </a:lnSpc>
@@ -10852,12 +10982,12 @@
           </a:ln>
         </p:spPr>
         <p:txBody>
-          <a:bodyPr anchorCtr="0" anchor="t" bIns="0" lIns="0" spcFirstLastPara="1" rIns="0" wrap="square" tIns="56500">
+          <a:bodyPr spcFirstLastPara="1" wrap="square" lIns="0" tIns="56500" rIns="0" bIns="0" anchor="t" anchorCtr="0">
             <a:spAutoFit/>
           </a:bodyPr>
           <a:lstStyle/>
           <a:p>
-            <a:pPr indent="-374015" lvl="0" marL="386715" marR="0" rtl="0" algn="l">
+            <a:pPr marL="386715" marR="0" lvl="0" indent="-374015" algn="l" rtl="0">
               <a:lnSpc>
                 <a:spcPct val="100000"/>
               </a:lnSpc>
@@ -10894,7 +11024,7 @@
             </a:endParaRPr>
           </a:p>
           <a:p>
-            <a:pPr indent="-374015" lvl="0" marL="386715" marR="0" rtl="0" algn="l">
+            <a:pPr marL="386715" marR="0" lvl="0" indent="-374015" algn="l" rtl="0">
               <a:lnSpc>
                 <a:spcPct val="100000"/>
               </a:lnSpc>
@@ -10931,7 +11061,7 @@
             </a:endParaRPr>
           </a:p>
           <a:p>
-            <a:pPr indent="-374015" lvl="0" marL="386715" marR="0" rtl="0" algn="l">
+            <a:pPr marL="386715" marR="0" lvl="0" indent="-374015" algn="l" rtl="0">
               <a:lnSpc>
                 <a:spcPct val="100000"/>
               </a:lnSpc>
@@ -10968,7 +11098,7 @@
             </a:endParaRPr>
           </a:p>
           <a:p>
-            <a:pPr indent="-374015" lvl="0" marL="386715" marR="5080" rtl="0" algn="l">
+            <a:pPr marL="386715" marR="5080" lvl="0" indent="-374015" algn="l" rtl="0">
               <a:lnSpc>
                 <a:spcPct val="115100"/>
               </a:lnSpc>
@@ -11005,7 +11135,7 @@
             </a:endParaRPr>
           </a:p>
           <a:p>
-            <a:pPr indent="-374015" lvl="0" marL="386715" marR="0" rtl="0" algn="l">
+            <a:pPr marL="386715" marR="0" lvl="0" indent="-374015" algn="l" rtl="0">
               <a:lnSpc>
                 <a:spcPct val="100000"/>
               </a:lnSpc>
@@ -11042,7 +11172,7 @@
             </a:endParaRPr>
           </a:p>
           <a:p>
-            <a:pPr indent="-374015" lvl="0" marL="386715" marR="0" rtl="0" algn="l">
+            <a:pPr marL="386715" marR="0" lvl="0" indent="-374015" algn="l" rtl="0">
               <a:lnSpc>
                 <a:spcPct val="100000"/>
               </a:lnSpc>
@@ -11079,7 +11209,7 @@
             </a:endParaRPr>
           </a:p>
           <a:p>
-            <a:pPr indent="-374015" lvl="0" marL="386715" marR="0" rtl="0" algn="l">
+            <a:pPr marL="386715" marR="0" lvl="0" indent="-374015" algn="l" rtl="0">
               <a:lnSpc>
                 <a:spcPct val="100000"/>
               </a:lnSpc>
@@ -11126,11 +11256,11 @@
 </file>
 
 <file path=ppt/slides/slide9.xml><?xml version="1.0" encoding="utf-8"?>
-<p:sld xmlns:a="http://schemas.openxmlformats.org/drawingml/2006/main" xmlns:r="http://schemas.openxmlformats.org/officeDocument/2006/relationships" xmlns:mc="http://schemas.openxmlformats.org/markup-compatibility/2006" xmlns:mv="urn:schemas-microsoft-com:mac:vml" xmlns:p="http://schemas.openxmlformats.org/presentationml/2006/main" xmlns:c="http://schemas.openxmlformats.org/drawingml/2006/chart" xmlns:dgm="http://schemas.openxmlformats.org/drawingml/2006/diagram" xmlns:o="urn:schemas-microsoft-com:office:office" xmlns:v="urn:schemas-microsoft-com:vml" xmlns:pvml="urn:schemas-microsoft-com:office:powerpoint" xmlns:com="http://schemas.openxmlformats.org/drawingml/2006/compatibility" xmlns:p14="http://schemas.microsoft.com/office/powerpoint/2010/main" xmlns:p15="http://schemas.microsoft.com/office/powerpoint/2012/main" xmlns:ahyp="http://schemas.microsoft.com/office/drawing/2018/hyperlinkcolor" showMasterSp="0">
+<p:sld xmlns:a="http://schemas.openxmlformats.org/drawingml/2006/main" xmlns:r="http://schemas.openxmlformats.org/officeDocument/2006/relationships" xmlns:p="http://schemas.openxmlformats.org/presentationml/2006/main" showMasterSp="0">
   <p:cSld>
     <p:spTree>
       <p:nvGrpSpPr>
-        <p:cNvPr id="127" name="Shape 127"/>
+        <p:cNvPr id="1" name="Shape 127"/>
         <p:cNvGrpSpPr/>
         <p:nvPr/>
       </p:nvGrpSpPr>
@@ -11154,9 +11284,13 @@
             <a:ext cx="9144000" cy="5143500"/>
           </a:xfrm>
           <a:custGeom>
-            <a:rect b="b" l="l" r="r" t="t"/>
+            <a:avLst/>
+            <a:gdLst/>
+            <a:ahLst/>
+            <a:cxnLst/>
+            <a:rect l="l" t="t" r="r" b="b"/>
             <a:pathLst>
-              <a:path extrusionOk="0" h="5143500" w="9144000">
+              <a:path w="9144000" h="5143500" extrusionOk="0">
                 <a:moveTo>
                   <a:pt x="0" y="0"/>
                 </a:moveTo>
@@ -11184,12 +11318,12 @@
           </a:ln>
         </p:spPr>
         <p:txBody>
-          <a:bodyPr anchorCtr="0" anchor="t" bIns="0" lIns="0" spcFirstLastPara="1" rIns="0" wrap="square" tIns="0">
+          <a:bodyPr spcFirstLastPara="1" wrap="square" lIns="0" tIns="0" rIns="0" bIns="0" anchor="t" anchorCtr="0">
             <a:noAutofit/>
           </a:bodyPr>
           <a:lstStyle/>
           <a:p>
-            <a:pPr indent="0" lvl="0" marL="0" marR="0" rtl="0" algn="l">
+            <a:pPr marL="0" marR="0" lvl="0" indent="0" algn="l" rtl="0">
               <a:spcBef>
                 <a:spcPts val="0"/>
               </a:spcBef>
@@ -11198,9 +11332,6 @@
               </a:spcAft>
               <a:buNone/>
             </a:pPr>
-            <a:r>
-              <a:t/>
-            </a:r>
             <a:endParaRPr sz="1800"/>
           </a:p>
         </p:txBody>
@@ -11208,7 +11339,9 @@
       <p:sp>
         <p:nvSpPr>
           <p:cNvPr id="129" name="Google Shape;129;p8"/>
-          <p:cNvSpPr txBox="1"/>
+          <p:cNvSpPr txBox="1">
+            <a:spLocks noGrp="1"/>
+          </p:cNvSpPr>
           <p:nvPr>
             <p:ph type="title"/>
           </p:nvPr>
@@ -11216,7 +11349,7 @@
         <p:spPr>
           <a:xfrm>
             <a:off x="2178335" y="289176"/>
-            <a:ext cx="4776470" cy="452120"/>
+            <a:ext cx="5002186" cy="443711"/>
           </a:xfrm>
           <a:prstGeom prst="rect">
             <a:avLst/>
@@ -11227,12 +11360,12 @@
           </a:ln>
         </p:spPr>
         <p:txBody>
-          <a:bodyPr anchorCtr="0" anchor="t" bIns="0" lIns="0" spcFirstLastPara="1" rIns="0" wrap="square" tIns="12700">
+          <a:bodyPr spcFirstLastPara="1" wrap="square" lIns="0" tIns="12700" rIns="0" bIns="0" anchor="t" anchorCtr="0">
             <a:spAutoFit/>
           </a:bodyPr>
           <a:lstStyle/>
           <a:p>
-            <a:pPr indent="0" lvl="0" marL="12700" rtl="0" algn="l">
+            <a:pPr marL="12700" lvl="0" indent="0" algn="l" rtl="0">
               <a:lnSpc>
                 <a:spcPct val="100000"/>
               </a:lnSpc>
@@ -11245,58 +11378,92 @@
               <a:buNone/>
             </a:pPr>
             <a:r>
-              <a:rPr lang="en-US" sz="2800"/>
+              <a:rPr lang="en-US" sz="2800" dirty="0"/>
               <a:t>Tech Stack Used - Our Toolkit</a:t>
             </a:r>
-            <a:endParaRPr sz="2800"/>
+            <a:endParaRPr sz="2800" dirty="0"/>
           </a:p>
         </p:txBody>
       </p:sp>
       <p:sp>
         <p:nvSpPr>
-          <p:cNvPr id="130" name="Google Shape;130;p8"/>
+          <p:cNvPr id="5" name="Rectangle: Rounded Corners 4">
+            <a:extLst>
+              <a:ext uri="{FF2B5EF4-FFF2-40B4-BE49-F238E27FC236}">
+                <a16:creationId xmlns:a16="http://schemas.microsoft.com/office/drawing/2014/main" id="{1DC5178D-7A7D-4FDE-93AB-76AEACF461A6}"/>
+              </a:ext>
+            </a:extLst>
+          </p:cNvPr>
           <p:cNvSpPr/>
           <p:nvPr/>
         </p:nvSpPr>
         <p:spPr>
           <a:xfrm>
-            <a:off x="951673" y="840073"/>
-            <a:ext cx="7174435" cy="4035616"/>
+            <a:off x="818707" y="1022063"/>
+            <a:ext cx="7506586" cy="3792279"/>
           </a:xfrm>
-          <a:prstGeom prst="rect">
-            <a:avLst/>
+          <a:prstGeom prst="roundRect">
+            <a:avLst>
+              <a:gd name="adj" fmla="val 1714"/>
+            </a:avLst>
           </a:prstGeom>
-          <a:blipFill rotWithShape="1">
+          <a:blipFill dpi="0" rotWithShape="1">
             <a:blip r:embed="rId3">
-              <a:alphaModFix/>
+              <a:extLst>
+                <a:ext uri="{28A0092B-C50C-407E-A947-70E740481C1C}">
+                  <a14:useLocalDpi xmlns:a14="http://schemas.microsoft.com/office/drawing/2010/main" val="0"/>
+                </a:ext>
+              </a:extLst>
             </a:blip>
+            <a:srcRect/>
             <a:stretch>
-              <a:fillRect b="0" l="0" r="0" t="0"/>
+              <a:fillRect/>
             </a:stretch>
           </a:blipFill>
           <a:ln>
             <a:noFill/>
           </a:ln>
+          <a:effectLst>
+            <a:outerShdw blurRad="44450" dist="27940" dir="5400000" algn="ctr">
+              <a:srgbClr val="000000">
+                <a:alpha val="32000"/>
+              </a:srgbClr>
+            </a:outerShdw>
+          </a:effectLst>
+          <a:scene3d>
+            <a:camera prst="orthographicFront">
+              <a:rot lat="0" lon="0" rev="0"/>
+            </a:camera>
+            <a:lightRig rig="balanced" dir="t">
+              <a:rot lat="0" lon="0" rev="8700000"/>
+            </a:lightRig>
+          </a:scene3d>
+          <a:sp3d>
+            <a:bevelT w="190500" h="38100"/>
+          </a:sp3d>
         </p:spPr>
+        <p:style>
+          <a:lnRef idx="2">
+            <a:schemeClr val="accent1">
+              <a:shade val="50000"/>
+            </a:schemeClr>
+          </a:lnRef>
+          <a:fillRef idx="1">
+            <a:schemeClr val="accent1"/>
+          </a:fillRef>
+          <a:effectRef idx="0">
+            <a:schemeClr val="accent1"/>
+          </a:effectRef>
+          <a:fontRef idx="minor">
+            <a:schemeClr val="lt1"/>
+          </a:fontRef>
+        </p:style>
         <p:txBody>
-          <a:bodyPr anchorCtr="0" anchor="t" bIns="0" lIns="0" spcFirstLastPara="1" rIns="0" wrap="square" tIns="0">
-            <a:noAutofit/>
-          </a:bodyPr>
+          <a:bodyPr rtlCol="0" anchor="ctr"/>
           <a:lstStyle/>
           <a:p>
-            <a:pPr indent="0" lvl="0" marL="0" marR="0" rtl="0" algn="l">
-              <a:spcBef>
-                <a:spcPts val="0"/>
-              </a:spcBef>
-              <a:spcAft>
-                <a:spcPts val="0"/>
-              </a:spcAft>
-              <a:buNone/>
-            </a:pPr>
-            <a:r>
-              <a:t/>
-            </a:r>
-            <a:endParaRPr sz="1800"/>
+            <a:pPr algn="ctr"/>
+            <a:endParaRPr lang="en-US"/>
           </a:p>
         </p:txBody>
       </p:sp>
@@ -11309,7 +11476,7 @@
 </file>
 
 <file path=ppt/theme/theme1.xml><?xml version="1.0" encoding="utf-8"?>
-<a:theme xmlns:a="http://schemas.openxmlformats.org/drawingml/2006/main" xmlns:r="http://schemas.openxmlformats.org/officeDocument/2006/relationships" name="Office Theme">
+<a:theme xmlns:a="http://schemas.openxmlformats.org/drawingml/2006/main" name="Office Theme">
   <a:themeElements>
     <a:clrScheme name="Office">
       <a:dk1>
@@ -11584,11 +11751,13 @@
       </a:bgFillStyleLst>
     </a:fmtScheme>
   </a:themeElements>
+  <a:objectDefaults/>
+  <a:extraClrSchemeLst/>
 </a:theme>
 </file>
 
 <file path=ppt/theme/theme2.xml><?xml version="1.0" encoding="utf-8"?>
-<a:theme xmlns:a="http://schemas.openxmlformats.org/drawingml/2006/main" xmlns:r="http://schemas.openxmlformats.org/officeDocument/2006/relationships">
+<a:theme xmlns:a="http://schemas.openxmlformats.org/drawingml/2006/main">
   <a:themeElements>
     <a:clrScheme name="Default">
       <a:dk1>
@@ -11863,5 +12032,7 @@
       </a:bgFillStyleLst>
     </a:fmtScheme>
   </a:themeElements>
+  <a:objectDefaults/>
+  <a:extraClrSchemeLst/>
 </a:theme>
 </file>